--- a/Documentation/LMS_Presentation.pptx
+++ b/Documentation/LMS_Presentation.pptx
@@ -14,9 +14,9 @@
     <p:sldId id="303" r:id="rId5"/>
     <p:sldId id="304" r:id="rId6"/>
     <p:sldId id="305" r:id="rId7"/>
-    <p:sldId id="312" r:id="rId8"/>
-    <p:sldId id="309" r:id="rId9"/>
-    <p:sldId id="310" r:id="rId10"/>
+    <p:sldId id="313" r:id="rId8"/>
+    <p:sldId id="312" r:id="rId9"/>
+    <p:sldId id="309" r:id="rId10"/>
     <p:sldId id="311" r:id="rId11"/>
   </p:sldIdLst>
   <p:sldSz cx="9144000" cy="5143500" type="screen16x9"/>
@@ -10782,14 +10782,14 @@
   <p:clrMapOvr>
     <a:masterClrMapping/>
   </p:clrMapOvr>
-  <mc:AlternateContent xmlns:mc="http://schemas.openxmlformats.org/markup-compatibility/2006" xmlns:p14="http://schemas.microsoft.com/office/powerpoint/2010/main">
-    <mc:Choice Requires="p14">
-      <p:transition spd="med" p14:dur="700">
-        <p:fade/>
+  <mc:AlternateContent xmlns:mc="http://schemas.openxmlformats.org/markup-compatibility/2006">
+    <mc:Choice xmlns:p15="http://schemas.microsoft.com/office/powerpoint/2012/main" Requires="p15">
+      <p:transition xmlns:p14="http://schemas.microsoft.com/office/powerpoint/2010/main" spd="slow" p14:dur="2000">
+        <p15:prstTrans prst="drape"/>
       </p:transition>
     </mc:Choice>
-    <mc:Fallback xmlns="">
-      <p:transition spd="med">
+    <mc:Fallback>
+      <p:transition spd="slow">
         <p:fade/>
       </p:transition>
     </mc:Fallback>
@@ -23070,6 +23070,1885 @@
           <p:cNvPr id="2" name="Title 1">
             <a:extLst>
               <a:ext uri="{FF2B5EF4-FFF2-40B4-BE49-F238E27FC236}">
+                <a16:creationId xmlns:a16="http://schemas.microsoft.com/office/drawing/2014/main" id="{DDB873E6-50D9-294A-40D3-F81C61A0B78D}"/>
+              </a:ext>
+            </a:extLst>
+          </p:cNvPr>
+          <p:cNvSpPr>
+            <a:spLocks noGrp="1"/>
+          </p:cNvSpPr>
+          <p:nvPr>
+            <p:ph type="title"/>
+          </p:nvPr>
+        </p:nvSpPr>
+        <p:spPr>
+          <a:xfrm>
+            <a:off x="714125" y="407989"/>
+            <a:ext cx="7716000" cy="368700"/>
+          </a:xfrm>
+        </p:spPr>
+        <p:txBody>
+          <a:bodyPr/>
+          <a:lstStyle/>
+          <a:p>
+            <a:r>
+              <a:rPr lang="en-US" dirty="0"/>
+              <a:t>User case diagram</a:t>
+            </a:r>
+          </a:p>
+        </p:txBody>
+      </p:sp>
+      <p:grpSp>
+        <p:nvGrpSpPr>
+          <p:cNvPr id="38" name="Group 37">
+            <a:extLst>
+              <a:ext uri="{FF2B5EF4-FFF2-40B4-BE49-F238E27FC236}">
+                <a16:creationId xmlns:a16="http://schemas.microsoft.com/office/drawing/2014/main" id="{7E88C886-1259-D1A3-C161-06368FF520A8}"/>
+              </a:ext>
+            </a:extLst>
+          </p:cNvPr>
+          <p:cNvGrpSpPr/>
+          <p:nvPr/>
+        </p:nvGrpSpPr>
+        <p:grpSpPr>
+          <a:xfrm>
+            <a:off x="2433501" y="883155"/>
+            <a:ext cx="4276998" cy="3930390"/>
+            <a:chOff x="2111595" y="865526"/>
+            <a:chExt cx="4276998" cy="3930390"/>
+          </a:xfrm>
+        </p:grpSpPr>
+        <p:grpSp>
+          <p:nvGrpSpPr>
+            <p:cNvPr id="4" name="Group 3">
+              <a:extLst>
+                <a:ext uri="{FF2B5EF4-FFF2-40B4-BE49-F238E27FC236}">
+                  <a16:creationId xmlns:a16="http://schemas.microsoft.com/office/drawing/2014/main" id="{6C5E31D1-2C72-AB98-8E4A-2C11B3BE283A}"/>
+                </a:ext>
+              </a:extLst>
+            </p:cNvPr>
+            <p:cNvGrpSpPr/>
+            <p:nvPr/>
+          </p:nvGrpSpPr>
+          <p:grpSpPr>
+            <a:xfrm>
+              <a:off x="2111595" y="865526"/>
+              <a:ext cx="4276998" cy="3930390"/>
+              <a:chOff x="-73223" y="0"/>
+              <a:chExt cx="5210479" cy="5704205"/>
+            </a:xfrm>
+          </p:grpSpPr>
+          <p:sp>
+            <p:nvSpPr>
+              <p:cNvPr id="5" name="Text Box 132">
+                <a:extLst>
+                  <a:ext uri="{FF2B5EF4-FFF2-40B4-BE49-F238E27FC236}">
+                    <a16:creationId xmlns:a16="http://schemas.microsoft.com/office/drawing/2014/main" id="{DA67E724-BC65-0ED2-0F3D-03180A6EC8B5}"/>
+                  </a:ext>
+                </a:extLst>
+              </p:cNvPr>
+              <p:cNvSpPr txBox="1"/>
+              <p:nvPr/>
+            </p:nvSpPr>
+            <p:spPr>
+              <a:xfrm flipH="1">
+                <a:off x="4337249" y="3010395"/>
+                <a:ext cx="800007" cy="363866"/>
+              </a:xfrm>
+              <a:prstGeom prst="rect">
+                <a:avLst/>
+              </a:prstGeom>
+              <a:noFill/>
+              <a:ln w="19050" cap="flat" cmpd="sng" algn="ctr">
+                <a:noFill/>
+                <a:prstDash val="solid"/>
+                <a:round/>
+                <a:headEnd type="none" w="med" len="med"/>
+                <a:tailEnd type="none" w="med" len="med"/>
+              </a:ln>
+            </p:spPr>
+            <p:style>
+              <a:lnRef idx="0">
+                <a:scrgbClr r="0" g="0" b="0"/>
+              </a:lnRef>
+              <a:fillRef idx="0">
+                <a:scrgbClr r="0" g="0" b="0"/>
+              </a:fillRef>
+              <a:effectRef idx="0">
+                <a:scrgbClr r="0" g="0" b="0"/>
+              </a:effectRef>
+              <a:fontRef idx="minor">
+                <a:schemeClr val="accent4"/>
+              </a:fontRef>
+            </p:style>
+            <p:txBody>
+              <a:bodyPr rot="0" spcFirstLastPara="0" vert="horz" wrap="square" lIns="91440" tIns="45720" rIns="91440" bIns="45720" numCol="1" spcCol="0" rtlCol="0" fromWordArt="0" anchor="t" anchorCtr="0" forceAA="0" compatLnSpc="1">
+                <a:prstTxWarp prst="textNoShape">
+                  <a:avLst/>
+                </a:prstTxWarp>
+                <a:noAutofit/>
+              </a:bodyPr>
+              <a:lstStyle/>
+              <a:p>
+                <a:pPr marL="0" marR="0">
+                  <a:spcBef>
+                    <a:spcPts val="0"/>
+                  </a:spcBef>
+                  <a:spcAft>
+                    <a:spcPts val="0"/>
+                  </a:spcAft>
+                </a:pPr>
+                <a:r>
+                  <a:rPr lang="en-US" sz="900" b="1" dirty="0">
+                    <a:effectLst/>
+                    <a:latin typeface="Times New Roman" panose="02020603050405020304" pitchFamily="18" charset="0"/>
+                    <a:ea typeface="Calibri" panose="020F0502020204030204" pitchFamily="34" charset="0"/>
+                    <a:cs typeface="Arial" panose="020B0604020202020204" pitchFamily="34" charset="0"/>
+                  </a:rPr>
+                  <a:t>Student</a:t>
+                </a:r>
+                <a:endParaRPr lang="en-US" sz="900" dirty="0">
+                  <a:effectLst/>
+                  <a:latin typeface="Times New Roman" panose="02020603050405020304" pitchFamily="18" charset="0"/>
+                  <a:ea typeface="Calibri" panose="020F0502020204030204" pitchFamily="34" charset="0"/>
+                  <a:cs typeface="Arial" panose="020B0604020202020204" pitchFamily="34" charset="0"/>
+                </a:endParaRPr>
+              </a:p>
+            </p:txBody>
+          </p:sp>
+          <p:grpSp>
+            <p:nvGrpSpPr>
+              <p:cNvPr id="6" name="Group 5">
+                <a:extLst>
+                  <a:ext uri="{FF2B5EF4-FFF2-40B4-BE49-F238E27FC236}">
+                    <a16:creationId xmlns:a16="http://schemas.microsoft.com/office/drawing/2014/main" id="{5C284276-E40A-4BBE-5EDF-A594A7244F1F}"/>
+                  </a:ext>
+                </a:extLst>
+              </p:cNvPr>
+              <p:cNvGrpSpPr/>
+              <p:nvPr/>
+            </p:nvGrpSpPr>
+            <p:grpSpPr>
+              <a:xfrm>
+                <a:off x="-73223" y="0"/>
+                <a:ext cx="4529026" cy="5704205"/>
+                <a:chOff x="-73223" y="0"/>
+                <a:chExt cx="4529026" cy="5704205"/>
+              </a:xfrm>
+            </p:grpSpPr>
+            <p:grpSp>
+              <p:nvGrpSpPr>
+                <p:cNvPr id="7" name="Group 6">
+                  <a:extLst>
+                    <a:ext uri="{FF2B5EF4-FFF2-40B4-BE49-F238E27FC236}">
+                      <a16:creationId xmlns:a16="http://schemas.microsoft.com/office/drawing/2014/main" id="{9E1B3DBB-722F-681A-12DC-068FF2CBDF21}"/>
+                    </a:ext>
+                  </a:extLst>
+                </p:cNvPr>
+                <p:cNvGrpSpPr/>
+                <p:nvPr/>
+              </p:nvGrpSpPr>
+              <p:grpSpPr>
+                <a:xfrm>
+                  <a:off x="-73223" y="0"/>
+                  <a:ext cx="4529026" cy="5704205"/>
+                  <a:chOff x="-73223" y="0"/>
+                  <a:chExt cx="4529026" cy="5704205"/>
+                </a:xfrm>
+              </p:grpSpPr>
+              <p:grpSp>
+                <p:nvGrpSpPr>
+                  <p:cNvPr id="31" name="Group 30">
+                    <a:extLst>
+                      <a:ext uri="{FF2B5EF4-FFF2-40B4-BE49-F238E27FC236}">
+                        <a16:creationId xmlns:a16="http://schemas.microsoft.com/office/drawing/2014/main" id="{83DCE18B-2AFA-79DA-0FEE-1A1466C3A84D}"/>
+                      </a:ext>
+                    </a:extLst>
+                  </p:cNvPr>
+                  <p:cNvGrpSpPr/>
+                  <p:nvPr/>
+                </p:nvGrpSpPr>
+                <p:grpSpPr>
+                  <a:xfrm flipH="1">
+                    <a:off x="3008671" y="1268362"/>
+                    <a:ext cx="1447132" cy="2605406"/>
+                    <a:chOff x="0" y="881149"/>
+                    <a:chExt cx="2435927" cy="3544224"/>
+                  </a:xfrm>
+                </p:grpSpPr>
+                <p:cxnSp>
+                  <p:nvCxnSpPr>
+                    <p:cNvPr id="33" name="Straight Connector 32">
+                      <a:extLst>
+                        <a:ext uri="{FF2B5EF4-FFF2-40B4-BE49-F238E27FC236}">
+                          <a16:creationId xmlns:a16="http://schemas.microsoft.com/office/drawing/2014/main" id="{FAEE7FD6-DAF0-1744-F8C3-6E5F4328909B}"/>
+                        </a:ext>
+                      </a:extLst>
+                    </p:cNvPr>
+                    <p:cNvCxnSpPr/>
+                    <p:nvPr/>
+                  </p:nvCxnSpPr>
+                  <p:spPr>
+                    <a:xfrm flipH="1">
+                      <a:off x="0" y="881149"/>
+                      <a:ext cx="2434107" cy="1779216"/>
+                    </a:xfrm>
+                    <a:prstGeom prst="line">
+                      <a:avLst/>
+                    </a:prstGeom>
+                    <a:ln w="19050" cap="flat" cmpd="sng" algn="ctr">
+                      <a:solidFill>
+                        <a:schemeClr val="accent4"/>
+                      </a:solidFill>
+                      <a:prstDash val="solid"/>
+                      <a:round/>
+                      <a:headEnd type="none" w="med" len="med"/>
+                      <a:tailEnd type="none" w="med" len="med"/>
+                    </a:ln>
+                  </p:spPr>
+                  <p:style>
+                    <a:lnRef idx="0">
+                      <a:scrgbClr r="0" g="0" b="0"/>
+                    </a:lnRef>
+                    <a:fillRef idx="0">
+                      <a:scrgbClr r="0" g="0" b="0"/>
+                    </a:fillRef>
+                    <a:effectRef idx="0">
+                      <a:scrgbClr r="0" g="0" b="0"/>
+                    </a:effectRef>
+                    <a:fontRef idx="minor">
+                      <a:schemeClr val="accent4"/>
+                    </a:fontRef>
+                  </p:style>
+                </p:cxnSp>
+                <p:cxnSp>
+                  <p:nvCxnSpPr>
+                    <p:cNvPr id="34" name="Straight Connector 33">
+                      <a:extLst>
+                        <a:ext uri="{FF2B5EF4-FFF2-40B4-BE49-F238E27FC236}">
+                          <a16:creationId xmlns:a16="http://schemas.microsoft.com/office/drawing/2014/main" id="{175A3618-ABBE-2177-6A2D-23D7605EB961}"/>
+                        </a:ext>
+                      </a:extLst>
+                    </p:cNvPr>
+                    <p:cNvCxnSpPr/>
+                    <p:nvPr/>
+                  </p:nvCxnSpPr>
+                  <p:spPr>
+                    <a:xfrm flipH="1" flipV="1">
+                      <a:off x="16626" y="2660073"/>
+                      <a:ext cx="2419301" cy="293"/>
+                    </a:xfrm>
+                    <a:prstGeom prst="line">
+                      <a:avLst/>
+                    </a:prstGeom>
+                    <a:ln w="19050" cap="flat" cmpd="sng" algn="ctr">
+                      <a:solidFill>
+                        <a:schemeClr val="accent4"/>
+                      </a:solidFill>
+                      <a:prstDash val="solid"/>
+                      <a:round/>
+                      <a:headEnd type="none" w="med" len="med"/>
+                      <a:tailEnd type="none" w="med" len="med"/>
+                    </a:ln>
+                  </p:spPr>
+                  <p:style>
+                    <a:lnRef idx="0">
+                      <a:scrgbClr r="0" g="0" b="0"/>
+                    </a:lnRef>
+                    <a:fillRef idx="0">
+                      <a:scrgbClr r="0" g="0" b="0"/>
+                    </a:fillRef>
+                    <a:effectRef idx="0">
+                      <a:scrgbClr r="0" g="0" b="0"/>
+                    </a:effectRef>
+                    <a:fontRef idx="minor">
+                      <a:schemeClr val="accent4"/>
+                    </a:fontRef>
+                  </p:style>
+                </p:cxnSp>
+                <p:cxnSp>
+                  <p:nvCxnSpPr>
+                    <p:cNvPr id="35" name="Straight Connector 34">
+                      <a:extLst>
+                        <a:ext uri="{FF2B5EF4-FFF2-40B4-BE49-F238E27FC236}">
+                          <a16:creationId xmlns:a16="http://schemas.microsoft.com/office/drawing/2014/main" id="{48D3AC7B-2DEF-7D0D-2407-1B5682B6363F}"/>
+                        </a:ext>
+                      </a:extLst>
+                    </p:cNvPr>
+                    <p:cNvCxnSpPr/>
+                    <p:nvPr/>
+                  </p:nvCxnSpPr>
+                  <p:spPr>
+                    <a:xfrm flipH="1" flipV="1">
+                      <a:off x="16626" y="2660073"/>
+                      <a:ext cx="2419301" cy="1765300"/>
+                    </a:xfrm>
+                    <a:prstGeom prst="line">
+                      <a:avLst/>
+                    </a:prstGeom>
+                    <a:ln w="19050" cap="flat" cmpd="sng" algn="ctr">
+                      <a:solidFill>
+                        <a:schemeClr val="accent4"/>
+                      </a:solidFill>
+                      <a:prstDash val="solid"/>
+                      <a:round/>
+                      <a:headEnd type="none" w="med" len="med"/>
+                      <a:tailEnd type="none" w="med" len="med"/>
+                    </a:ln>
+                  </p:spPr>
+                  <p:style>
+                    <a:lnRef idx="0">
+                      <a:scrgbClr r="0" g="0" b="0"/>
+                    </a:lnRef>
+                    <a:fillRef idx="0">
+                      <a:scrgbClr r="0" g="0" b="0"/>
+                    </a:fillRef>
+                    <a:effectRef idx="0">
+                      <a:scrgbClr r="0" g="0" b="0"/>
+                    </a:effectRef>
+                    <a:fontRef idx="minor">
+                      <a:schemeClr val="accent4"/>
+                    </a:fontRef>
+                  </p:style>
+                </p:cxnSp>
+              </p:grpSp>
+              <p:grpSp>
+                <p:nvGrpSpPr>
+                  <p:cNvPr id="19" name="Group 18">
+                    <a:extLst>
+                      <a:ext uri="{FF2B5EF4-FFF2-40B4-BE49-F238E27FC236}">
+                        <a16:creationId xmlns:a16="http://schemas.microsoft.com/office/drawing/2014/main" id="{C34B441D-E99C-64DA-0B75-7AC94341C7CB}"/>
+                      </a:ext>
+                    </a:extLst>
+                  </p:cNvPr>
+                  <p:cNvGrpSpPr/>
+                  <p:nvPr/>
+                </p:nvGrpSpPr>
+                <p:grpSpPr>
+                  <a:xfrm>
+                    <a:off x="-73223" y="0"/>
+                    <a:ext cx="3578013" cy="5704205"/>
+                    <a:chOff x="-73223" y="0"/>
+                    <a:chExt cx="3578013" cy="5704205"/>
+                  </a:xfrm>
+                </p:grpSpPr>
+                <p:sp>
+                  <p:nvSpPr>
+                    <p:cNvPr id="20" name="Rectangle 19">
+                      <a:extLst>
+                        <a:ext uri="{FF2B5EF4-FFF2-40B4-BE49-F238E27FC236}">
+                          <a16:creationId xmlns:a16="http://schemas.microsoft.com/office/drawing/2014/main" id="{0A936D48-6511-4886-8A6F-FE4308666D57}"/>
+                        </a:ext>
+                      </a:extLst>
+                    </p:cNvPr>
+                    <p:cNvSpPr/>
+                    <p:nvPr/>
+                  </p:nvSpPr>
+                  <p:spPr>
+                    <a:xfrm>
+                      <a:off x="1460090" y="0"/>
+                      <a:ext cx="2044700" cy="5704205"/>
+                    </a:xfrm>
+                    <a:prstGeom prst="rect">
+                      <a:avLst/>
+                    </a:prstGeom>
+                    <a:noFill/>
+                    <a:ln w="19050" cap="flat" cmpd="sng" algn="ctr">
+                      <a:solidFill>
+                        <a:schemeClr val="accent4"/>
+                      </a:solidFill>
+                      <a:prstDash val="solid"/>
+                      <a:round/>
+                      <a:headEnd type="none" w="med" len="med"/>
+                      <a:tailEnd type="none" w="med" len="med"/>
+                    </a:ln>
+                  </p:spPr>
+                  <p:style>
+                    <a:lnRef idx="0">
+                      <a:scrgbClr r="0" g="0" b="0"/>
+                    </a:lnRef>
+                    <a:fillRef idx="0">
+                      <a:scrgbClr r="0" g="0" b="0"/>
+                    </a:fillRef>
+                    <a:effectRef idx="0">
+                      <a:scrgbClr r="0" g="0" b="0"/>
+                    </a:effectRef>
+                    <a:fontRef idx="minor">
+                      <a:schemeClr val="accent4"/>
+                    </a:fontRef>
+                  </p:style>
+                  <p:txBody>
+                    <a:bodyPr rot="0" spcFirstLastPara="0" vert="horz" wrap="square" lIns="91440" tIns="45720" rIns="91440" bIns="45720" numCol="1" spcCol="0" rtlCol="0" fromWordArt="0" anchor="ctr" anchorCtr="0" forceAA="0" compatLnSpc="1">
+                      <a:prstTxWarp prst="textNoShape">
+                        <a:avLst/>
+                      </a:prstTxWarp>
+                      <a:noAutofit/>
+                    </a:bodyPr>
+                    <a:lstStyle/>
+                    <a:p>
+                      <a:endParaRPr lang="en-US"/>
+                    </a:p>
+                  </p:txBody>
+                </p:sp>
+                <p:sp>
+                  <p:nvSpPr>
+                    <p:cNvPr id="21" name="Oval 20">
+                      <a:extLst>
+                        <a:ext uri="{FF2B5EF4-FFF2-40B4-BE49-F238E27FC236}">
+                          <a16:creationId xmlns:a16="http://schemas.microsoft.com/office/drawing/2014/main" id="{85938BAE-DF90-C3E8-7FFD-819A528511AD}"/>
+                        </a:ext>
+                      </a:extLst>
+                    </p:cNvPr>
+                    <p:cNvSpPr/>
+                    <p:nvPr/>
+                  </p:nvSpPr>
+                  <p:spPr>
+                    <a:xfrm>
+                      <a:off x="1961535" y="383458"/>
+                      <a:ext cx="1038027" cy="528037"/>
+                    </a:xfrm>
+                    <a:prstGeom prst="ellipse">
+                      <a:avLst/>
+                    </a:prstGeom>
+                    <a:noFill/>
+                    <a:ln w="19050" cap="flat" cmpd="sng" algn="ctr">
+                      <a:solidFill>
+                        <a:schemeClr val="accent4"/>
+                      </a:solidFill>
+                      <a:prstDash val="solid"/>
+                      <a:round/>
+                      <a:headEnd type="none" w="med" len="med"/>
+                      <a:tailEnd type="none" w="med" len="med"/>
+                    </a:ln>
+                  </p:spPr>
+                  <p:style>
+                    <a:lnRef idx="0">
+                      <a:scrgbClr r="0" g="0" b="0"/>
+                    </a:lnRef>
+                    <a:fillRef idx="0">
+                      <a:scrgbClr r="0" g="0" b="0"/>
+                    </a:fillRef>
+                    <a:effectRef idx="0">
+                      <a:scrgbClr r="0" g="0" b="0"/>
+                    </a:effectRef>
+                    <a:fontRef idx="minor">
+                      <a:schemeClr val="accent4"/>
+                    </a:fontRef>
+                  </p:style>
+                  <p:txBody>
+                    <a:bodyPr rot="0" spcFirstLastPara="0" vert="horz" wrap="square" lIns="91440" tIns="45720" rIns="91440" bIns="45720" numCol="1" spcCol="0" rtlCol="0" fromWordArt="0" anchor="ctr" anchorCtr="0" forceAA="0" compatLnSpc="1">
+                      <a:prstTxWarp prst="textNoShape">
+                        <a:avLst/>
+                      </a:prstTxWarp>
+                      <a:noAutofit/>
+                    </a:bodyPr>
+                    <a:lstStyle/>
+                    <a:p>
+                      <a:pPr marL="0" marR="0" algn="ctr">
+                        <a:spcBef>
+                          <a:spcPts val="0"/>
+                        </a:spcBef>
+                        <a:spcAft>
+                          <a:spcPts val="0"/>
+                        </a:spcAft>
+                      </a:pPr>
+                      <a:r>
+                        <a:rPr lang="en-US" sz="900" dirty="0">
+                          <a:effectLst/>
+                          <a:latin typeface="Times New Roman" panose="02020603050405020304" pitchFamily="18" charset="0"/>
+                          <a:ea typeface="Calibri" panose="020F0502020204030204" pitchFamily="34" charset="0"/>
+                          <a:cs typeface="Arial" panose="020B0604020202020204" pitchFamily="34" charset="0"/>
+                        </a:rPr>
+                        <a:t>Login</a:t>
+                      </a:r>
+                      <a:endParaRPr lang="en-US" sz="1000" dirty="0">
+                        <a:effectLst/>
+                        <a:latin typeface="Times New Roman" panose="02020603050405020304" pitchFamily="18" charset="0"/>
+                        <a:ea typeface="Calibri" panose="020F0502020204030204" pitchFamily="34" charset="0"/>
+                        <a:cs typeface="Arial" panose="020B0604020202020204" pitchFamily="34" charset="0"/>
+                      </a:endParaRPr>
+                    </a:p>
+                  </p:txBody>
+                </p:sp>
+                <p:sp>
+                  <p:nvSpPr>
+                    <p:cNvPr id="22" name="Oval 21">
+                      <a:extLst>
+                        <a:ext uri="{FF2B5EF4-FFF2-40B4-BE49-F238E27FC236}">
+                          <a16:creationId xmlns:a16="http://schemas.microsoft.com/office/drawing/2014/main" id="{8D6EEA66-AEFA-4B00-7A86-A9CD6AAC680B}"/>
+                        </a:ext>
+                      </a:extLst>
+                    </p:cNvPr>
+                    <p:cNvSpPr/>
+                    <p:nvPr/>
+                  </p:nvSpPr>
+                  <p:spPr>
+                    <a:xfrm>
+                      <a:off x="1961535" y="1025012"/>
+                      <a:ext cx="1038027" cy="528037"/>
+                    </a:xfrm>
+                    <a:prstGeom prst="ellipse">
+                      <a:avLst/>
+                    </a:prstGeom>
+                    <a:noFill/>
+                    <a:ln w="19050" cap="flat" cmpd="sng" algn="ctr">
+                      <a:solidFill>
+                        <a:schemeClr val="accent4"/>
+                      </a:solidFill>
+                      <a:prstDash val="solid"/>
+                      <a:round/>
+                      <a:headEnd type="none" w="med" len="med"/>
+                      <a:tailEnd type="none" w="med" len="med"/>
+                    </a:ln>
+                  </p:spPr>
+                  <p:style>
+                    <a:lnRef idx="0">
+                      <a:scrgbClr r="0" g="0" b="0"/>
+                    </a:lnRef>
+                    <a:fillRef idx="0">
+                      <a:scrgbClr r="0" g="0" b="0"/>
+                    </a:fillRef>
+                    <a:effectRef idx="0">
+                      <a:scrgbClr r="0" g="0" b="0"/>
+                    </a:effectRef>
+                    <a:fontRef idx="minor">
+                      <a:schemeClr val="accent4"/>
+                    </a:fontRef>
+                  </p:style>
+                  <p:txBody>
+                    <a:bodyPr rot="0" spcFirstLastPara="0" vert="horz" wrap="square" lIns="91440" tIns="45720" rIns="91440" bIns="45720" numCol="1" spcCol="0" rtlCol="0" fromWordArt="0" anchor="ctr" anchorCtr="0" forceAA="0" compatLnSpc="1">
+                      <a:prstTxWarp prst="textNoShape">
+                        <a:avLst/>
+                      </a:prstTxWarp>
+                      <a:noAutofit/>
+                    </a:bodyPr>
+                    <a:lstStyle/>
+                    <a:p>
+                      <a:pPr marL="0" marR="0" algn="ctr">
+                        <a:spcBef>
+                          <a:spcPts val="0"/>
+                        </a:spcBef>
+                        <a:spcAft>
+                          <a:spcPts val="0"/>
+                        </a:spcAft>
+                      </a:pPr>
+                      <a:endParaRPr lang="en-US" sz="800" dirty="0">
+                        <a:effectLst/>
+                        <a:latin typeface="Times New Roman" panose="02020603050405020304" pitchFamily="18" charset="0"/>
+                        <a:ea typeface="Calibri" panose="020F0502020204030204" pitchFamily="34" charset="0"/>
+                        <a:cs typeface="Arial" panose="020B0604020202020204" pitchFamily="34" charset="0"/>
+                      </a:endParaRPr>
+                    </a:p>
+                    <a:p>
+                      <a:pPr marL="0" marR="0" algn="ctr">
+                        <a:spcBef>
+                          <a:spcPts val="0"/>
+                        </a:spcBef>
+                        <a:spcAft>
+                          <a:spcPts val="0"/>
+                        </a:spcAft>
+                      </a:pPr>
+                      <a:r>
+                        <a:rPr lang="en-US" sz="800" dirty="0">
+                          <a:effectLst/>
+                          <a:latin typeface="Times New Roman" panose="02020603050405020304" pitchFamily="18" charset="0"/>
+                          <a:ea typeface="Calibri" panose="020F0502020204030204" pitchFamily="34" charset="0"/>
+                          <a:cs typeface="Arial" panose="020B0604020202020204" pitchFamily="34" charset="0"/>
+                        </a:rPr>
+                        <a:t>View Book List</a:t>
+                      </a:r>
+                    </a:p>
+                    <a:p>
+                      <a:pPr marL="0" marR="0" algn="ctr">
+                        <a:spcBef>
+                          <a:spcPts val="0"/>
+                        </a:spcBef>
+                        <a:spcAft>
+                          <a:spcPts val="0"/>
+                        </a:spcAft>
+                      </a:pPr>
+                      <a:endParaRPr lang="en-US" sz="800" dirty="0">
+                        <a:effectLst/>
+                        <a:latin typeface="Times New Roman" panose="02020603050405020304" pitchFamily="18" charset="0"/>
+                        <a:ea typeface="Calibri" panose="020F0502020204030204" pitchFamily="34" charset="0"/>
+                        <a:cs typeface="Arial" panose="020B0604020202020204" pitchFamily="34" charset="0"/>
+                      </a:endParaRPr>
+                    </a:p>
+                  </p:txBody>
+                </p:sp>
+                <p:sp>
+                  <p:nvSpPr>
+                    <p:cNvPr id="23" name="Oval 22">
+                      <a:extLst>
+                        <a:ext uri="{FF2B5EF4-FFF2-40B4-BE49-F238E27FC236}">
+                          <a16:creationId xmlns:a16="http://schemas.microsoft.com/office/drawing/2014/main" id="{BDBDA7D8-32D0-B601-0D99-8C3218B822C2}"/>
+                        </a:ext>
+                      </a:extLst>
+                    </p:cNvPr>
+                    <p:cNvSpPr/>
+                    <p:nvPr/>
+                  </p:nvSpPr>
+                  <p:spPr>
+                    <a:xfrm>
+                      <a:off x="1961535" y="1666567"/>
+                      <a:ext cx="1038027" cy="528037"/>
+                    </a:xfrm>
+                    <a:prstGeom prst="ellipse">
+                      <a:avLst/>
+                    </a:prstGeom>
+                    <a:noFill/>
+                    <a:ln w="19050" cap="flat" cmpd="sng" algn="ctr">
+                      <a:solidFill>
+                        <a:schemeClr val="accent4"/>
+                      </a:solidFill>
+                      <a:prstDash val="solid"/>
+                      <a:round/>
+                      <a:headEnd type="none" w="med" len="med"/>
+                      <a:tailEnd type="none" w="med" len="med"/>
+                    </a:ln>
+                  </p:spPr>
+                  <p:style>
+                    <a:lnRef idx="0">
+                      <a:scrgbClr r="0" g="0" b="0"/>
+                    </a:lnRef>
+                    <a:fillRef idx="0">
+                      <a:scrgbClr r="0" g="0" b="0"/>
+                    </a:fillRef>
+                    <a:effectRef idx="0">
+                      <a:scrgbClr r="0" g="0" b="0"/>
+                    </a:effectRef>
+                    <a:fontRef idx="minor">
+                      <a:schemeClr val="accent4"/>
+                    </a:fontRef>
+                  </p:style>
+                  <p:txBody>
+                    <a:bodyPr rot="0" spcFirstLastPara="0" vert="horz" wrap="square" lIns="91440" tIns="45720" rIns="91440" bIns="45720" numCol="1" spcCol="0" rtlCol="0" fromWordArt="0" anchor="ctr" anchorCtr="0" forceAA="0" compatLnSpc="1">
+                      <a:prstTxWarp prst="textNoShape">
+                        <a:avLst/>
+                      </a:prstTxWarp>
+                      <a:noAutofit/>
+                    </a:bodyPr>
+                    <a:lstStyle/>
+                    <a:p>
+                      <a:pPr marL="0" marR="0" algn="ctr">
+                        <a:spcBef>
+                          <a:spcPts val="0"/>
+                        </a:spcBef>
+                        <a:spcAft>
+                          <a:spcPts val="0"/>
+                        </a:spcAft>
+                      </a:pPr>
+                      <a:r>
+                        <a:rPr lang="en-US" sz="1000" dirty="0">
+                          <a:effectLst/>
+                          <a:latin typeface="Times New Roman" panose="02020603050405020304" pitchFamily="18" charset="0"/>
+                          <a:ea typeface="Calibri" panose="020F0502020204030204" pitchFamily="34" charset="0"/>
+                          <a:cs typeface="Arial" panose="020B0604020202020204" pitchFamily="34" charset="0"/>
+                        </a:rPr>
+                        <a:t>Insert Record</a:t>
+                      </a:r>
+                    </a:p>
+                  </p:txBody>
+                </p:sp>
+                <p:sp>
+                  <p:nvSpPr>
+                    <p:cNvPr id="24" name="Oval 23">
+                      <a:extLst>
+                        <a:ext uri="{FF2B5EF4-FFF2-40B4-BE49-F238E27FC236}">
+                          <a16:creationId xmlns:a16="http://schemas.microsoft.com/office/drawing/2014/main" id="{A862B008-597F-2FB6-5AD4-7D2C55044ED5}"/>
+                        </a:ext>
+                      </a:extLst>
+                    </p:cNvPr>
+                    <p:cNvSpPr/>
+                    <p:nvPr/>
+                  </p:nvSpPr>
+                  <p:spPr>
+                    <a:xfrm>
+                      <a:off x="1961535" y="2308122"/>
+                      <a:ext cx="1038027" cy="528037"/>
+                    </a:xfrm>
+                    <a:prstGeom prst="ellipse">
+                      <a:avLst/>
+                    </a:prstGeom>
+                    <a:noFill/>
+                    <a:ln w="19050" cap="flat" cmpd="sng" algn="ctr">
+                      <a:solidFill>
+                        <a:schemeClr val="accent4"/>
+                      </a:solidFill>
+                      <a:prstDash val="solid"/>
+                      <a:round/>
+                      <a:headEnd type="none" w="med" len="med"/>
+                      <a:tailEnd type="none" w="med" len="med"/>
+                    </a:ln>
+                  </p:spPr>
+                  <p:style>
+                    <a:lnRef idx="0">
+                      <a:scrgbClr r="0" g="0" b="0"/>
+                    </a:lnRef>
+                    <a:fillRef idx="0">
+                      <a:scrgbClr r="0" g="0" b="0"/>
+                    </a:fillRef>
+                    <a:effectRef idx="0">
+                      <a:scrgbClr r="0" g="0" b="0"/>
+                    </a:effectRef>
+                    <a:fontRef idx="minor">
+                      <a:schemeClr val="accent4"/>
+                    </a:fontRef>
+                  </p:style>
+                  <p:txBody>
+                    <a:bodyPr rot="0" spcFirstLastPara="0" vert="horz" wrap="square" lIns="91440" tIns="45720" rIns="91440" bIns="45720" numCol="1" spcCol="0" rtlCol="0" fromWordArt="0" anchor="ctr" anchorCtr="0" forceAA="0" compatLnSpc="1">
+                      <a:prstTxWarp prst="textNoShape">
+                        <a:avLst/>
+                      </a:prstTxWarp>
+                      <a:noAutofit/>
+                    </a:bodyPr>
+                    <a:lstStyle/>
+                    <a:p>
+                      <a:pPr marL="0" marR="0" algn="ctr">
+                        <a:spcBef>
+                          <a:spcPts val="0"/>
+                        </a:spcBef>
+                        <a:spcAft>
+                          <a:spcPts val="0"/>
+                        </a:spcAft>
+                      </a:pPr>
+                      <a:r>
+                        <a:rPr lang="en-US" sz="800" dirty="0">
+                          <a:effectLst/>
+                          <a:latin typeface="Times New Roman" panose="02020603050405020304" pitchFamily="18" charset="0"/>
+                          <a:ea typeface="Calibri" panose="020F0502020204030204" pitchFamily="34" charset="0"/>
+                          <a:cs typeface="Arial" panose="020B0604020202020204" pitchFamily="34" charset="0"/>
+                        </a:rPr>
+                        <a:t>Search for a Book</a:t>
+                      </a:r>
+                    </a:p>
+                  </p:txBody>
+                </p:sp>
+                <p:sp>
+                  <p:nvSpPr>
+                    <p:cNvPr id="25" name="Oval 24">
+                      <a:extLst>
+                        <a:ext uri="{FF2B5EF4-FFF2-40B4-BE49-F238E27FC236}">
+                          <a16:creationId xmlns:a16="http://schemas.microsoft.com/office/drawing/2014/main" id="{0500F28D-C0F1-9E88-12EE-22B9680F906C}"/>
+                        </a:ext>
+                      </a:extLst>
+                    </p:cNvPr>
+                    <p:cNvSpPr/>
+                    <p:nvPr/>
+                  </p:nvSpPr>
+                  <p:spPr>
+                    <a:xfrm>
+                      <a:off x="1968909" y="2949677"/>
+                      <a:ext cx="1037590" cy="527685"/>
+                    </a:xfrm>
+                    <a:prstGeom prst="ellipse">
+                      <a:avLst/>
+                    </a:prstGeom>
+                    <a:noFill/>
+                    <a:ln w="19050" cap="flat" cmpd="sng" algn="ctr">
+                      <a:solidFill>
+                        <a:schemeClr val="accent4"/>
+                      </a:solidFill>
+                      <a:prstDash val="solid"/>
+                      <a:round/>
+                      <a:headEnd type="none" w="med" len="med"/>
+                      <a:tailEnd type="none" w="med" len="med"/>
+                    </a:ln>
+                  </p:spPr>
+                  <p:style>
+                    <a:lnRef idx="0">
+                      <a:scrgbClr r="0" g="0" b="0"/>
+                    </a:lnRef>
+                    <a:fillRef idx="0">
+                      <a:scrgbClr r="0" g="0" b="0"/>
+                    </a:fillRef>
+                    <a:effectRef idx="0">
+                      <a:scrgbClr r="0" g="0" b="0"/>
+                    </a:effectRef>
+                    <a:fontRef idx="minor">
+                      <a:schemeClr val="accent4"/>
+                    </a:fontRef>
+                  </p:style>
+                  <p:txBody>
+                    <a:bodyPr rot="0" spcFirstLastPara="0" vert="horz" wrap="square" lIns="91440" tIns="45720" rIns="91440" bIns="45720" numCol="1" spcCol="0" rtlCol="0" fromWordArt="0" anchor="ctr" anchorCtr="0" forceAA="0" compatLnSpc="1">
+                      <a:prstTxWarp prst="textNoShape">
+                        <a:avLst/>
+                      </a:prstTxWarp>
+                      <a:noAutofit/>
+                    </a:bodyPr>
+                    <a:lstStyle/>
+                    <a:p>
+                      <a:pPr marL="0" marR="0" algn="ctr">
+                        <a:spcBef>
+                          <a:spcPts val="0"/>
+                        </a:spcBef>
+                        <a:spcAft>
+                          <a:spcPts val="0"/>
+                        </a:spcAft>
+                      </a:pPr>
+                      <a:endParaRPr lang="en-US" sz="800" dirty="0">
+                        <a:effectLst/>
+                        <a:latin typeface="Times New Roman" panose="02020603050405020304" pitchFamily="18" charset="0"/>
+                        <a:ea typeface="Calibri" panose="020F0502020204030204" pitchFamily="34" charset="0"/>
+                        <a:cs typeface="Arial" panose="020B0604020202020204" pitchFamily="34" charset="0"/>
+                      </a:endParaRPr>
+                    </a:p>
+                    <a:p>
+                      <a:pPr marL="0" marR="0" algn="ctr">
+                        <a:spcBef>
+                          <a:spcPts val="0"/>
+                        </a:spcBef>
+                        <a:spcAft>
+                          <a:spcPts val="0"/>
+                        </a:spcAft>
+                      </a:pPr>
+                      <a:r>
+                        <a:rPr lang="en-US" sz="800" dirty="0">
+                          <a:effectLst/>
+                          <a:latin typeface="Times New Roman" panose="02020603050405020304" pitchFamily="18" charset="0"/>
+                          <a:ea typeface="Calibri" panose="020F0502020204030204" pitchFamily="34" charset="0"/>
+                          <a:cs typeface="Arial" panose="020B0604020202020204" pitchFamily="34" charset="0"/>
+                        </a:rPr>
+                        <a:t>Update Record</a:t>
+                      </a:r>
+                    </a:p>
+                    <a:p>
+                      <a:pPr marL="0" marR="0" algn="ctr">
+                        <a:spcBef>
+                          <a:spcPts val="0"/>
+                        </a:spcBef>
+                        <a:spcAft>
+                          <a:spcPts val="0"/>
+                        </a:spcAft>
+                      </a:pPr>
+                      <a:r>
+                        <a:rPr lang="en-US" sz="800" dirty="0">
+                          <a:effectLst/>
+                          <a:latin typeface="Times New Roman" panose="02020603050405020304" pitchFamily="18" charset="0"/>
+                          <a:ea typeface="Calibri" panose="020F0502020204030204" pitchFamily="34" charset="0"/>
+                          <a:cs typeface="Arial" panose="020B0604020202020204" pitchFamily="34" charset="0"/>
+                        </a:rPr>
+                        <a:t> </a:t>
+                      </a:r>
+                    </a:p>
+                  </p:txBody>
+                </p:sp>
+                <p:sp>
+                  <p:nvSpPr>
+                    <p:cNvPr id="26" name="Oval 25">
+                      <a:extLst>
+                        <a:ext uri="{FF2B5EF4-FFF2-40B4-BE49-F238E27FC236}">
+                          <a16:creationId xmlns:a16="http://schemas.microsoft.com/office/drawing/2014/main" id="{FF4AEB0C-A854-2C2D-12BD-7A1A30068520}"/>
+                        </a:ext>
+                      </a:extLst>
+                    </p:cNvPr>
+                    <p:cNvSpPr/>
+                    <p:nvPr/>
+                  </p:nvSpPr>
+                  <p:spPr>
+                    <a:xfrm>
+                      <a:off x="1968909" y="3591232"/>
+                      <a:ext cx="1037590" cy="527685"/>
+                    </a:xfrm>
+                    <a:prstGeom prst="ellipse">
+                      <a:avLst/>
+                    </a:prstGeom>
+                    <a:noFill/>
+                    <a:ln w="19050" cap="flat" cmpd="sng" algn="ctr">
+                      <a:solidFill>
+                        <a:schemeClr val="accent4"/>
+                      </a:solidFill>
+                      <a:prstDash val="solid"/>
+                      <a:round/>
+                      <a:headEnd type="none" w="med" len="med"/>
+                      <a:tailEnd type="none" w="med" len="med"/>
+                    </a:ln>
+                  </p:spPr>
+                  <p:style>
+                    <a:lnRef idx="0">
+                      <a:scrgbClr r="0" g="0" b="0"/>
+                    </a:lnRef>
+                    <a:fillRef idx="0">
+                      <a:scrgbClr r="0" g="0" b="0"/>
+                    </a:fillRef>
+                    <a:effectRef idx="0">
+                      <a:scrgbClr r="0" g="0" b="0"/>
+                    </a:effectRef>
+                    <a:fontRef idx="minor">
+                      <a:schemeClr val="accent4"/>
+                    </a:fontRef>
+                  </p:style>
+                  <p:txBody>
+                    <a:bodyPr rot="0" spcFirstLastPara="0" vert="horz" wrap="square" lIns="91440" tIns="45720" rIns="91440" bIns="45720" numCol="1" spcCol="0" rtlCol="0" fromWordArt="0" anchor="ctr" anchorCtr="0" forceAA="0" compatLnSpc="1">
+                      <a:prstTxWarp prst="textNoShape">
+                        <a:avLst/>
+                      </a:prstTxWarp>
+                      <a:noAutofit/>
+                    </a:bodyPr>
+                    <a:lstStyle/>
+                    <a:p>
+                      <a:pPr marL="0" marR="0" algn="ctr">
+                        <a:spcBef>
+                          <a:spcPts val="0"/>
+                        </a:spcBef>
+                        <a:spcAft>
+                          <a:spcPts val="0"/>
+                        </a:spcAft>
+                      </a:pPr>
+                      <a:r>
+                        <a:rPr lang="en-US" sz="900" dirty="0">
+                          <a:effectLst/>
+                          <a:latin typeface="Times New Roman" panose="02020603050405020304" pitchFamily="18" charset="0"/>
+                          <a:ea typeface="Calibri" panose="020F0502020204030204" pitchFamily="34" charset="0"/>
+                          <a:cs typeface="Arial" panose="020B0604020202020204" pitchFamily="34" charset="0"/>
+                        </a:rPr>
+                        <a:t>Display Record</a:t>
+                      </a:r>
+                    </a:p>
+                  </p:txBody>
+                </p:sp>
+                <p:sp>
+                  <p:nvSpPr>
+                    <p:cNvPr id="28" name="Text Box 120">
+                      <a:extLst>
+                        <a:ext uri="{FF2B5EF4-FFF2-40B4-BE49-F238E27FC236}">
+                          <a16:creationId xmlns:a16="http://schemas.microsoft.com/office/drawing/2014/main" id="{08F477FA-874D-1A6A-77B5-0B5EF188CDB6}"/>
+                        </a:ext>
+                      </a:extLst>
+                    </p:cNvPr>
+                    <p:cNvSpPr txBox="1"/>
+                    <p:nvPr/>
+                  </p:nvSpPr>
+                  <p:spPr>
+                    <a:xfrm>
+                      <a:off x="-73223" y="3013967"/>
+                      <a:ext cx="878840" cy="363854"/>
+                    </a:xfrm>
+                    <a:prstGeom prst="rect">
+                      <a:avLst/>
+                    </a:prstGeom>
+                    <a:noFill/>
+                    <a:ln w="19050" cap="flat" cmpd="sng" algn="ctr">
+                      <a:noFill/>
+                      <a:prstDash val="solid"/>
+                      <a:round/>
+                      <a:headEnd type="none" w="med" len="med"/>
+                      <a:tailEnd type="none" w="med" len="med"/>
+                    </a:ln>
+                  </p:spPr>
+                  <p:style>
+                    <a:lnRef idx="0">
+                      <a:scrgbClr r="0" g="0" b="0"/>
+                    </a:lnRef>
+                    <a:fillRef idx="0">
+                      <a:scrgbClr r="0" g="0" b="0"/>
+                    </a:fillRef>
+                    <a:effectRef idx="0">
+                      <a:scrgbClr r="0" g="0" b="0"/>
+                    </a:effectRef>
+                    <a:fontRef idx="minor">
+                      <a:schemeClr val="accent4"/>
+                    </a:fontRef>
+                  </p:style>
+                  <p:txBody>
+                    <a:bodyPr rot="0" spcFirstLastPara="0" vert="horz" wrap="square" lIns="91440" tIns="45720" rIns="91440" bIns="45720" numCol="1" spcCol="0" rtlCol="0" fromWordArt="0" anchor="t" anchorCtr="0" forceAA="0" compatLnSpc="1">
+                      <a:prstTxWarp prst="textNoShape">
+                        <a:avLst/>
+                      </a:prstTxWarp>
+                      <a:noAutofit/>
+                    </a:bodyPr>
+                    <a:lstStyle/>
+                    <a:p>
+                      <a:pPr marL="0" marR="0">
+                        <a:spcBef>
+                          <a:spcPts val="0"/>
+                        </a:spcBef>
+                        <a:spcAft>
+                          <a:spcPts val="0"/>
+                        </a:spcAft>
+                      </a:pPr>
+                      <a:r>
+                        <a:rPr lang="en-US" sz="900" b="1" dirty="0">
+                          <a:effectLst/>
+                          <a:latin typeface="Times New Roman" panose="02020603050405020304" pitchFamily="18" charset="0"/>
+                          <a:ea typeface="Calibri" panose="020F0502020204030204" pitchFamily="34" charset="0"/>
+                          <a:cs typeface="Arial" panose="020B0604020202020204" pitchFamily="34" charset="0"/>
+                        </a:rPr>
+                        <a:t>Librarian</a:t>
+                      </a:r>
+                      <a:endParaRPr lang="en-US" sz="1000" dirty="0">
+                        <a:effectLst/>
+                        <a:latin typeface="Times New Roman" panose="02020603050405020304" pitchFamily="18" charset="0"/>
+                        <a:ea typeface="Calibri" panose="020F0502020204030204" pitchFamily="34" charset="0"/>
+                        <a:cs typeface="Arial" panose="020B0604020202020204" pitchFamily="34" charset="0"/>
+                      </a:endParaRPr>
+                    </a:p>
+                  </p:txBody>
+                </p:sp>
+                <p:sp>
+                  <p:nvSpPr>
+                    <p:cNvPr id="29" name="Oval 28">
+                      <a:extLst>
+                        <a:ext uri="{FF2B5EF4-FFF2-40B4-BE49-F238E27FC236}">
+                          <a16:creationId xmlns:a16="http://schemas.microsoft.com/office/drawing/2014/main" id="{A4E320CF-02AF-F8E0-37A3-9B6E602FE36F}"/>
+                        </a:ext>
+                      </a:extLst>
+                    </p:cNvPr>
+                    <p:cNvSpPr/>
+                    <p:nvPr/>
+                  </p:nvSpPr>
+                  <p:spPr>
+                    <a:xfrm>
+                      <a:off x="1968909" y="4232787"/>
+                      <a:ext cx="1037590" cy="527685"/>
+                    </a:xfrm>
+                    <a:prstGeom prst="ellipse">
+                      <a:avLst/>
+                    </a:prstGeom>
+                    <a:noFill/>
+                    <a:ln w="19050" cap="flat" cmpd="sng" algn="ctr">
+                      <a:solidFill>
+                        <a:schemeClr val="accent4"/>
+                      </a:solidFill>
+                      <a:prstDash val="solid"/>
+                      <a:round/>
+                      <a:headEnd type="none" w="med" len="med"/>
+                      <a:tailEnd type="none" w="med" len="med"/>
+                    </a:ln>
+                  </p:spPr>
+                  <p:style>
+                    <a:lnRef idx="0">
+                      <a:scrgbClr r="0" g="0" b="0"/>
+                    </a:lnRef>
+                    <a:fillRef idx="0">
+                      <a:scrgbClr r="0" g="0" b="0"/>
+                    </a:fillRef>
+                    <a:effectRef idx="0">
+                      <a:scrgbClr r="0" g="0" b="0"/>
+                    </a:effectRef>
+                    <a:fontRef idx="minor">
+                      <a:schemeClr val="accent4"/>
+                    </a:fontRef>
+                  </p:style>
+                  <p:txBody>
+                    <a:bodyPr rot="0" spcFirstLastPara="0" vert="horz" wrap="square" lIns="91440" tIns="45720" rIns="91440" bIns="45720" numCol="1" spcCol="0" rtlCol="0" fromWordArt="0" anchor="ctr" anchorCtr="0" forceAA="0" compatLnSpc="1">
+                      <a:prstTxWarp prst="textNoShape">
+                        <a:avLst/>
+                      </a:prstTxWarp>
+                      <a:noAutofit/>
+                    </a:bodyPr>
+                    <a:lstStyle/>
+                    <a:p>
+                      <a:pPr marL="0" marR="0" algn="ctr">
+                        <a:spcBef>
+                          <a:spcPts val="0"/>
+                        </a:spcBef>
+                        <a:spcAft>
+                          <a:spcPts val="0"/>
+                        </a:spcAft>
+                      </a:pPr>
+                      <a:r>
+                        <a:rPr lang="en-US" sz="900" dirty="0">
+                          <a:effectLst/>
+                          <a:latin typeface="Times New Roman" panose="02020603050405020304" pitchFamily="18" charset="0"/>
+                          <a:ea typeface="Calibri" panose="020F0502020204030204" pitchFamily="34" charset="0"/>
+                          <a:cs typeface="Arial" panose="020B0604020202020204" pitchFamily="34" charset="0"/>
+                        </a:rPr>
+                        <a:t>Delete Record</a:t>
+                      </a:r>
+                    </a:p>
+                  </p:txBody>
+                </p:sp>
+                <p:sp>
+                  <p:nvSpPr>
+                    <p:cNvPr id="30" name="Oval 29">
+                      <a:extLst>
+                        <a:ext uri="{FF2B5EF4-FFF2-40B4-BE49-F238E27FC236}">
+                          <a16:creationId xmlns:a16="http://schemas.microsoft.com/office/drawing/2014/main" id="{75F69D2C-C5D5-48F3-D8CF-C0904F5AF73B}"/>
+                        </a:ext>
+                      </a:extLst>
+                    </p:cNvPr>
+                    <p:cNvSpPr/>
+                    <p:nvPr/>
+                  </p:nvSpPr>
+                  <p:spPr>
+                    <a:xfrm>
+                      <a:off x="1968909" y="4874341"/>
+                      <a:ext cx="1038027" cy="528037"/>
+                    </a:xfrm>
+                    <a:prstGeom prst="ellipse">
+                      <a:avLst/>
+                    </a:prstGeom>
+                    <a:noFill/>
+                    <a:ln w="19050" cap="flat" cmpd="sng" algn="ctr">
+                      <a:solidFill>
+                        <a:schemeClr val="accent4"/>
+                      </a:solidFill>
+                      <a:prstDash val="solid"/>
+                      <a:round/>
+                      <a:headEnd type="none" w="med" len="med"/>
+                      <a:tailEnd type="none" w="med" len="med"/>
+                    </a:ln>
+                  </p:spPr>
+                  <p:style>
+                    <a:lnRef idx="0">
+                      <a:scrgbClr r="0" g="0" b="0"/>
+                    </a:lnRef>
+                    <a:fillRef idx="0">
+                      <a:scrgbClr r="0" g="0" b="0"/>
+                    </a:fillRef>
+                    <a:effectRef idx="0">
+                      <a:scrgbClr r="0" g="0" b="0"/>
+                    </a:effectRef>
+                    <a:fontRef idx="minor">
+                      <a:schemeClr val="accent4"/>
+                    </a:fontRef>
+                  </p:style>
+                  <p:txBody>
+                    <a:bodyPr rot="0" spcFirstLastPara="0" vert="horz" wrap="square" lIns="91440" tIns="45720" rIns="91440" bIns="45720" numCol="1" spcCol="0" rtlCol="0" fromWordArt="0" anchor="ctr" anchorCtr="0" forceAA="0" compatLnSpc="1">
+                      <a:prstTxWarp prst="textNoShape">
+                        <a:avLst/>
+                      </a:prstTxWarp>
+                      <a:noAutofit/>
+                    </a:bodyPr>
+                    <a:lstStyle/>
+                    <a:p>
+                      <a:pPr marL="0" marR="0" algn="ctr">
+                        <a:spcBef>
+                          <a:spcPts val="0"/>
+                        </a:spcBef>
+                        <a:spcAft>
+                          <a:spcPts val="0"/>
+                        </a:spcAft>
+                      </a:pPr>
+                      <a:r>
+                        <a:rPr lang="en-US" sz="900" dirty="0">
+                          <a:effectLst/>
+                          <a:latin typeface="Times New Roman" panose="02020603050405020304" pitchFamily="18" charset="0"/>
+                          <a:ea typeface="Calibri" panose="020F0502020204030204" pitchFamily="34" charset="0"/>
+                          <a:cs typeface="Arial" panose="020B0604020202020204" pitchFamily="34" charset="0"/>
+                        </a:rPr>
+                        <a:t>Search Record</a:t>
+                      </a:r>
+                    </a:p>
+                  </p:txBody>
+                </p:sp>
+              </p:grpSp>
+            </p:grpSp>
+            <p:grpSp>
+              <p:nvGrpSpPr>
+                <p:cNvPr id="8" name="Group 7">
+                  <a:extLst>
+                    <a:ext uri="{FF2B5EF4-FFF2-40B4-BE49-F238E27FC236}">
+                      <a16:creationId xmlns:a16="http://schemas.microsoft.com/office/drawing/2014/main" id="{7970C2CB-22AD-F5BC-EF55-C3C8D65CC95C}"/>
+                    </a:ext>
+                  </a:extLst>
+                </p:cNvPr>
+                <p:cNvGrpSpPr/>
+                <p:nvPr/>
+              </p:nvGrpSpPr>
+              <p:grpSpPr>
+                <a:xfrm>
+                  <a:off x="601249" y="663879"/>
+                  <a:ext cx="1370228" cy="4424168"/>
+                  <a:chOff x="0" y="0"/>
+                  <a:chExt cx="1370228" cy="4424168"/>
+                </a:xfrm>
+              </p:grpSpPr>
+              <p:grpSp>
+                <p:nvGrpSpPr>
+                  <p:cNvPr id="9" name="Group 8">
+                    <a:extLst>
+                      <a:ext uri="{FF2B5EF4-FFF2-40B4-BE49-F238E27FC236}">
+                        <a16:creationId xmlns:a16="http://schemas.microsoft.com/office/drawing/2014/main" id="{4C854967-0563-2F09-A34B-7735CAB4943B}"/>
+                      </a:ext>
+                    </a:extLst>
+                  </p:cNvPr>
+                  <p:cNvGrpSpPr/>
+                  <p:nvPr/>
+                </p:nvGrpSpPr>
+                <p:grpSpPr>
+                  <a:xfrm>
+                    <a:off x="0" y="0"/>
+                    <a:ext cx="1365250" cy="3210683"/>
+                    <a:chOff x="0" y="0"/>
+                    <a:chExt cx="1365250" cy="3210683"/>
+                  </a:xfrm>
+                </p:grpSpPr>
+                <p:cxnSp>
+                  <p:nvCxnSpPr>
+                    <p:cNvPr id="12" name="Straight Connector 11">
+                      <a:extLst>
+                        <a:ext uri="{FF2B5EF4-FFF2-40B4-BE49-F238E27FC236}">
+                          <a16:creationId xmlns:a16="http://schemas.microsoft.com/office/drawing/2014/main" id="{ACD46A34-5A72-1F8E-21A1-DDC0ADA08E46}"/>
+                        </a:ext>
+                      </a:extLst>
+                    </p:cNvPr>
+                    <p:cNvCxnSpPr/>
+                    <p:nvPr/>
+                  </p:nvCxnSpPr>
+                  <p:spPr>
+                    <a:xfrm flipH="1">
+                      <a:off x="0" y="0"/>
+                      <a:ext cx="1364615" cy="1945640"/>
+                    </a:xfrm>
+                    <a:prstGeom prst="line">
+                      <a:avLst/>
+                    </a:prstGeom>
+                    <a:ln w="19050" cap="flat" cmpd="sng" algn="ctr">
+                      <a:solidFill>
+                        <a:schemeClr val="accent4"/>
+                      </a:solidFill>
+                      <a:prstDash val="solid"/>
+                      <a:round/>
+                      <a:headEnd type="none" w="med" len="med"/>
+                      <a:tailEnd type="none" w="med" len="med"/>
+                    </a:ln>
+                  </p:spPr>
+                  <p:style>
+                    <a:lnRef idx="0">
+                      <a:scrgbClr r="0" g="0" b="0"/>
+                    </a:lnRef>
+                    <a:fillRef idx="0">
+                      <a:scrgbClr r="0" g="0" b="0"/>
+                    </a:fillRef>
+                    <a:effectRef idx="0">
+                      <a:scrgbClr r="0" g="0" b="0"/>
+                    </a:effectRef>
+                    <a:fontRef idx="minor">
+                      <a:schemeClr val="accent4"/>
+                    </a:fontRef>
+                  </p:style>
+                </p:cxnSp>
+                <p:cxnSp>
+                  <p:nvCxnSpPr>
+                    <p:cNvPr id="13" name="Straight Connector 12">
+                      <a:extLst>
+                        <a:ext uri="{FF2B5EF4-FFF2-40B4-BE49-F238E27FC236}">
+                          <a16:creationId xmlns:a16="http://schemas.microsoft.com/office/drawing/2014/main" id="{DD47A1D1-DD9B-78D1-8D3F-BD483407448A}"/>
+                        </a:ext>
+                      </a:extLst>
+                    </p:cNvPr>
+                    <p:cNvCxnSpPr/>
+                    <p:nvPr/>
+                  </p:nvCxnSpPr>
+                  <p:spPr>
+                    <a:xfrm flipH="1">
+                      <a:off x="0" y="641555"/>
+                      <a:ext cx="1361440" cy="1299845"/>
+                    </a:xfrm>
+                    <a:prstGeom prst="line">
+                      <a:avLst/>
+                    </a:prstGeom>
+                    <a:ln w="19050" cap="flat" cmpd="sng" algn="ctr">
+                      <a:solidFill>
+                        <a:schemeClr val="accent4"/>
+                      </a:solidFill>
+                      <a:prstDash val="solid"/>
+                      <a:round/>
+                      <a:headEnd type="none" w="med" len="med"/>
+                      <a:tailEnd type="none" w="med" len="med"/>
+                    </a:ln>
+                  </p:spPr>
+                  <p:style>
+                    <a:lnRef idx="0">
+                      <a:scrgbClr r="0" g="0" b="0"/>
+                    </a:lnRef>
+                    <a:fillRef idx="0">
+                      <a:scrgbClr r="0" g="0" b="0"/>
+                    </a:fillRef>
+                    <a:effectRef idx="0">
+                      <a:scrgbClr r="0" g="0" b="0"/>
+                    </a:effectRef>
+                    <a:fontRef idx="minor">
+                      <a:schemeClr val="accent4"/>
+                    </a:fontRef>
+                  </p:style>
+                </p:cxnSp>
+                <p:cxnSp>
+                  <p:nvCxnSpPr>
+                    <p:cNvPr id="14" name="Straight Connector 13">
+                      <a:extLst>
+                        <a:ext uri="{FF2B5EF4-FFF2-40B4-BE49-F238E27FC236}">
+                          <a16:creationId xmlns:a16="http://schemas.microsoft.com/office/drawing/2014/main" id="{3A7ED91C-57C8-0433-5458-5229C491D699}"/>
+                        </a:ext>
+                      </a:extLst>
+                    </p:cNvPr>
+                    <p:cNvCxnSpPr/>
+                    <p:nvPr/>
+                  </p:nvCxnSpPr>
+                  <p:spPr>
+                    <a:xfrm flipH="1">
+                      <a:off x="0" y="1305232"/>
+                      <a:ext cx="1361440" cy="637540"/>
+                    </a:xfrm>
+                    <a:prstGeom prst="line">
+                      <a:avLst/>
+                    </a:prstGeom>
+                    <a:ln w="19050" cap="flat" cmpd="sng" algn="ctr">
+                      <a:solidFill>
+                        <a:schemeClr val="accent4"/>
+                      </a:solidFill>
+                      <a:prstDash val="solid"/>
+                      <a:round/>
+                      <a:headEnd type="none" w="med" len="med"/>
+                      <a:tailEnd type="none" w="med" len="med"/>
+                    </a:ln>
+                  </p:spPr>
+                  <p:style>
+                    <a:lnRef idx="0">
+                      <a:scrgbClr r="0" g="0" b="0"/>
+                    </a:lnRef>
+                    <a:fillRef idx="0">
+                      <a:scrgbClr r="0" g="0" b="0"/>
+                    </a:fillRef>
+                    <a:effectRef idx="0">
+                      <a:scrgbClr r="0" g="0" b="0"/>
+                    </a:effectRef>
+                    <a:fontRef idx="minor">
+                      <a:schemeClr val="accent4"/>
+                    </a:fontRef>
+                  </p:style>
+                </p:cxnSp>
+                <p:cxnSp>
+                  <p:nvCxnSpPr>
+                    <p:cNvPr id="15" name="Straight Connector 14">
+                      <a:extLst>
+                        <a:ext uri="{FF2B5EF4-FFF2-40B4-BE49-F238E27FC236}">
+                          <a16:creationId xmlns:a16="http://schemas.microsoft.com/office/drawing/2014/main" id="{1F883D22-CECF-6CD5-F7A6-9A8628273F9B}"/>
+                        </a:ext>
+                      </a:extLst>
+                    </p:cNvPr>
+                    <p:cNvCxnSpPr/>
+                    <p:nvPr/>
+                  </p:nvCxnSpPr>
+                  <p:spPr>
+                    <a:xfrm flipH="1" flipV="1">
+                      <a:off x="0" y="1939413"/>
+                      <a:ext cx="1365250" cy="0"/>
+                    </a:xfrm>
+                    <a:prstGeom prst="line">
+                      <a:avLst/>
+                    </a:prstGeom>
+                    <a:ln w="19050" cap="flat" cmpd="sng" algn="ctr">
+                      <a:solidFill>
+                        <a:schemeClr val="accent4"/>
+                      </a:solidFill>
+                      <a:prstDash val="solid"/>
+                      <a:round/>
+                      <a:headEnd type="none" w="med" len="med"/>
+                      <a:tailEnd type="none" w="med" len="med"/>
+                    </a:ln>
+                  </p:spPr>
+                  <p:style>
+                    <a:lnRef idx="0">
+                      <a:scrgbClr r="0" g="0" b="0"/>
+                    </a:lnRef>
+                    <a:fillRef idx="0">
+                      <a:scrgbClr r="0" g="0" b="0"/>
+                    </a:fillRef>
+                    <a:effectRef idx="0">
+                      <a:scrgbClr r="0" g="0" b="0"/>
+                    </a:effectRef>
+                    <a:fontRef idx="minor">
+                      <a:schemeClr val="accent4"/>
+                    </a:fontRef>
+                  </p:style>
+                </p:cxnSp>
+                <p:cxnSp>
+                  <p:nvCxnSpPr>
+                    <p:cNvPr id="16" name="Straight Connector 15">
+                      <a:extLst>
+                        <a:ext uri="{FF2B5EF4-FFF2-40B4-BE49-F238E27FC236}">
+                          <a16:creationId xmlns:a16="http://schemas.microsoft.com/office/drawing/2014/main" id="{3409048A-2C51-9EE3-182E-32722ECC65EC}"/>
+                        </a:ext>
+                      </a:extLst>
+                    </p:cNvPr>
+                    <p:cNvCxnSpPr/>
+                    <p:nvPr/>
+                  </p:nvCxnSpPr>
+                  <p:spPr>
+                    <a:xfrm flipH="1" flipV="1">
+                      <a:off x="0" y="1939413"/>
+                      <a:ext cx="1358900" cy="586740"/>
+                    </a:xfrm>
+                    <a:prstGeom prst="line">
+                      <a:avLst/>
+                    </a:prstGeom>
+                    <a:ln w="19050" cap="flat" cmpd="sng" algn="ctr">
+                      <a:solidFill>
+                        <a:schemeClr val="accent4"/>
+                      </a:solidFill>
+                      <a:prstDash val="solid"/>
+                      <a:round/>
+                      <a:headEnd type="none" w="med" len="med"/>
+                      <a:tailEnd type="none" w="med" len="med"/>
+                    </a:ln>
+                  </p:spPr>
+                  <p:style>
+                    <a:lnRef idx="0">
+                      <a:scrgbClr r="0" g="0" b="0"/>
+                    </a:lnRef>
+                    <a:fillRef idx="0">
+                      <a:scrgbClr r="0" g="0" b="0"/>
+                    </a:fillRef>
+                    <a:effectRef idx="0">
+                      <a:scrgbClr r="0" g="0" b="0"/>
+                    </a:effectRef>
+                    <a:fontRef idx="minor">
+                      <a:schemeClr val="accent4"/>
+                    </a:fontRef>
+                  </p:style>
+                </p:cxnSp>
+                <p:cxnSp>
+                  <p:nvCxnSpPr>
+                    <p:cNvPr id="17" name="Straight Connector 16">
+                      <a:extLst>
+                        <a:ext uri="{FF2B5EF4-FFF2-40B4-BE49-F238E27FC236}">
+                          <a16:creationId xmlns:a16="http://schemas.microsoft.com/office/drawing/2014/main" id="{9E3EDF1B-C082-4CB1-7EAF-1DD6E9334716}"/>
+                        </a:ext>
+                      </a:extLst>
+                    </p:cNvPr>
+                    <p:cNvCxnSpPr/>
+                    <p:nvPr/>
+                  </p:nvCxnSpPr>
+                  <p:spPr>
+                    <a:xfrm flipH="1" flipV="1">
+                      <a:off x="0" y="1939413"/>
+                      <a:ext cx="1358900" cy="1271270"/>
+                    </a:xfrm>
+                    <a:prstGeom prst="line">
+                      <a:avLst/>
+                    </a:prstGeom>
+                    <a:ln w="19050" cap="flat" cmpd="sng" algn="ctr">
+                      <a:solidFill>
+                        <a:schemeClr val="accent4"/>
+                      </a:solidFill>
+                      <a:prstDash val="solid"/>
+                      <a:round/>
+                      <a:headEnd type="none" w="med" len="med"/>
+                      <a:tailEnd type="none" w="med" len="med"/>
+                    </a:ln>
+                  </p:spPr>
+                  <p:style>
+                    <a:lnRef idx="0">
+                      <a:scrgbClr r="0" g="0" b="0"/>
+                    </a:lnRef>
+                    <a:fillRef idx="0">
+                      <a:scrgbClr r="0" g="0" b="0"/>
+                    </a:fillRef>
+                    <a:effectRef idx="0">
+                      <a:scrgbClr r="0" g="0" b="0"/>
+                    </a:effectRef>
+                    <a:fontRef idx="minor">
+                      <a:schemeClr val="accent4"/>
+                    </a:fontRef>
+                  </p:style>
+                </p:cxnSp>
+              </p:grpSp>
+              <p:cxnSp>
+                <p:nvCxnSpPr>
+                  <p:cNvPr id="10" name="Straight Connector 9">
+                    <a:extLst>
+                      <a:ext uri="{FF2B5EF4-FFF2-40B4-BE49-F238E27FC236}">
+                        <a16:creationId xmlns:a16="http://schemas.microsoft.com/office/drawing/2014/main" id="{DADA30BC-0E72-BA8C-9198-D96D5CABAEA7}"/>
+                      </a:ext>
+                    </a:extLst>
+                  </p:cNvPr>
+                  <p:cNvCxnSpPr/>
+                  <p:nvPr/>
+                </p:nvCxnSpPr>
+                <p:spPr>
+                  <a:xfrm flipH="1" flipV="1">
+                    <a:off x="7375" y="1939413"/>
+                    <a:ext cx="1350010" cy="1895475"/>
+                  </a:xfrm>
+                  <a:prstGeom prst="line">
+                    <a:avLst/>
+                  </a:prstGeom>
+                  <a:ln w="19050" cap="flat" cmpd="sng" algn="ctr">
+                    <a:solidFill>
+                      <a:schemeClr val="accent4"/>
+                    </a:solidFill>
+                    <a:prstDash val="solid"/>
+                    <a:round/>
+                    <a:headEnd type="none" w="med" len="med"/>
+                    <a:tailEnd type="none" w="med" len="med"/>
+                  </a:ln>
+                </p:spPr>
+                <p:style>
+                  <a:lnRef idx="0">
+                    <a:scrgbClr r="0" g="0" b="0"/>
+                  </a:lnRef>
+                  <a:fillRef idx="0">
+                    <a:scrgbClr r="0" g="0" b="0"/>
+                  </a:fillRef>
+                  <a:effectRef idx="0">
+                    <a:scrgbClr r="0" g="0" b="0"/>
+                  </a:effectRef>
+                  <a:fontRef idx="minor">
+                    <a:schemeClr val="accent4"/>
+                  </a:fontRef>
+                </p:style>
+              </p:cxnSp>
+              <p:cxnSp>
+                <p:nvCxnSpPr>
+                  <p:cNvPr id="11" name="Straight Connector 10">
+                    <a:extLst>
+                      <a:ext uri="{FF2B5EF4-FFF2-40B4-BE49-F238E27FC236}">
+                        <a16:creationId xmlns:a16="http://schemas.microsoft.com/office/drawing/2014/main" id="{9D797096-5041-5629-6D9F-CD016D79F4D4}"/>
+                      </a:ext>
+                    </a:extLst>
+                  </p:cNvPr>
+                  <p:cNvCxnSpPr/>
+                  <p:nvPr/>
+                </p:nvCxnSpPr>
+                <p:spPr>
+                  <a:xfrm flipH="1" flipV="1">
+                    <a:off x="22123" y="1939413"/>
+                    <a:ext cx="1348105" cy="2484755"/>
+                  </a:xfrm>
+                  <a:prstGeom prst="line">
+                    <a:avLst/>
+                  </a:prstGeom>
+                  <a:ln w="19050" cap="flat" cmpd="sng" algn="ctr">
+                    <a:solidFill>
+                      <a:schemeClr val="accent4"/>
+                    </a:solidFill>
+                    <a:prstDash val="solid"/>
+                    <a:round/>
+                    <a:headEnd type="none" w="med" len="med"/>
+                    <a:tailEnd type="none" w="med" len="med"/>
+                  </a:ln>
+                </p:spPr>
+                <p:style>
+                  <a:lnRef idx="0">
+                    <a:scrgbClr r="0" g="0" b="0"/>
+                  </a:lnRef>
+                  <a:fillRef idx="0">
+                    <a:scrgbClr r="0" g="0" b="0"/>
+                  </a:fillRef>
+                  <a:effectRef idx="0">
+                    <a:scrgbClr r="0" g="0" b="0"/>
+                  </a:effectRef>
+                  <a:fontRef idx="minor">
+                    <a:schemeClr val="accent4"/>
+                  </a:fontRef>
+                </p:style>
+              </p:cxnSp>
+            </p:grpSp>
+          </p:grpSp>
+        </p:grpSp>
+        <p:pic>
+          <p:nvPicPr>
+            <p:cNvPr id="36" name="Picture 35">
+              <a:extLst>
+                <a:ext uri="{FF2B5EF4-FFF2-40B4-BE49-F238E27FC236}">
+                  <a16:creationId xmlns:a16="http://schemas.microsoft.com/office/drawing/2014/main" id="{58FE76E8-3357-718F-BF97-97F0F5F5888E}"/>
+                </a:ext>
+              </a:extLst>
+            </p:cNvPr>
+            <p:cNvPicPr>
+              <a:picLocks noChangeAspect="1"/>
+            </p:cNvPicPr>
+            <p:nvPr/>
+          </p:nvPicPr>
+          <p:blipFill>
+            <a:blip r:embed="rId2"/>
+            <a:stretch>
+              <a:fillRect/>
+            </a:stretch>
+          </p:blipFill>
+          <p:spPr>
+            <a:xfrm>
+              <a:off x="2277555" y="2236081"/>
+              <a:ext cx="408257" cy="736811"/>
+            </a:xfrm>
+            <a:prstGeom prst="rect">
+              <a:avLst/>
+            </a:prstGeom>
+          </p:spPr>
+        </p:pic>
+        <p:pic>
+          <p:nvPicPr>
+            <p:cNvPr id="37" name="Picture 36">
+              <a:extLst>
+                <a:ext uri="{FF2B5EF4-FFF2-40B4-BE49-F238E27FC236}">
+                  <a16:creationId xmlns:a16="http://schemas.microsoft.com/office/drawing/2014/main" id="{ACE3BD0B-6192-9039-C953-BE06E55A6678}"/>
+                </a:ext>
+              </a:extLst>
+            </p:cNvPr>
+            <p:cNvPicPr>
+              <a:picLocks noChangeAspect="1"/>
+            </p:cNvPicPr>
+            <p:nvPr/>
+          </p:nvPicPr>
+          <p:blipFill>
+            <a:blip r:embed="rId2"/>
+            <a:stretch>
+              <a:fillRect/>
+            </a:stretch>
+          </p:blipFill>
+          <p:spPr>
+            <a:xfrm>
+              <a:off x="5828594" y="2268272"/>
+              <a:ext cx="408257" cy="736811"/>
+            </a:xfrm>
+            <a:prstGeom prst="rect">
+              <a:avLst/>
+            </a:prstGeom>
+          </p:spPr>
+        </p:pic>
+      </p:grpSp>
+    </p:spTree>
+    <p:extLst>
+      <p:ext uri="{BB962C8B-B14F-4D97-AF65-F5344CB8AC3E}">
+        <p14:creationId xmlns:p14="http://schemas.microsoft.com/office/powerpoint/2010/main" val="3301624408"/>
+      </p:ext>
+    </p:extLst>
+  </p:cSld>
+  <p:clrMapOvr>
+    <a:masterClrMapping/>
+  </p:clrMapOvr>
+  <p:timing>
+    <p:tnLst>
+      <p:par>
+        <p:cTn id="1" dur="indefinite" restart="never" nodeType="tmRoot">
+          <p:childTnLst>
+            <p:seq concurrent="1" nextAc="seek">
+              <p:cTn id="2" dur="indefinite" nodeType="mainSeq">
+                <p:childTnLst>
+                  <p:par>
+                    <p:cTn id="3" fill="hold">
+                      <p:stCondLst>
+                        <p:cond delay="indefinite"/>
+                      </p:stCondLst>
+                      <p:childTnLst>
+                        <p:par>
+                          <p:cTn id="4" fill="hold">
+                            <p:stCondLst>
+                              <p:cond delay="0"/>
+                            </p:stCondLst>
+                            <p:childTnLst>
+                              <p:par>
+                                <p:cTn id="5" presetID="2" presetClass="entr" presetSubtype="1" fill="hold" grpId="0" nodeType="clickEffect">
+                                  <p:stCondLst>
+                                    <p:cond delay="0"/>
+                                  </p:stCondLst>
+                                  <p:childTnLst>
+                                    <p:set>
+                                      <p:cBhvr>
+                                        <p:cTn id="6" dur="1" fill="hold">
+                                          <p:stCondLst>
+                                            <p:cond delay="0"/>
+                                          </p:stCondLst>
+                                        </p:cTn>
+                                        <p:tgtEl>
+                                          <p:spTgt spid="2"/>
+                                        </p:tgtEl>
+                                        <p:attrNameLst>
+                                          <p:attrName>style.visibility</p:attrName>
+                                        </p:attrNameLst>
+                                      </p:cBhvr>
+                                      <p:to>
+                                        <p:strVal val="visible"/>
+                                      </p:to>
+                                    </p:set>
+                                    <p:anim calcmode="lin" valueType="num">
+                                      <p:cBhvr additive="base">
+                                        <p:cTn id="7" dur="500" fill="hold"/>
+                                        <p:tgtEl>
+                                          <p:spTgt spid="2"/>
+                                        </p:tgtEl>
+                                        <p:attrNameLst>
+                                          <p:attrName>ppt_x</p:attrName>
+                                        </p:attrNameLst>
+                                      </p:cBhvr>
+                                      <p:tavLst>
+                                        <p:tav tm="0">
+                                          <p:val>
+                                            <p:strVal val="#ppt_x"/>
+                                          </p:val>
+                                        </p:tav>
+                                        <p:tav tm="100000">
+                                          <p:val>
+                                            <p:strVal val="#ppt_x"/>
+                                          </p:val>
+                                        </p:tav>
+                                      </p:tavLst>
+                                    </p:anim>
+                                    <p:anim calcmode="lin" valueType="num">
+                                      <p:cBhvr additive="base">
+                                        <p:cTn id="8" dur="500" fill="hold"/>
+                                        <p:tgtEl>
+                                          <p:spTgt spid="2"/>
+                                        </p:tgtEl>
+                                        <p:attrNameLst>
+                                          <p:attrName>ppt_y</p:attrName>
+                                        </p:attrNameLst>
+                                      </p:cBhvr>
+                                      <p:tavLst>
+                                        <p:tav tm="0">
+                                          <p:val>
+                                            <p:strVal val="0-#ppt_h/2"/>
+                                          </p:val>
+                                        </p:tav>
+                                        <p:tav tm="100000">
+                                          <p:val>
+                                            <p:strVal val="#ppt_y"/>
+                                          </p:val>
+                                        </p:tav>
+                                      </p:tavLst>
+                                    </p:anim>
+                                  </p:childTnLst>
+                                </p:cTn>
+                              </p:par>
+                            </p:childTnLst>
+                          </p:cTn>
+                        </p:par>
+                        <p:par>
+                          <p:cTn id="9" fill="hold">
+                            <p:stCondLst>
+                              <p:cond delay="500"/>
+                            </p:stCondLst>
+                            <p:childTnLst>
+                              <p:par>
+                                <p:cTn id="10" presetID="53" presetClass="entr" presetSubtype="16" fill="hold" nodeType="afterEffect">
+                                  <p:stCondLst>
+                                    <p:cond delay="0"/>
+                                  </p:stCondLst>
+                                  <p:childTnLst>
+                                    <p:set>
+                                      <p:cBhvr>
+                                        <p:cTn id="11" dur="1" fill="hold">
+                                          <p:stCondLst>
+                                            <p:cond delay="0"/>
+                                          </p:stCondLst>
+                                        </p:cTn>
+                                        <p:tgtEl>
+                                          <p:spTgt spid="38"/>
+                                        </p:tgtEl>
+                                        <p:attrNameLst>
+                                          <p:attrName>style.visibility</p:attrName>
+                                        </p:attrNameLst>
+                                      </p:cBhvr>
+                                      <p:to>
+                                        <p:strVal val="visible"/>
+                                      </p:to>
+                                    </p:set>
+                                    <p:anim calcmode="lin" valueType="num">
+                                      <p:cBhvr>
+                                        <p:cTn id="12" dur="500" fill="hold"/>
+                                        <p:tgtEl>
+                                          <p:spTgt spid="38"/>
+                                        </p:tgtEl>
+                                        <p:attrNameLst>
+                                          <p:attrName>ppt_w</p:attrName>
+                                        </p:attrNameLst>
+                                      </p:cBhvr>
+                                      <p:tavLst>
+                                        <p:tav tm="0">
+                                          <p:val>
+                                            <p:fltVal val="0"/>
+                                          </p:val>
+                                        </p:tav>
+                                        <p:tav tm="100000">
+                                          <p:val>
+                                            <p:strVal val="#ppt_w"/>
+                                          </p:val>
+                                        </p:tav>
+                                      </p:tavLst>
+                                    </p:anim>
+                                    <p:anim calcmode="lin" valueType="num">
+                                      <p:cBhvr>
+                                        <p:cTn id="13" dur="500" fill="hold"/>
+                                        <p:tgtEl>
+                                          <p:spTgt spid="38"/>
+                                        </p:tgtEl>
+                                        <p:attrNameLst>
+                                          <p:attrName>ppt_h</p:attrName>
+                                        </p:attrNameLst>
+                                      </p:cBhvr>
+                                      <p:tavLst>
+                                        <p:tav tm="0">
+                                          <p:val>
+                                            <p:fltVal val="0"/>
+                                          </p:val>
+                                        </p:tav>
+                                        <p:tav tm="100000">
+                                          <p:val>
+                                            <p:strVal val="#ppt_h"/>
+                                          </p:val>
+                                        </p:tav>
+                                      </p:tavLst>
+                                    </p:anim>
+                                    <p:animEffect transition="in" filter="fade">
+                                      <p:cBhvr>
+                                        <p:cTn id="14" dur="500"/>
+                                        <p:tgtEl>
+                                          <p:spTgt spid="38"/>
+                                        </p:tgtEl>
+                                      </p:cBhvr>
+                                    </p:animEffect>
+                                  </p:childTnLst>
+                                </p:cTn>
+                              </p:par>
+                            </p:childTnLst>
+                          </p:cTn>
+                        </p:par>
+                      </p:childTnLst>
+                    </p:cTn>
+                  </p:par>
+                </p:childTnLst>
+              </p:cTn>
+              <p:prevCondLst>
+                <p:cond evt="onPrev" delay="0">
+                  <p:tgtEl>
+                    <p:sldTgt/>
+                  </p:tgtEl>
+                </p:cond>
+              </p:prevCondLst>
+              <p:nextCondLst>
+                <p:cond evt="onNext" delay="0">
+                  <p:tgtEl>
+                    <p:sldTgt/>
+                  </p:tgtEl>
+                </p:cond>
+              </p:nextCondLst>
+            </p:seq>
+          </p:childTnLst>
+        </p:cTn>
+      </p:par>
+    </p:tnLst>
+    <p:bldLst>
+      <p:bldP spid="2" grpId="0"/>
+    </p:bldLst>
+  </p:timing>
+</p:sld>
+</file>
+
+<file path=ppt/slides/slide8.xml><?xml version="1.0" encoding="utf-8"?>
+<p:sld xmlns:a="http://schemas.openxmlformats.org/drawingml/2006/main" xmlns:r="http://schemas.openxmlformats.org/officeDocument/2006/relationships" xmlns:p="http://schemas.openxmlformats.org/presentationml/2006/main">
+  <p:cSld>
+    <p:spTree>
+      <p:nvGrpSpPr>
+        <p:cNvPr id="1" name=""/>
+        <p:cNvGrpSpPr/>
+        <p:nvPr/>
+      </p:nvGrpSpPr>
+      <p:grpSpPr>
+        <a:xfrm>
+          <a:off x="0" y="0"/>
+          <a:ext cx="0" cy="0"/>
+          <a:chOff x="0" y="0"/>
+          <a:chExt cx="0" cy="0"/>
+        </a:xfrm>
+      </p:grpSpPr>
+      <p:sp>
+        <p:nvSpPr>
+          <p:cNvPr id="2" name="Title 1">
+            <a:extLst>
+              <a:ext uri="{FF2B5EF4-FFF2-40B4-BE49-F238E27FC236}">
                 <a16:creationId xmlns:a16="http://schemas.microsoft.com/office/drawing/2014/main" id="{190454BE-351C-E54E-8288-132B00CE99F5}"/>
               </a:ext>
             </a:extLst>
@@ -24427,7 +26306,7 @@
 </p:sld>
 </file>
 
-<file path=ppt/slides/slide8.xml><?xml version="1.0" encoding="utf-8"?>
+<file path=ppt/slides/slide9.xml><?xml version="1.0" encoding="utf-8"?>
 <p:sld xmlns:a="http://schemas.openxmlformats.org/drawingml/2006/main" xmlns:r="http://schemas.openxmlformats.org/officeDocument/2006/relationships" xmlns:p="http://schemas.openxmlformats.org/presentationml/2006/main">
   <p:cSld>
     <p:spTree>
@@ -25216,1257 +27095,6 @@
 </p:sld>
 </file>
 
-<file path=ppt/slides/slide9.xml><?xml version="1.0" encoding="utf-8"?>
-<p:sld xmlns:a="http://schemas.openxmlformats.org/drawingml/2006/main" xmlns:r="http://schemas.openxmlformats.org/officeDocument/2006/relationships" xmlns:p="http://schemas.openxmlformats.org/presentationml/2006/main">
-  <p:cSld>
-    <p:spTree>
-      <p:nvGrpSpPr>
-        <p:cNvPr id="1" name=""/>
-        <p:cNvGrpSpPr/>
-        <p:nvPr/>
-      </p:nvGrpSpPr>
-      <p:grpSpPr>
-        <a:xfrm>
-          <a:off x="0" y="0"/>
-          <a:ext cx="0" cy="0"/>
-          <a:chOff x="0" y="0"/>
-          <a:chExt cx="0" cy="0"/>
-        </a:xfrm>
-      </p:grpSpPr>
-      <p:sp>
-        <p:nvSpPr>
-          <p:cNvPr id="2" name="Title 1">
-            <a:extLst>
-              <a:ext uri="{FF2B5EF4-FFF2-40B4-BE49-F238E27FC236}">
-                <a16:creationId xmlns:a16="http://schemas.microsoft.com/office/drawing/2014/main" id="{B57DA6F8-AFEA-AB43-A0A5-2A875FCB5A6E}"/>
-              </a:ext>
-            </a:extLst>
-          </p:cNvPr>
-          <p:cNvSpPr>
-            <a:spLocks noGrp="1"/>
-          </p:cNvSpPr>
-          <p:nvPr>
-            <p:ph type="title"/>
-          </p:nvPr>
-        </p:nvSpPr>
-        <p:spPr>
-          <a:xfrm>
-            <a:off x="714000" y="343162"/>
-            <a:ext cx="7716000" cy="368700"/>
-          </a:xfrm>
-        </p:spPr>
-        <p:txBody>
-          <a:bodyPr/>
-          <a:lstStyle/>
-          <a:p>
-            <a:r>
-              <a:rPr lang="en-NP" dirty="0"/>
-              <a:t>Use case diagram</a:t>
-            </a:r>
-          </a:p>
-        </p:txBody>
-      </p:sp>
-      <p:grpSp>
-        <p:nvGrpSpPr>
-          <p:cNvPr id="5" name="Group 4">
-            <a:extLst>
-              <a:ext uri="{FF2B5EF4-FFF2-40B4-BE49-F238E27FC236}">
-                <a16:creationId xmlns:a16="http://schemas.microsoft.com/office/drawing/2014/main" id="{91BD4551-9479-B140-8C3E-DF4D5C05CB34}"/>
-              </a:ext>
-            </a:extLst>
-          </p:cNvPr>
-          <p:cNvGrpSpPr/>
-          <p:nvPr/>
-        </p:nvGrpSpPr>
-        <p:grpSpPr>
-          <a:xfrm>
-            <a:off x="1816333" y="912650"/>
-            <a:ext cx="3898668" cy="3814400"/>
-            <a:chOff x="-66895" y="0"/>
-            <a:chExt cx="5773813" cy="6000750"/>
-          </a:xfrm>
-        </p:grpSpPr>
-        <p:grpSp>
-          <p:nvGrpSpPr>
-            <p:cNvPr id="6" name="Group 5">
-              <a:extLst>
-                <a:ext uri="{FF2B5EF4-FFF2-40B4-BE49-F238E27FC236}">
-                  <a16:creationId xmlns:a16="http://schemas.microsoft.com/office/drawing/2014/main" id="{F707222C-75E5-BE41-899A-B477C11B53D4}"/>
-                </a:ext>
-              </a:extLst>
-            </p:cNvPr>
-            <p:cNvGrpSpPr/>
-            <p:nvPr/>
-          </p:nvGrpSpPr>
-          <p:grpSpPr>
-            <a:xfrm>
-              <a:off x="0" y="0"/>
-              <a:ext cx="5706918" cy="6000750"/>
-              <a:chOff x="228600" y="0"/>
-              <a:chExt cx="5706918" cy="6000750"/>
-            </a:xfrm>
-          </p:grpSpPr>
-          <p:grpSp>
-            <p:nvGrpSpPr>
-              <p:cNvPr id="8" name="Group 7">
-                <a:extLst>
-                  <a:ext uri="{FF2B5EF4-FFF2-40B4-BE49-F238E27FC236}">
-                    <a16:creationId xmlns:a16="http://schemas.microsoft.com/office/drawing/2014/main" id="{B69926EC-C67E-854A-AEA0-FBFE0E686140}"/>
-                  </a:ext>
-                </a:extLst>
-              </p:cNvPr>
-              <p:cNvGrpSpPr/>
-              <p:nvPr/>
-            </p:nvGrpSpPr>
-            <p:grpSpPr>
-              <a:xfrm>
-                <a:off x="897774" y="0"/>
-                <a:ext cx="5037744" cy="6000750"/>
-                <a:chOff x="0" y="0"/>
-                <a:chExt cx="5037744" cy="6000750"/>
-              </a:xfrm>
-            </p:grpSpPr>
-            <p:sp>
-              <p:nvSpPr>
-                <p:cNvPr id="10" name="Rectangle 9">
-                  <a:extLst>
-                    <a:ext uri="{FF2B5EF4-FFF2-40B4-BE49-F238E27FC236}">
-                      <a16:creationId xmlns:a16="http://schemas.microsoft.com/office/drawing/2014/main" id="{35E4AB0E-58AA-BE4C-A455-C28F7A9DE389}"/>
-                    </a:ext>
-                  </a:extLst>
-                </p:cNvPr>
-                <p:cNvSpPr/>
-                <p:nvPr/>
-              </p:nvSpPr>
-              <p:spPr>
-                <a:xfrm>
-                  <a:off x="1596044" y="0"/>
-                  <a:ext cx="3441700" cy="6000750"/>
-                </a:xfrm>
-                <a:prstGeom prst="rect">
-                  <a:avLst/>
-                </a:prstGeom>
-                <a:noFill/>
-                <a:ln>
-                  <a:solidFill>
-                    <a:schemeClr val="accent4"/>
-                  </a:solidFill>
-                </a:ln>
-              </p:spPr>
-              <p:style>
-                <a:lnRef idx="2">
-                  <a:schemeClr val="dk1"/>
-                </a:lnRef>
-                <a:fillRef idx="1">
-                  <a:schemeClr val="lt1"/>
-                </a:fillRef>
-                <a:effectRef idx="0">
-                  <a:schemeClr val="dk1"/>
-                </a:effectRef>
-                <a:fontRef idx="minor">
-                  <a:schemeClr val="dk1"/>
-                </a:fontRef>
-              </p:style>
-              <p:txBody>
-                <a:bodyPr rot="0" spcFirstLastPara="0" vert="horz" wrap="square" lIns="91440" tIns="45720" rIns="91440" bIns="45720" numCol="1" spcCol="0" rtlCol="0" fromWordArt="0" anchor="ctr" anchorCtr="0" forceAA="0" compatLnSpc="1">
-                  <a:prstTxWarp prst="textNoShape">
-                    <a:avLst/>
-                  </a:prstTxWarp>
-                  <a:noAutofit/>
-                </a:bodyPr>
-                <a:lstStyle/>
-                <a:p>
-                  <a:endParaRPr lang="en-US"/>
-                </a:p>
-              </p:txBody>
-            </p:sp>
-            <p:sp>
-              <p:nvSpPr>
-                <p:cNvPr id="11" name="Oval 10">
-                  <a:extLst>
-                    <a:ext uri="{FF2B5EF4-FFF2-40B4-BE49-F238E27FC236}">
-                      <a16:creationId xmlns:a16="http://schemas.microsoft.com/office/drawing/2014/main" id="{9E83AB54-AA44-A045-94AF-DB43033F0AEB}"/>
-                    </a:ext>
-                  </a:extLst>
-                </p:cNvPr>
-                <p:cNvSpPr/>
-                <p:nvPr/>
-              </p:nvSpPr>
-              <p:spPr>
-                <a:xfrm>
-                  <a:off x="2427316" y="515389"/>
-                  <a:ext cx="1746885" cy="718185"/>
-                </a:xfrm>
-                <a:prstGeom prst="ellipse">
-                  <a:avLst/>
-                </a:prstGeom>
-                <a:noFill/>
-                <a:ln>
-                  <a:solidFill>
-                    <a:schemeClr val="accent4"/>
-                  </a:solidFill>
-                </a:ln>
-              </p:spPr>
-              <p:style>
-                <a:lnRef idx="2">
-                  <a:schemeClr val="dk1"/>
-                </a:lnRef>
-                <a:fillRef idx="1">
-                  <a:schemeClr val="lt1"/>
-                </a:fillRef>
-                <a:effectRef idx="0">
-                  <a:schemeClr val="dk1"/>
-                </a:effectRef>
-                <a:fontRef idx="minor">
-                  <a:schemeClr val="dk1"/>
-                </a:fontRef>
-              </p:style>
-              <p:txBody>
-                <a:bodyPr rot="0" spcFirstLastPara="0" vert="horz" wrap="square" lIns="91440" tIns="45720" rIns="91440" bIns="45720" numCol="1" spcCol="0" rtlCol="0" fromWordArt="0" anchor="ctr" anchorCtr="0" forceAA="0" compatLnSpc="1">
-                  <a:prstTxWarp prst="textNoShape">
-                    <a:avLst/>
-                  </a:prstTxWarp>
-                  <a:noAutofit/>
-                </a:bodyPr>
-                <a:lstStyle/>
-                <a:p>
-                  <a:pPr algn="ctr"/>
-                  <a:r>
-                    <a:rPr lang="en-US" sz="1000" dirty="0">
-                      <a:solidFill>
-                        <a:schemeClr val="accent4">
-                          <a:lumMod val="75000"/>
-                        </a:schemeClr>
-                      </a:solidFill>
-                      <a:effectLst/>
-                      <a:latin typeface="Times New Roman" panose="02020603050405020304" pitchFamily="18" charset="0"/>
-                      <a:ea typeface="Calibri" panose="020F0502020204030204" pitchFamily="34" charset="0"/>
-                      <a:cs typeface="Arial" panose="020B0604020202020204" pitchFamily="34" charset="0"/>
-                    </a:rPr>
-                    <a:t>Login</a:t>
-                  </a:r>
-                  <a:endParaRPr lang="en-NP" sz="1000" dirty="0">
-                    <a:solidFill>
-                      <a:schemeClr val="accent4">
-                        <a:lumMod val="75000"/>
-                      </a:schemeClr>
-                    </a:solidFill>
-                    <a:effectLst/>
-                    <a:latin typeface="Times New Roman" panose="02020603050405020304" pitchFamily="18" charset="0"/>
-                    <a:ea typeface="Calibri" panose="020F0502020204030204" pitchFamily="34" charset="0"/>
-                    <a:cs typeface="Arial" panose="020B0604020202020204" pitchFamily="34" charset="0"/>
-                  </a:endParaRPr>
-                </a:p>
-              </p:txBody>
-            </p:sp>
-            <p:sp>
-              <p:nvSpPr>
-                <p:cNvPr id="12" name="Oval 11">
-                  <a:extLst>
-                    <a:ext uri="{FF2B5EF4-FFF2-40B4-BE49-F238E27FC236}">
-                      <a16:creationId xmlns:a16="http://schemas.microsoft.com/office/drawing/2014/main" id="{EACFC599-F44F-004C-8DB9-317838E831F3}"/>
-                    </a:ext>
-                  </a:extLst>
-                </p:cNvPr>
-                <p:cNvSpPr/>
-                <p:nvPr/>
-              </p:nvSpPr>
-              <p:spPr>
-                <a:xfrm>
-                  <a:off x="2427316" y="1413164"/>
-                  <a:ext cx="1746885" cy="718185"/>
-                </a:xfrm>
-                <a:prstGeom prst="ellipse">
-                  <a:avLst/>
-                </a:prstGeom>
-                <a:noFill/>
-                <a:ln>
-                  <a:solidFill>
-                    <a:schemeClr val="accent4"/>
-                  </a:solidFill>
-                </a:ln>
-              </p:spPr>
-              <p:style>
-                <a:lnRef idx="2">
-                  <a:schemeClr val="dk1"/>
-                </a:lnRef>
-                <a:fillRef idx="1">
-                  <a:schemeClr val="lt1"/>
-                </a:fillRef>
-                <a:effectRef idx="0">
-                  <a:schemeClr val="dk1"/>
-                </a:effectRef>
-                <a:fontRef idx="minor">
-                  <a:schemeClr val="dk1"/>
-                </a:fontRef>
-              </p:style>
-              <p:txBody>
-                <a:bodyPr rot="0" spcFirstLastPara="0" vert="horz" wrap="square" lIns="91440" tIns="45720" rIns="91440" bIns="45720" numCol="1" spcCol="0" rtlCol="0" fromWordArt="0" anchor="ctr" anchorCtr="0" forceAA="0" compatLnSpc="1">
-                  <a:prstTxWarp prst="textNoShape">
-                    <a:avLst/>
-                  </a:prstTxWarp>
-                  <a:noAutofit/>
-                </a:bodyPr>
-                <a:lstStyle/>
-                <a:p>
-                  <a:pPr algn="ctr"/>
-                  <a:r>
-                    <a:rPr lang="en-US" sz="1000">
-                      <a:solidFill>
-                        <a:schemeClr val="accent4">
-                          <a:lumMod val="75000"/>
-                        </a:schemeClr>
-                      </a:solidFill>
-                      <a:effectLst/>
-                      <a:latin typeface="Times New Roman" panose="02020603050405020304" pitchFamily="18" charset="0"/>
-                      <a:ea typeface="Calibri" panose="020F0502020204030204" pitchFamily="34" charset="0"/>
-                      <a:cs typeface="Arial" panose="020B0604020202020204" pitchFamily="34" charset="0"/>
-                    </a:rPr>
-                    <a:t>Insert Record</a:t>
-                  </a:r>
-                  <a:endParaRPr lang="en-NP" sz="1000">
-                    <a:solidFill>
-                      <a:schemeClr val="accent4">
-                        <a:lumMod val="75000"/>
-                      </a:schemeClr>
-                    </a:solidFill>
-                    <a:effectLst/>
-                    <a:latin typeface="Times New Roman" panose="02020603050405020304" pitchFamily="18" charset="0"/>
-                    <a:ea typeface="Calibri" panose="020F0502020204030204" pitchFamily="34" charset="0"/>
-                    <a:cs typeface="Arial" panose="020B0604020202020204" pitchFamily="34" charset="0"/>
-                  </a:endParaRPr>
-                </a:p>
-              </p:txBody>
-            </p:sp>
-            <p:sp>
-              <p:nvSpPr>
-                <p:cNvPr id="13" name="Oval 12">
-                  <a:extLst>
-                    <a:ext uri="{FF2B5EF4-FFF2-40B4-BE49-F238E27FC236}">
-                      <a16:creationId xmlns:a16="http://schemas.microsoft.com/office/drawing/2014/main" id="{E2C0D613-7F02-6E4A-8D75-9ACE6D8FBD86}"/>
-                    </a:ext>
-                  </a:extLst>
-                </p:cNvPr>
-                <p:cNvSpPr/>
-                <p:nvPr/>
-              </p:nvSpPr>
-              <p:spPr>
-                <a:xfrm>
-                  <a:off x="2427316" y="2277687"/>
-                  <a:ext cx="1746885" cy="718185"/>
-                </a:xfrm>
-                <a:prstGeom prst="ellipse">
-                  <a:avLst/>
-                </a:prstGeom>
-                <a:noFill/>
-                <a:ln>
-                  <a:solidFill>
-                    <a:schemeClr val="accent4"/>
-                  </a:solidFill>
-                </a:ln>
-              </p:spPr>
-              <p:style>
-                <a:lnRef idx="2">
-                  <a:schemeClr val="dk1"/>
-                </a:lnRef>
-                <a:fillRef idx="1">
-                  <a:schemeClr val="lt1"/>
-                </a:fillRef>
-                <a:effectRef idx="0">
-                  <a:schemeClr val="dk1"/>
-                </a:effectRef>
-                <a:fontRef idx="minor">
-                  <a:schemeClr val="dk1"/>
-                </a:fontRef>
-              </p:style>
-              <p:txBody>
-                <a:bodyPr rot="0" spcFirstLastPara="0" vert="horz" wrap="square" lIns="91440" tIns="45720" rIns="91440" bIns="45720" numCol="1" spcCol="0" rtlCol="0" fromWordArt="0" anchor="ctr" anchorCtr="0" forceAA="0" compatLnSpc="1">
-                  <a:prstTxWarp prst="textNoShape">
-                    <a:avLst/>
-                  </a:prstTxWarp>
-                  <a:noAutofit/>
-                </a:bodyPr>
-                <a:lstStyle/>
-                <a:p>
-                  <a:pPr algn="ctr"/>
-                  <a:r>
-                    <a:rPr lang="en-US" sz="1000">
-                      <a:solidFill>
-                        <a:schemeClr val="accent4">
-                          <a:lumMod val="75000"/>
-                        </a:schemeClr>
-                      </a:solidFill>
-                      <a:effectLst/>
-                      <a:latin typeface="Times New Roman" panose="02020603050405020304" pitchFamily="18" charset="0"/>
-                      <a:ea typeface="Calibri" panose="020F0502020204030204" pitchFamily="34" charset="0"/>
-                      <a:cs typeface="Arial" panose="020B0604020202020204" pitchFamily="34" charset="0"/>
-                    </a:rPr>
-                    <a:t>Display Record</a:t>
-                  </a:r>
-                  <a:endParaRPr lang="en-NP" sz="1000">
-                    <a:solidFill>
-                      <a:schemeClr val="accent4">
-                        <a:lumMod val="75000"/>
-                      </a:schemeClr>
-                    </a:solidFill>
-                    <a:effectLst/>
-                    <a:latin typeface="Times New Roman" panose="02020603050405020304" pitchFamily="18" charset="0"/>
-                    <a:ea typeface="Calibri" panose="020F0502020204030204" pitchFamily="34" charset="0"/>
-                    <a:cs typeface="Arial" panose="020B0604020202020204" pitchFamily="34" charset="0"/>
-                  </a:endParaRPr>
-                </a:p>
-              </p:txBody>
-            </p:sp>
-            <p:sp>
-              <p:nvSpPr>
-                <p:cNvPr id="14" name="Oval 13">
-                  <a:extLst>
-                    <a:ext uri="{FF2B5EF4-FFF2-40B4-BE49-F238E27FC236}">
-                      <a16:creationId xmlns:a16="http://schemas.microsoft.com/office/drawing/2014/main" id="{2B26E97F-F78E-D14C-8145-13EBFDCA1366}"/>
-                    </a:ext>
-                  </a:extLst>
-                </p:cNvPr>
-                <p:cNvSpPr/>
-                <p:nvPr/>
-              </p:nvSpPr>
-              <p:spPr>
-                <a:xfrm>
-                  <a:off x="2427316" y="3142211"/>
-                  <a:ext cx="1746885" cy="718185"/>
-                </a:xfrm>
-                <a:prstGeom prst="ellipse">
-                  <a:avLst/>
-                </a:prstGeom>
-                <a:noFill/>
-                <a:ln>
-                  <a:solidFill>
-                    <a:schemeClr val="accent4"/>
-                  </a:solidFill>
-                </a:ln>
-              </p:spPr>
-              <p:style>
-                <a:lnRef idx="2">
-                  <a:schemeClr val="dk1"/>
-                </a:lnRef>
-                <a:fillRef idx="1">
-                  <a:schemeClr val="lt1"/>
-                </a:fillRef>
-                <a:effectRef idx="0">
-                  <a:schemeClr val="dk1"/>
-                </a:effectRef>
-                <a:fontRef idx="minor">
-                  <a:schemeClr val="dk1"/>
-                </a:fontRef>
-              </p:style>
-              <p:txBody>
-                <a:bodyPr rot="0" spcFirstLastPara="0" vert="horz" wrap="square" lIns="91440" tIns="45720" rIns="91440" bIns="45720" numCol="1" spcCol="0" rtlCol="0" fromWordArt="0" anchor="ctr" anchorCtr="0" forceAA="0" compatLnSpc="1">
-                  <a:prstTxWarp prst="textNoShape">
-                    <a:avLst/>
-                  </a:prstTxWarp>
-                  <a:noAutofit/>
-                </a:bodyPr>
-                <a:lstStyle/>
-                <a:p>
-                  <a:pPr algn="ctr"/>
-                  <a:r>
-                    <a:rPr lang="en-US" sz="1000">
-                      <a:solidFill>
-                        <a:schemeClr val="accent4">
-                          <a:lumMod val="75000"/>
-                        </a:schemeClr>
-                      </a:solidFill>
-                      <a:effectLst/>
-                      <a:latin typeface="Times New Roman" panose="02020603050405020304" pitchFamily="18" charset="0"/>
-                      <a:ea typeface="Calibri" panose="020F0502020204030204" pitchFamily="34" charset="0"/>
-                      <a:cs typeface="Arial" panose="020B0604020202020204" pitchFamily="34" charset="0"/>
-                    </a:rPr>
-                    <a:t>Update Record</a:t>
-                  </a:r>
-                  <a:endParaRPr lang="en-NP" sz="1000">
-                    <a:solidFill>
-                      <a:schemeClr val="accent4">
-                        <a:lumMod val="75000"/>
-                      </a:schemeClr>
-                    </a:solidFill>
-                    <a:effectLst/>
-                    <a:latin typeface="Times New Roman" panose="02020603050405020304" pitchFamily="18" charset="0"/>
-                    <a:ea typeface="Calibri" panose="020F0502020204030204" pitchFamily="34" charset="0"/>
-                    <a:cs typeface="Arial" panose="020B0604020202020204" pitchFamily="34" charset="0"/>
-                  </a:endParaRPr>
-                </a:p>
-              </p:txBody>
-            </p:sp>
-            <p:sp>
-              <p:nvSpPr>
-                <p:cNvPr id="15" name="Oval 14">
-                  <a:extLst>
-                    <a:ext uri="{FF2B5EF4-FFF2-40B4-BE49-F238E27FC236}">
-                      <a16:creationId xmlns:a16="http://schemas.microsoft.com/office/drawing/2014/main" id="{023FD76A-B8C2-2949-B5DE-93E636BF786E}"/>
-                    </a:ext>
-                  </a:extLst>
-                </p:cNvPr>
-                <p:cNvSpPr/>
-                <p:nvPr/>
-              </p:nvSpPr>
-              <p:spPr>
-                <a:xfrm>
-                  <a:off x="2427316" y="4056611"/>
-                  <a:ext cx="1746885" cy="718185"/>
-                </a:xfrm>
-                <a:prstGeom prst="ellipse">
-                  <a:avLst/>
-                </a:prstGeom>
-                <a:noFill/>
-                <a:ln>
-                  <a:solidFill>
-                    <a:schemeClr val="accent4"/>
-                  </a:solidFill>
-                </a:ln>
-              </p:spPr>
-              <p:style>
-                <a:lnRef idx="2">
-                  <a:schemeClr val="dk1"/>
-                </a:lnRef>
-                <a:fillRef idx="1">
-                  <a:schemeClr val="lt1"/>
-                </a:fillRef>
-                <a:effectRef idx="0">
-                  <a:schemeClr val="dk1"/>
-                </a:effectRef>
-                <a:fontRef idx="minor">
-                  <a:schemeClr val="dk1"/>
-                </a:fontRef>
-              </p:style>
-              <p:txBody>
-                <a:bodyPr rot="0" spcFirstLastPara="0" vert="horz" wrap="square" lIns="91440" tIns="45720" rIns="91440" bIns="45720" numCol="1" spcCol="0" rtlCol="0" fromWordArt="0" anchor="ctr" anchorCtr="0" forceAA="0" compatLnSpc="1">
-                  <a:prstTxWarp prst="textNoShape">
-                    <a:avLst/>
-                  </a:prstTxWarp>
-                  <a:noAutofit/>
-                </a:bodyPr>
-                <a:lstStyle/>
-                <a:p>
-                  <a:pPr algn="ctr"/>
-                  <a:r>
-                    <a:rPr lang="en-US" sz="1000">
-                      <a:solidFill>
-                        <a:schemeClr val="accent4">
-                          <a:lumMod val="75000"/>
-                        </a:schemeClr>
-                      </a:solidFill>
-                      <a:effectLst/>
-                      <a:latin typeface="Times New Roman" panose="02020603050405020304" pitchFamily="18" charset="0"/>
-                      <a:ea typeface="Calibri" panose="020F0502020204030204" pitchFamily="34" charset="0"/>
-                      <a:cs typeface="Arial" panose="020B0604020202020204" pitchFamily="34" charset="0"/>
-                    </a:rPr>
-                    <a:t>Delete Record</a:t>
-                  </a:r>
-                  <a:endParaRPr lang="en-NP" sz="1000">
-                    <a:solidFill>
-                      <a:schemeClr val="accent4">
-                        <a:lumMod val="75000"/>
-                      </a:schemeClr>
-                    </a:solidFill>
-                    <a:effectLst/>
-                    <a:latin typeface="Times New Roman" panose="02020603050405020304" pitchFamily="18" charset="0"/>
-                    <a:ea typeface="Calibri" panose="020F0502020204030204" pitchFamily="34" charset="0"/>
-                    <a:cs typeface="Arial" panose="020B0604020202020204" pitchFamily="34" charset="0"/>
-                  </a:endParaRPr>
-                </a:p>
-              </p:txBody>
-            </p:sp>
-            <p:sp>
-              <p:nvSpPr>
-                <p:cNvPr id="16" name="Oval 15">
-                  <a:extLst>
-                    <a:ext uri="{FF2B5EF4-FFF2-40B4-BE49-F238E27FC236}">
-                      <a16:creationId xmlns:a16="http://schemas.microsoft.com/office/drawing/2014/main" id="{ED137620-D68A-F847-952C-8781DEAC446C}"/>
-                    </a:ext>
-                  </a:extLst>
-                </p:cNvPr>
-                <p:cNvSpPr/>
-                <p:nvPr/>
-              </p:nvSpPr>
-              <p:spPr>
-                <a:xfrm>
-                  <a:off x="2427316" y="4921135"/>
-                  <a:ext cx="1746885" cy="718185"/>
-                </a:xfrm>
-                <a:prstGeom prst="ellipse">
-                  <a:avLst/>
-                </a:prstGeom>
-                <a:noFill/>
-                <a:ln>
-                  <a:solidFill>
-                    <a:schemeClr val="accent4"/>
-                  </a:solidFill>
-                </a:ln>
-              </p:spPr>
-              <p:style>
-                <a:lnRef idx="2">
-                  <a:schemeClr val="dk1"/>
-                </a:lnRef>
-                <a:fillRef idx="1">
-                  <a:schemeClr val="lt1"/>
-                </a:fillRef>
-                <a:effectRef idx="0">
-                  <a:schemeClr val="dk1"/>
-                </a:effectRef>
-                <a:fontRef idx="minor">
-                  <a:schemeClr val="dk1"/>
-                </a:fontRef>
-              </p:style>
-              <p:txBody>
-                <a:bodyPr rot="0" spcFirstLastPara="0" vert="horz" wrap="square" lIns="91440" tIns="45720" rIns="91440" bIns="45720" numCol="1" spcCol="0" rtlCol="0" fromWordArt="0" anchor="ctr" anchorCtr="0" forceAA="0" compatLnSpc="1">
-                  <a:prstTxWarp prst="textNoShape">
-                    <a:avLst/>
-                  </a:prstTxWarp>
-                  <a:noAutofit/>
-                </a:bodyPr>
-                <a:lstStyle/>
-                <a:p>
-                  <a:pPr algn="ctr"/>
-                  <a:r>
-                    <a:rPr lang="en-US" sz="1000">
-                      <a:solidFill>
-                        <a:schemeClr val="accent4">
-                          <a:lumMod val="75000"/>
-                        </a:schemeClr>
-                      </a:solidFill>
-                      <a:effectLst/>
-                      <a:latin typeface="Times New Roman" panose="02020603050405020304" pitchFamily="18" charset="0"/>
-                      <a:ea typeface="Calibri" panose="020F0502020204030204" pitchFamily="34" charset="0"/>
-                      <a:cs typeface="Arial" panose="020B0604020202020204" pitchFamily="34" charset="0"/>
-                    </a:rPr>
-                    <a:t>Search Record</a:t>
-                  </a:r>
-                  <a:endParaRPr lang="en-NP" sz="1000">
-                    <a:solidFill>
-                      <a:schemeClr val="accent4">
-                        <a:lumMod val="75000"/>
-                      </a:schemeClr>
-                    </a:solidFill>
-                    <a:effectLst/>
-                    <a:latin typeface="Times New Roman" panose="02020603050405020304" pitchFamily="18" charset="0"/>
-                    <a:ea typeface="Calibri" panose="020F0502020204030204" pitchFamily="34" charset="0"/>
-                    <a:cs typeface="Arial" panose="020B0604020202020204" pitchFamily="34" charset="0"/>
-                  </a:endParaRPr>
-                </a:p>
-              </p:txBody>
-            </p:sp>
-            <p:cxnSp>
-              <p:nvCxnSpPr>
-                <p:cNvPr id="17" name="Straight Connector 16">
-                  <a:extLst>
-                    <a:ext uri="{FF2B5EF4-FFF2-40B4-BE49-F238E27FC236}">
-                      <a16:creationId xmlns:a16="http://schemas.microsoft.com/office/drawing/2014/main" id="{F9A28AB9-57AF-C947-9EE4-5FD25E317729}"/>
-                    </a:ext>
-                  </a:extLst>
-                </p:cNvPr>
-                <p:cNvCxnSpPr/>
-                <p:nvPr/>
-              </p:nvCxnSpPr>
-              <p:spPr>
-                <a:xfrm flipH="1">
-                  <a:off x="0" y="881149"/>
-                  <a:ext cx="2434107" cy="1764406"/>
-                </a:xfrm>
-                <a:prstGeom prst="line">
-                  <a:avLst/>
-                </a:prstGeom>
-                <a:ln>
-                  <a:solidFill>
-                    <a:schemeClr val="accent4"/>
-                  </a:solidFill>
-                </a:ln>
-              </p:spPr>
-              <p:style>
-                <a:lnRef idx="1">
-                  <a:schemeClr val="dk1"/>
-                </a:lnRef>
-                <a:fillRef idx="0">
-                  <a:schemeClr val="dk1"/>
-                </a:fillRef>
-                <a:effectRef idx="0">
-                  <a:schemeClr val="dk1"/>
-                </a:effectRef>
-                <a:fontRef idx="minor">
-                  <a:schemeClr val="tx1"/>
-                </a:fontRef>
-              </p:style>
-            </p:cxnSp>
-            <p:cxnSp>
-              <p:nvCxnSpPr>
-                <p:cNvPr id="18" name="Straight Connector 17">
-                  <a:extLst>
-                    <a:ext uri="{FF2B5EF4-FFF2-40B4-BE49-F238E27FC236}">
-                      <a16:creationId xmlns:a16="http://schemas.microsoft.com/office/drawing/2014/main" id="{577D314C-0CD1-A24B-BB4B-B4B44F3769EF}"/>
-                    </a:ext>
-                  </a:extLst>
-                </p:cNvPr>
-                <p:cNvCxnSpPr/>
-                <p:nvPr/>
-              </p:nvCxnSpPr>
-              <p:spPr>
-                <a:xfrm flipH="1">
-                  <a:off x="0" y="1762298"/>
-                  <a:ext cx="2433955" cy="888266"/>
-                </a:xfrm>
-                <a:prstGeom prst="line">
-                  <a:avLst/>
-                </a:prstGeom>
-                <a:ln>
-                  <a:solidFill>
-                    <a:schemeClr val="accent4"/>
-                  </a:solidFill>
-                </a:ln>
-              </p:spPr>
-              <p:style>
-                <a:lnRef idx="1">
-                  <a:schemeClr val="dk1"/>
-                </a:lnRef>
-                <a:fillRef idx="0">
-                  <a:schemeClr val="dk1"/>
-                </a:fillRef>
-                <a:effectRef idx="0">
-                  <a:schemeClr val="dk1"/>
-                </a:effectRef>
-                <a:fontRef idx="minor">
-                  <a:schemeClr val="tx1"/>
-                </a:fontRef>
-              </p:style>
-            </p:cxnSp>
-            <p:cxnSp>
-              <p:nvCxnSpPr>
-                <p:cNvPr id="19" name="Straight Connector 18">
-                  <a:extLst>
-                    <a:ext uri="{FF2B5EF4-FFF2-40B4-BE49-F238E27FC236}">
-                      <a16:creationId xmlns:a16="http://schemas.microsoft.com/office/drawing/2014/main" id="{350C4484-601C-4F48-BD05-851817CF63AB}"/>
-                    </a:ext>
-                  </a:extLst>
-                </p:cNvPr>
-                <p:cNvCxnSpPr/>
-                <p:nvPr/>
-              </p:nvCxnSpPr>
-              <p:spPr>
-                <a:xfrm flipH="1" flipV="1">
-                  <a:off x="16626" y="2660073"/>
-                  <a:ext cx="2419301" cy="293"/>
-                </a:xfrm>
-                <a:prstGeom prst="line">
-                  <a:avLst/>
-                </a:prstGeom>
-                <a:ln>
-                  <a:solidFill>
-                    <a:schemeClr val="accent4"/>
-                  </a:solidFill>
-                </a:ln>
-              </p:spPr>
-              <p:style>
-                <a:lnRef idx="1">
-                  <a:schemeClr val="dk1"/>
-                </a:lnRef>
-                <a:fillRef idx="0">
-                  <a:schemeClr val="dk1"/>
-                </a:fillRef>
-                <a:effectRef idx="0">
-                  <a:schemeClr val="dk1"/>
-                </a:effectRef>
-                <a:fontRef idx="minor">
-                  <a:schemeClr val="tx1"/>
-                </a:fontRef>
-              </p:style>
-            </p:cxnSp>
-            <p:cxnSp>
-              <p:nvCxnSpPr>
-                <p:cNvPr id="20" name="Straight Connector 19">
-                  <a:extLst>
-                    <a:ext uri="{FF2B5EF4-FFF2-40B4-BE49-F238E27FC236}">
-                      <a16:creationId xmlns:a16="http://schemas.microsoft.com/office/drawing/2014/main" id="{BCF2E969-2F79-3C42-9687-E7DB298588C0}"/>
-                    </a:ext>
-                  </a:extLst>
-                </p:cNvPr>
-                <p:cNvCxnSpPr/>
-                <p:nvPr/>
-              </p:nvCxnSpPr>
-              <p:spPr>
-                <a:xfrm flipH="1" flipV="1">
-                  <a:off x="0" y="2643447"/>
-                  <a:ext cx="2434107" cy="888642"/>
-                </a:xfrm>
-                <a:prstGeom prst="line">
-                  <a:avLst/>
-                </a:prstGeom>
-                <a:ln>
-                  <a:solidFill>
-                    <a:schemeClr val="accent4"/>
-                  </a:solidFill>
-                </a:ln>
-              </p:spPr>
-              <p:style>
-                <a:lnRef idx="1">
-                  <a:schemeClr val="dk1"/>
-                </a:lnRef>
-                <a:fillRef idx="0">
-                  <a:schemeClr val="dk1"/>
-                </a:fillRef>
-                <a:effectRef idx="0">
-                  <a:schemeClr val="dk1"/>
-                </a:effectRef>
-                <a:fontRef idx="minor">
-                  <a:schemeClr val="tx1"/>
-                </a:fontRef>
-              </p:style>
-            </p:cxnSp>
-            <p:cxnSp>
-              <p:nvCxnSpPr>
-                <p:cNvPr id="21" name="Straight Connector 20">
-                  <a:extLst>
-                    <a:ext uri="{FF2B5EF4-FFF2-40B4-BE49-F238E27FC236}">
-                      <a16:creationId xmlns:a16="http://schemas.microsoft.com/office/drawing/2014/main" id="{651245C5-A26C-F448-A810-F87FC4CDDCD7}"/>
-                    </a:ext>
-                  </a:extLst>
-                </p:cNvPr>
-                <p:cNvCxnSpPr/>
-                <p:nvPr/>
-              </p:nvCxnSpPr>
-              <p:spPr>
-                <a:xfrm flipH="1" flipV="1">
-                  <a:off x="16626" y="2660073"/>
-                  <a:ext cx="2419301" cy="1765300"/>
-                </a:xfrm>
-                <a:prstGeom prst="line">
-                  <a:avLst/>
-                </a:prstGeom>
-                <a:ln>
-                  <a:solidFill>
-                    <a:schemeClr val="accent4"/>
-                  </a:solidFill>
-                </a:ln>
-              </p:spPr>
-              <p:style>
-                <a:lnRef idx="1">
-                  <a:schemeClr val="dk1"/>
-                </a:lnRef>
-                <a:fillRef idx="0">
-                  <a:schemeClr val="dk1"/>
-                </a:fillRef>
-                <a:effectRef idx="0">
-                  <a:schemeClr val="dk1"/>
-                </a:effectRef>
-                <a:fontRef idx="minor">
-                  <a:schemeClr val="tx1"/>
-                </a:fontRef>
-              </p:style>
-            </p:cxnSp>
-            <p:cxnSp>
-              <p:nvCxnSpPr>
-                <p:cNvPr id="22" name="Straight Connector 21">
-                  <a:extLst>
-                    <a:ext uri="{FF2B5EF4-FFF2-40B4-BE49-F238E27FC236}">
-                      <a16:creationId xmlns:a16="http://schemas.microsoft.com/office/drawing/2014/main" id="{E5013973-4717-854E-BE24-16DD11F7C830}"/>
-                    </a:ext>
-                  </a:extLst>
-                </p:cNvPr>
-                <p:cNvCxnSpPr/>
-                <p:nvPr/>
-              </p:nvCxnSpPr>
-              <p:spPr>
-                <a:xfrm flipH="1" flipV="1">
-                  <a:off x="16626" y="2643447"/>
-                  <a:ext cx="2421255" cy="2626995"/>
-                </a:xfrm>
-                <a:prstGeom prst="line">
-                  <a:avLst/>
-                </a:prstGeom>
-                <a:ln>
-                  <a:solidFill>
-                    <a:schemeClr val="accent4"/>
-                  </a:solidFill>
-                </a:ln>
-              </p:spPr>
-              <p:style>
-                <a:lnRef idx="1">
-                  <a:schemeClr val="dk1"/>
-                </a:lnRef>
-                <a:fillRef idx="0">
-                  <a:schemeClr val="dk1"/>
-                </a:fillRef>
-                <a:effectRef idx="0">
-                  <a:schemeClr val="dk1"/>
-                </a:effectRef>
-                <a:fontRef idx="minor">
-                  <a:schemeClr val="tx1"/>
-                </a:fontRef>
-              </p:style>
-            </p:cxnSp>
-          </p:grpSp>
-          <p:pic>
-            <p:nvPicPr>
-              <p:cNvPr id="9" name="Picture 8" descr="Free vector graphic: Stick Figure, Stick, Figure, Person ...">
-                <a:extLst>
-                  <a:ext uri="{FF2B5EF4-FFF2-40B4-BE49-F238E27FC236}">
-                    <a16:creationId xmlns:a16="http://schemas.microsoft.com/office/drawing/2014/main" id="{F285CCEB-26FC-3541-9DD5-4D7700BDEF3E}"/>
-                  </a:ext>
-                </a:extLst>
-              </p:cNvPr>
-              <p:cNvPicPr>
-                <a:picLocks noChangeAspect="1"/>
-              </p:cNvPicPr>
-              <p:nvPr/>
-            </p:nvPicPr>
-            <p:blipFill>
-              <a:blip r:embed="rId2" cstate="print">
-                <a:duotone>
-                  <a:schemeClr val="accent4">
-                    <a:shade val="45000"/>
-                    <a:satMod val="135000"/>
-                  </a:schemeClr>
-                  <a:prstClr val="white"/>
-                </a:duotone>
-                <a:extLst>
-                  <a:ext uri="{BEBA8EAE-BF5A-486C-A8C5-ECC9F3942E4B}">
-                    <a14:imgProps xmlns:a14="http://schemas.microsoft.com/office/drawing/2010/main">
-                      <a14:imgLayer r:embed="rId3">
-                        <a14:imgEffect>
-                          <a14:colorTemperature colorTemp="11200"/>
-                        </a14:imgEffect>
-                        <a14:imgEffect>
-                          <a14:saturation sat="0"/>
-                        </a14:imgEffect>
-                      </a14:imgLayer>
-                    </a14:imgProps>
-                  </a:ext>
-                  <a:ext uri="{28A0092B-C50C-407E-A947-70E740481C1C}">
-                    <a14:useLocalDpi xmlns:a14="http://schemas.microsoft.com/office/drawing/2010/main" val="0"/>
-                  </a:ext>
-                  <a:ext uri="{837473B0-CC2E-450A-ABE3-18F120FF3D39}">
-                    <a1611:picAttrSrcUrl xmlns:a1611="http://schemas.microsoft.com/office/drawing/2016/11/main" r:id="rId4"/>
-                  </a:ext>
-                </a:extLst>
-              </a:blip>
-              <a:stretch>
-                <a:fillRect/>
-              </a:stretch>
-            </p:blipFill>
-            <p:spPr>
-              <a:xfrm flipH="1">
-                <a:off x="228600" y="1772747"/>
-                <a:ext cx="814070" cy="1454785"/>
-              </a:xfrm>
-              <a:prstGeom prst="rect">
-                <a:avLst/>
-              </a:prstGeom>
-              <a:noFill/>
-              <a:ln>
-                <a:noFill/>
-              </a:ln>
-              <a:effectLst/>
-            </p:spPr>
-          </p:pic>
-        </p:grpSp>
-        <p:sp>
-          <p:nvSpPr>
-            <p:cNvPr id="7" name="Text Box 53">
-              <a:extLst>
-                <a:ext uri="{FF2B5EF4-FFF2-40B4-BE49-F238E27FC236}">
-                  <a16:creationId xmlns:a16="http://schemas.microsoft.com/office/drawing/2014/main" id="{65917D47-4EBB-A645-8BAC-3B77DEB461E8}"/>
-                </a:ext>
-              </a:extLst>
-            </p:cNvPr>
-            <p:cNvSpPr txBox="1"/>
-            <p:nvPr/>
-          </p:nvSpPr>
-          <p:spPr>
-            <a:xfrm>
-              <a:off x="-66895" y="3279255"/>
-              <a:ext cx="1346199" cy="494897"/>
-            </a:xfrm>
-            <a:prstGeom prst="rect">
-              <a:avLst/>
-            </a:prstGeom>
-            <a:noFill/>
-            <a:ln w="6350">
-              <a:noFill/>
-            </a:ln>
-          </p:spPr>
-          <p:txBody>
-            <a:bodyPr rot="0" spcFirstLastPara="0" vert="horz" wrap="square" lIns="91440" tIns="45720" rIns="91440" bIns="45720" numCol="1" spcCol="0" rtlCol="0" fromWordArt="0" anchor="t" anchorCtr="0" forceAA="0" compatLnSpc="1">
-              <a:prstTxWarp prst="textNoShape">
-                <a:avLst/>
-              </a:prstTxWarp>
-              <a:noAutofit/>
-            </a:bodyPr>
-            <a:lstStyle/>
-            <a:p>
-              <a:r>
-                <a:rPr lang="en-US" sz="1000" b="1" dirty="0">
-                  <a:solidFill>
-                    <a:schemeClr val="accent4">
-                      <a:lumMod val="75000"/>
-                    </a:schemeClr>
-                  </a:solidFill>
-                  <a:effectLst/>
-                  <a:latin typeface="Times New Roman" panose="02020603050405020304" pitchFamily="18" charset="0"/>
-                  <a:ea typeface="Calibri" panose="020F0502020204030204" pitchFamily="34" charset="0"/>
-                  <a:cs typeface="Arial" panose="020B0604020202020204" pitchFamily="34" charset="0"/>
-                </a:rPr>
-                <a:t>ADMIN</a:t>
-              </a:r>
-              <a:endParaRPr lang="en-NP" sz="1000" dirty="0">
-                <a:solidFill>
-                  <a:schemeClr val="accent4">
-                    <a:lumMod val="75000"/>
-                  </a:schemeClr>
-                </a:solidFill>
-                <a:effectLst/>
-                <a:latin typeface="Times New Roman" panose="02020603050405020304" pitchFamily="18" charset="0"/>
-                <a:ea typeface="Calibri" panose="020F0502020204030204" pitchFamily="34" charset="0"/>
-                <a:cs typeface="Arial" panose="020B0604020202020204" pitchFamily="34" charset="0"/>
-              </a:endParaRPr>
-            </a:p>
-          </p:txBody>
-        </p:sp>
-      </p:grpSp>
-    </p:spTree>
-    <p:extLst>
-      <p:ext uri="{BB962C8B-B14F-4D97-AF65-F5344CB8AC3E}">
-        <p14:creationId xmlns:p14="http://schemas.microsoft.com/office/powerpoint/2010/main" val="528776662"/>
-      </p:ext>
-    </p:extLst>
-  </p:cSld>
-  <p:clrMapOvr>
-    <a:masterClrMapping/>
-  </p:clrMapOvr>
-  <mc:AlternateContent xmlns:mc="http://schemas.openxmlformats.org/markup-compatibility/2006" xmlns:p159="http://schemas.microsoft.com/office/powerpoint/2015/09/main">
-    <mc:Choice Requires="p159">
-      <p:transition xmlns:p14="http://schemas.microsoft.com/office/powerpoint/2010/main" spd="slow" p14:dur="2000">
-        <p159:morph option="byObject"/>
-      </p:transition>
-    </mc:Choice>
-    <mc:Fallback xmlns="">
-      <p:transition spd="slow">
-        <p:fade/>
-      </p:transition>
-    </mc:Fallback>
-  </mc:AlternateContent>
-  <p:timing>
-    <p:tnLst>
-      <p:par>
-        <p:cTn id="1" dur="indefinite" restart="never" nodeType="tmRoot">
-          <p:childTnLst>
-            <p:seq concurrent="1" nextAc="seek">
-              <p:cTn id="2" dur="indefinite" nodeType="mainSeq">
-                <p:childTnLst>
-                  <p:par>
-                    <p:cTn id="3" fill="hold">
-                      <p:stCondLst>
-                        <p:cond delay="indefinite"/>
-                      </p:stCondLst>
-                      <p:childTnLst>
-                        <p:par>
-                          <p:cTn id="4" fill="hold">
-                            <p:stCondLst>
-                              <p:cond delay="0"/>
-                            </p:stCondLst>
-                            <p:childTnLst>
-                              <p:par>
-                                <p:cTn id="5" presetID="2" presetClass="entr" presetSubtype="1" fill="hold" grpId="0" nodeType="clickEffect">
-                                  <p:stCondLst>
-                                    <p:cond delay="0"/>
-                                  </p:stCondLst>
-                                  <p:childTnLst>
-                                    <p:set>
-                                      <p:cBhvr>
-                                        <p:cTn id="6" dur="1" fill="hold">
-                                          <p:stCondLst>
-                                            <p:cond delay="0"/>
-                                          </p:stCondLst>
-                                        </p:cTn>
-                                        <p:tgtEl>
-                                          <p:spTgt spid="2"/>
-                                        </p:tgtEl>
-                                        <p:attrNameLst>
-                                          <p:attrName>style.visibility</p:attrName>
-                                        </p:attrNameLst>
-                                      </p:cBhvr>
-                                      <p:to>
-                                        <p:strVal val="visible"/>
-                                      </p:to>
-                                    </p:set>
-                                    <p:anim calcmode="lin" valueType="num">
-                                      <p:cBhvr additive="base">
-                                        <p:cTn id="7" dur="500" fill="hold"/>
-                                        <p:tgtEl>
-                                          <p:spTgt spid="2"/>
-                                        </p:tgtEl>
-                                        <p:attrNameLst>
-                                          <p:attrName>ppt_x</p:attrName>
-                                        </p:attrNameLst>
-                                      </p:cBhvr>
-                                      <p:tavLst>
-                                        <p:tav tm="0">
-                                          <p:val>
-                                            <p:strVal val="#ppt_x"/>
-                                          </p:val>
-                                        </p:tav>
-                                        <p:tav tm="100000">
-                                          <p:val>
-                                            <p:strVal val="#ppt_x"/>
-                                          </p:val>
-                                        </p:tav>
-                                      </p:tavLst>
-                                    </p:anim>
-                                    <p:anim calcmode="lin" valueType="num">
-                                      <p:cBhvr additive="base">
-                                        <p:cTn id="8" dur="500" fill="hold"/>
-                                        <p:tgtEl>
-                                          <p:spTgt spid="2"/>
-                                        </p:tgtEl>
-                                        <p:attrNameLst>
-                                          <p:attrName>ppt_y</p:attrName>
-                                        </p:attrNameLst>
-                                      </p:cBhvr>
-                                      <p:tavLst>
-                                        <p:tav tm="0">
-                                          <p:val>
-                                            <p:strVal val="0-#ppt_h/2"/>
-                                          </p:val>
-                                        </p:tav>
-                                        <p:tav tm="100000">
-                                          <p:val>
-                                            <p:strVal val="#ppt_y"/>
-                                          </p:val>
-                                        </p:tav>
-                                      </p:tavLst>
-                                    </p:anim>
-                                  </p:childTnLst>
-                                </p:cTn>
-                              </p:par>
-                            </p:childTnLst>
-                          </p:cTn>
-                        </p:par>
-                        <p:par>
-                          <p:cTn id="9" fill="hold">
-                            <p:stCondLst>
-                              <p:cond delay="500"/>
-                            </p:stCondLst>
-                            <p:childTnLst>
-                              <p:par>
-                                <p:cTn id="10" presetID="53" presetClass="entr" presetSubtype="16" fill="hold" nodeType="afterEffect">
-                                  <p:stCondLst>
-                                    <p:cond delay="0"/>
-                                  </p:stCondLst>
-                                  <p:childTnLst>
-                                    <p:set>
-                                      <p:cBhvr>
-                                        <p:cTn id="11" dur="1" fill="hold">
-                                          <p:stCondLst>
-                                            <p:cond delay="0"/>
-                                          </p:stCondLst>
-                                        </p:cTn>
-                                        <p:tgtEl>
-                                          <p:spTgt spid="5"/>
-                                        </p:tgtEl>
-                                        <p:attrNameLst>
-                                          <p:attrName>style.visibility</p:attrName>
-                                        </p:attrNameLst>
-                                      </p:cBhvr>
-                                      <p:to>
-                                        <p:strVal val="visible"/>
-                                      </p:to>
-                                    </p:set>
-                                    <p:anim calcmode="lin" valueType="num">
-                                      <p:cBhvr>
-                                        <p:cTn id="12" dur="500" fill="hold"/>
-                                        <p:tgtEl>
-                                          <p:spTgt spid="5"/>
-                                        </p:tgtEl>
-                                        <p:attrNameLst>
-                                          <p:attrName>ppt_w</p:attrName>
-                                        </p:attrNameLst>
-                                      </p:cBhvr>
-                                      <p:tavLst>
-                                        <p:tav tm="0">
-                                          <p:val>
-                                            <p:fltVal val="0"/>
-                                          </p:val>
-                                        </p:tav>
-                                        <p:tav tm="100000">
-                                          <p:val>
-                                            <p:strVal val="#ppt_w"/>
-                                          </p:val>
-                                        </p:tav>
-                                      </p:tavLst>
-                                    </p:anim>
-                                    <p:anim calcmode="lin" valueType="num">
-                                      <p:cBhvr>
-                                        <p:cTn id="13" dur="500" fill="hold"/>
-                                        <p:tgtEl>
-                                          <p:spTgt spid="5"/>
-                                        </p:tgtEl>
-                                        <p:attrNameLst>
-                                          <p:attrName>ppt_h</p:attrName>
-                                        </p:attrNameLst>
-                                      </p:cBhvr>
-                                      <p:tavLst>
-                                        <p:tav tm="0">
-                                          <p:val>
-                                            <p:fltVal val="0"/>
-                                          </p:val>
-                                        </p:tav>
-                                        <p:tav tm="100000">
-                                          <p:val>
-                                            <p:strVal val="#ppt_h"/>
-                                          </p:val>
-                                        </p:tav>
-                                      </p:tavLst>
-                                    </p:anim>
-                                    <p:animEffect transition="in" filter="fade">
-                                      <p:cBhvr>
-                                        <p:cTn id="14" dur="500"/>
-                                        <p:tgtEl>
-                                          <p:spTgt spid="5"/>
-                                        </p:tgtEl>
-                                      </p:cBhvr>
-                                    </p:animEffect>
-                                  </p:childTnLst>
-                                </p:cTn>
-                              </p:par>
-                            </p:childTnLst>
-                          </p:cTn>
-                        </p:par>
-                      </p:childTnLst>
-                    </p:cTn>
-                  </p:par>
-                </p:childTnLst>
-              </p:cTn>
-              <p:prevCondLst>
-                <p:cond evt="onPrev" delay="0">
-                  <p:tgtEl>
-                    <p:sldTgt/>
-                  </p:tgtEl>
-                </p:cond>
-              </p:prevCondLst>
-              <p:nextCondLst>
-                <p:cond evt="onNext" delay="0">
-                  <p:tgtEl>
-                    <p:sldTgt/>
-                  </p:tgtEl>
-                </p:cond>
-              </p:nextCondLst>
-            </p:seq>
-          </p:childTnLst>
-        </p:cTn>
-      </p:par>
-    </p:tnLst>
-    <p:bldLst>
-      <p:bldP spid="2" grpId="0"/>
-    </p:bldLst>
-  </p:timing>
-</p:sld>
-</file>
-
 <file path=ppt/theme/theme1.xml><?xml version="1.0" encoding="utf-8"?>
 <a:theme xmlns:a="http://schemas.openxmlformats.org/drawingml/2006/main" name="Generation of '27 by Slidesgo">
   <a:themeElements>

--- a/Documentation/LMS_Presentation.pptx
+++ b/Documentation/LMS_Presentation.pptx
@@ -12,11 +12,11 @@
     <p:sldId id="258" r:id="rId3"/>
     <p:sldId id="263" r:id="rId4"/>
     <p:sldId id="303" r:id="rId5"/>
-    <p:sldId id="304" r:id="rId6"/>
-    <p:sldId id="305" r:id="rId7"/>
-    <p:sldId id="313" r:id="rId8"/>
-    <p:sldId id="312" r:id="rId9"/>
-    <p:sldId id="309" r:id="rId10"/>
+    <p:sldId id="305" r:id="rId6"/>
+    <p:sldId id="304" r:id="rId7"/>
+    <p:sldId id="309" r:id="rId8"/>
+    <p:sldId id="313" r:id="rId9"/>
+    <p:sldId id="312" r:id="rId10"/>
     <p:sldId id="311" r:id="rId11"/>
   </p:sldIdLst>
   <p:sldSz cx="9144000" cy="5143500" type="screen16x9"/>
@@ -1035,6 +1035,72 @@
         </p:txBody>
       </p:sp>
     </p:spTree>
+  </p:cSld>
+  <p:clrMapOvr>
+    <a:masterClrMapping/>
+  </p:clrMapOvr>
+</p:notes>
+</file>
+
+<file path=ppt/notesSlides/notesSlide4.xml><?xml version="1.0" encoding="utf-8"?>
+<p:notes xmlns:a="http://schemas.openxmlformats.org/drawingml/2006/main" xmlns:r="http://schemas.openxmlformats.org/officeDocument/2006/relationships" xmlns:p="http://schemas.openxmlformats.org/presentationml/2006/main">
+  <p:cSld>
+    <p:spTree>
+      <p:nvGrpSpPr>
+        <p:cNvPr id="1" name=""/>
+        <p:cNvGrpSpPr/>
+        <p:nvPr/>
+      </p:nvGrpSpPr>
+      <p:grpSpPr>
+        <a:xfrm>
+          <a:off x="0" y="0"/>
+          <a:ext cx="0" cy="0"/>
+          <a:chOff x="0" y="0"/>
+          <a:chExt cx="0" cy="0"/>
+        </a:xfrm>
+      </p:grpSpPr>
+      <p:sp>
+        <p:nvSpPr>
+          <p:cNvPr id="2" name="Slide Image Placeholder 1"/>
+          <p:cNvSpPr>
+            <a:spLocks noGrp="1" noRot="1" noChangeAspect="1"/>
+          </p:cNvSpPr>
+          <p:nvPr>
+            <p:ph type="sldImg"/>
+          </p:nvPr>
+        </p:nvSpPr>
+        <p:spPr>
+          <a:xfrm>
+            <a:off x="381000" y="685800"/>
+            <a:ext cx="6096000" cy="3429000"/>
+          </a:xfrm>
+        </p:spPr>
+      </p:sp>
+      <p:sp>
+        <p:nvSpPr>
+          <p:cNvPr id="3" name="Notes Placeholder 2"/>
+          <p:cNvSpPr>
+            <a:spLocks noGrp="1"/>
+          </p:cNvSpPr>
+          <p:nvPr>
+            <p:ph type="body" idx="1"/>
+          </p:nvPr>
+        </p:nvSpPr>
+        <p:spPr/>
+        <p:txBody>
+          <a:bodyPr/>
+          <a:lstStyle/>
+          <a:p>
+            <a:endParaRPr lang="en-US" dirty="0"/>
+          </a:p>
+        </p:txBody>
+      </p:sp>
+    </p:spTree>
+    <p:extLst>
+      <p:ext uri="{BB962C8B-B14F-4D97-AF65-F5344CB8AC3E}">
+        <p14:creationId xmlns:p14="http://schemas.microsoft.com/office/powerpoint/2010/main" val="1143092114"/>
+      </p:ext>
+    </p:extLst>
   </p:cSld>
   <p:clrMapOvr>
     <a:masterClrMapping/>
@@ -10782,13 +10848,13 @@
   <p:clrMapOvr>
     <a:masterClrMapping/>
   </p:clrMapOvr>
-  <mc:AlternateContent xmlns:mc="http://schemas.openxmlformats.org/markup-compatibility/2006">
-    <mc:Choice xmlns:p15="http://schemas.microsoft.com/office/powerpoint/2012/main" Requires="p15">
+  <mc:AlternateContent xmlns:mc="http://schemas.openxmlformats.org/markup-compatibility/2006" xmlns:p15="http://schemas.microsoft.com/office/powerpoint/2012/main">
+    <mc:Choice Requires="p15">
       <p:transition xmlns:p14="http://schemas.microsoft.com/office/powerpoint/2010/main" spd="slow" p14:dur="2000">
         <p15:prstTrans prst="drape"/>
       </p:transition>
     </mc:Choice>
-    <mc:Fallback>
+    <mc:Fallback xmlns="">
       <p:transition spd="slow">
         <p:fade/>
       </p:transition>
@@ -12071,11 +12137,12 @@
           </a:lstStyle>
           <a:p>
             <a:r>
-              <a:rPr lang="en-US" dirty="0">
-                <a:latin typeface="Times" pitchFamily="2" charset="0"/>
-              </a:rPr>
-              <a:t>System Flow</a:t>
+              <a:rPr lang="en" dirty="0"/>
+              <a:t>Objectives</a:t>
             </a:r>
+            <a:endParaRPr lang="en-US" dirty="0">
+              <a:latin typeface="Times" pitchFamily="2" charset="0"/>
+            </a:endParaRPr>
           </a:p>
         </p:txBody>
       </p:sp>
@@ -12359,11 +12426,12 @@
           </a:lstStyle>
           <a:p>
             <a:r>
-              <a:rPr lang="en-US" dirty="0">
-                <a:latin typeface="Times" pitchFamily="2" charset="0"/>
-              </a:rPr>
-              <a:t>Waterfall Model</a:t>
+              <a:rPr lang="en-US" dirty="0"/>
+              <a:t>Scope</a:t>
             </a:r>
+            <a:endParaRPr lang="en-US" dirty="0">
+              <a:latin typeface="Times" pitchFamily="2" charset="0"/>
+            </a:endParaRPr>
           </a:p>
         </p:txBody>
       </p:sp>
@@ -13089,18 +13157,10 @@
           </a:bodyPr>
           <a:lstStyle/>
           <a:p>
-            <a:pPr marL="0" lvl="0" indent="0" algn="l" rtl="0">
-              <a:spcBef>
-                <a:spcPts val="0"/>
-              </a:spcBef>
-              <a:spcAft>
-                <a:spcPts val="0"/>
-              </a:spcAft>
-              <a:buNone/>
-            </a:pPr>
+            <a:pPr lvl="0"/>
             <a:r>
-              <a:rPr lang="en" dirty="0"/>
-              <a:t>Objectives</a:t>
+              <a:rPr lang="en-US" dirty="0"/>
+              <a:t>System Flow</a:t>
             </a:r>
             <a:endParaRPr dirty="0"/>
           </a:p>
@@ -13131,19 +13191,17 @@
           </a:bodyPr>
           <a:lstStyle/>
           <a:p>
-            <a:pPr marL="0" lvl="0" indent="0" algn="l" rtl="0">
-              <a:spcBef>
-                <a:spcPts val="0"/>
-              </a:spcBef>
-              <a:spcAft>
-                <a:spcPts val="0"/>
-              </a:spcAft>
-              <a:buNone/>
-            </a:pPr>
+            <a:br>
+              <a:rPr lang="en-US" dirty="0"/>
+            </a:br>
             <a:r>
               <a:rPr lang="en-US" dirty="0"/>
-              <a:t>Scope</a:t>
+              <a:t>Waterfall Model</a:t>
             </a:r>
+            <a:br>
+              <a:rPr lang="en-US" dirty="0"/>
+            </a:br>
+            <a:endParaRPr lang="en-US" dirty="0"/>
           </a:p>
         </p:txBody>
       </p:sp>
@@ -21039,38 +21097,26 @@
           <a:p>
             <a:r>
               <a:rPr lang="en-US" dirty="0"/>
-              <a:t>Students are allowed to take only three books.</a:t>
+              <a:t>Process of keeping maintaining and retrieving the information is very slow and lengthy.</a:t>
             </a:r>
           </a:p>
           <a:p>
             <a:r>
               <a:rPr lang="en-US" dirty="0"/>
-              <a:t>Students are not allowed to check whether the book is available.</a:t>
+              <a:t>Issue/return information is difficult to maintain.</a:t>
             </a:r>
           </a:p>
           <a:p>
             <a:r>
               <a:rPr lang="en-US" dirty="0"/>
-              <a:t>There are no online services.</a:t>
+              <a:t>Fast retrieval of information is not possible.</a:t>
             </a:r>
           </a:p>
           <a:p>
             <a:r>
               <a:rPr lang="en-US" dirty="0"/>
-              <a:t>Students are not informed before the dead line of the book renew.</a:t>
+              <a:t>Tracing a book is difficult</a:t>
             </a:r>
-          </a:p>
-          <a:p>
-            <a:r>
-              <a:rPr lang="en-US" dirty="0"/>
-              <a:t>Students are not allowed to get access to the library book management system.</a:t>
-            </a:r>
-          </a:p>
-          <a:p>
-            <a:pPr marL="146050" indent="0">
-              <a:buNone/>
-            </a:pPr>
-            <a:endParaRPr lang="en-NP" dirty="0"/>
           </a:p>
         </p:txBody>
       </p:sp>
@@ -21568,21 +21614,267 @@
                             </p:childTnLst>
                           </p:cTn>
                         </p:par>
+                      </p:childTnLst>
+                    </p:cTn>
+                  </p:par>
+                </p:childTnLst>
+              </p:cTn>
+              <p:prevCondLst>
+                <p:cond evt="onPrev" delay="0">
+                  <p:tgtEl>
+                    <p:sldTgt/>
+                  </p:tgtEl>
+                </p:cond>
+              </p:prevCondLst>
+              <p:nextCondLst>
+                <p:cond evt="onNext" delay="0">
+                  <p:tgtEl>
+                    <p:sldTgt/>
+                  </p:tgtEl>
+                </p:cond>
+              </p:nextCondLst>
+            </p:seq>
+          </p:childTnLst>
+        </p:cTn>
+      </p:par>
+    </p:tnLst>
+    <p:bldLst>
+      <p:bldP spid="2" grpId="0"/>
+      <p:bldP spid="3" grpId="0" uiExpand="1" build="p"/>
+    </p:bldLst>
+  </p:timing>
+</p:sld>
+</file>
+
+<file path=ppt/slides/slide5.xml><?xml version="1.0" encoding="utf-8"?>
+<p:sld xmlns:a="http://schemas.openxmlformats.org/drawingml/2006/main" xmlns:r="http://schemas.openxmlformats.org/officeDocument/2006/relationships" xmlns:p="http://schemas.openxmlformats.org/presentationml/2006/main">
+  <p:cSld>
+    <p:spTree>
+      <p:nvGrpSpPr>
+        <p:cNvPr id="1" name=""/>
+        <p:cNvGrpSpPr/>
+        <p:nvPr/>
+      </p:nvGrpSpPr>
+      <p:grpSpPr>
+        <a:xfrm>
+          <a:off x="0" y="0"/>
+          <a:ext cx="0" cy="0"/>
+          <a:chOff x="0" y="0"/>
+          <a:chExt cx="0" cy="0"/>
+        </a:xfrm>
+      </p:grpSpPr>
+      <p:sp>
+        <p:nvSpPr>
+          <p:cNvPr id="2" name="Title 1">
+            <a:extLst>
+              <a:ext uri="{FF2B5EF4-FFF2-40B4-BE49-F238E27FC236}">
+                <a16:creationId xmlns:a16="http://schemas.microsoft.com/office/drawing/2014/main" id="{C9B50DFD-0D6F-BC4D-B390-17C279BF04E9}"/>
+              </a:ext>
+            </a:extLst>
+          </p:cNvPr>
+          <p:cNvSpPr>
+            <a:spLocks noGrp="1"/>
+          </p:cNvSpPr>
+          <p:nvPr>
+            <p:ph type="title"/>
+          </p:nvPr>
+        </p:nvSpPr>
+        <p:spPr/>
+        <p:txBody>
+          <a:bodyPr/>
+          <a:lstStyle/>
+          <a:p>
+            <a:r>
+              <a:rPr lang="en-NP" dirty="0"/>
+              <a:t>Scope</a:t>
+            </a:r>
+          </a:p>
+        </p:txBody>
+      </p:sp>
+      <p:sp>
+        <p:nvSpPr>
+          <p:cNvPr id="3" name="Text Placeholder 2">
+            <a:extLst>
+              <a:ext uri="{FF2B5EF4-FFF2-40B4-BE49-F238E27FC236}">
+                <a16:creationId xmlns:a16="http://schemas.microsoft.com/office/drawing/2014/main" id="{32C10849-2A8B-4F4A-B9F2-14272805F75E}"/>
+              </a:ext>
+            </a:extLst>
+          </p:cNvPr>
+          <p:cNvSpPr>
+            <a:spLocks noGrp="1"/>
+          </p:cNvSpPr>
+          <p:nvPr>
+            <p:ph type="body" idx="1"/>
+          </p:nvPr>
+        </p:nvSpPr>
+        <p:spPr/>
+        <p:txBody>
+          <a:bodyPr/>
+          <a:lstStyle/>
+          <a:p>
+            <a:pPr lvl="0" algn="just"/>
+            <a:r>
+              <a:rPr lang="en-US" dirty="0"/>
+              <a:t>To eliminate the paper work in library</a:t>
+            </a:r>
+            <a:endParaRPr lang="en-NP" dirty="0"/>
+          </a:p>
+          <a:p>
+            <a:pPr lvl="0" algn="just"/>
+            <a:r>
+              <a:rPr lang="en-US" dirty="0"/>
+              <a:t>To record every transaction in computerized system</a:t>
+            </a:r>
+            <a:endParaRPr lang="en-NP" dirty="0"/>
+          </a:p>
+          <a:p>
+            <a:pPr lvl="0" algn="just"/>
+            <a:r>
+              <a:rPr lang="en-US" dirty="0"/>
+              <a:t>To design a user friendly graphical user interface for the user to save the time</a:t>
+            </a:r>
+          </a:p>
+          <a:p>
+            <a:pPr marL="146050" indent="0">
+              <a:buNone/>
+            </a:pPr>
+            <a:endParaRPr lang="en-NP" dirty="0"/>
+          </a:p>
+        </p:txBody>
+      </p:sp>
+    </p:spTree>
+    <p:extLst>
+      <p:ext uri="{BB962C8B-B14F-4D97-AF65-F5344CB8AC3E}">
+        <p14:creationId xmlns:p14="http://schemas.microsoft.com/office/powerpoint/2010/main" val="3963046097"/>
+      </p:ext>
+    </p:extLst>
+  </p:cSld>
+  <p:clrMapOvr>
+    <a:masterClrMapping/>
+  </p:clrMapOvr>
+  <mc:AlternateContent xmlns:mc="http://schemas.openxmlformats.org/markup-compatibility/2006" xmlns:p159="http://schemas.microsoft.com/office/powerpoint/2015/09/main">
+    <mc:Choice Requires="p159">
+      <p:transition xmlns:p14="http://schemas.microsoft.com/office/powerpoint/2010/main" spd="slow" p14:dur="2000">
+        <p159:morph option="byObject"/>
+      </p:transition>
+    </mc:Choice>
+    <mc:Fallback xmlns="">
+      <p:transition spd="slow">
+        <p:fade/>
+      </p:transition>
+    </mc:Fallback>
+  </mc:AlternateContent>
+  <p:timing>
+    <p:tnLst>
+      <p:par>
+        <p:cTn id="1" dur="indefinite" restart="never" nodeType="tmRoot">
+          <p:childTnLst>
+            <p:seq concurrent="1" nextAc="seek">
+              <p:cTn id="2" dur="indefinite" nodeType="mainSeq">
+                <p:childTnLst>
+                  <p:par>
+                    <p:cTn id="3" fill="hold">
+                      <p:stCondLst>
+                        <p:cond delay="indefinite"/>
+                      </p:stCondLst>
+                      <p:childTnLst>
                         <p:par>
-                          <p:cTn id="29" fill="hold">
+                          <p:cTn id="4" fill="hold">
                             <p:stCondLst>
-                              <p:cond delay="2500"/>
+                              <p:cond delay="0"/>
                             </p:stCondLst>
                             <p:childTnLst>
                               <p:par>
-                                <p:cTn id="30" presetID="2" presetClass="entr" presetSubtype="8" fill="hold" grpId="0" nodeType="afterEffect">
+                                <p:cTn id="5" presetID="2" presetClass="entr" presetSubtype="1" fill="hold" grpId="0" nodeType="clickEffect">
                                   <p:stCondLst>
                                     <p:cond delay="0"/>
                                   </p:stCondLst>
                                   <p:childTnLst>
                                     <p:set>
                                       <p:cBhvr>
-                                        <p:cTn id="31" dur="1" fill="hold">
+                                        <p:cTn id="6" dur="1" fill="hold">
+                                          <p:stCondLst>
+                                            <p:cond delay="0"/>
+                                          </p:stCondLst>
+                                        </p:cTn>
+                                        <p:tgtEl>
+                                          <p:spTgt spid="2"/>
+                                        </p:tgtEl>
+                                        <p:attrNameLst>
+                                          <p:attrName>style.visibility</p:attrName>
+                                        </p:attrNameLst>
+                                      </p:cBhvr>
+                                      <p:to>
+                                        <p:strVal val="visible"/>
+                                      </p:to>
+                                    </p:set>
+                                    <p:anim calcmode="lin" valueType="num">
+                                      <p:cBhvr additive="base">
+                                        <p:cTn id="7" dur="500" fill="hold"/>
+                                        <p:tgtEl>
+                                          <p:spTgt spid="2"/>
+                                        </p:tgtEl>
+                                        <p:attrNameLst>
+                                          <p:attrName>ppt_x</p:attrName>
+                                        </p:attrNameLst>
+                                      </p:cBhvr>
+                                      <p:tavLst>
+                                        <p:tav tm="0">
+                                          <p:val>
+                                            <p:strVal val="#ppt_x"/>
+                                          </p:val>
+                                        </p:tav>
+                                        <p:tav tm="100000">
+                                          <p:val>
+                                            <p:strVal val="#ppt_x"/>
+                                          </p:val>
+                                        </p:tav>
+                                      </p:tavLst>
+                                    </p:anim>
+                                    <p:anim calcmode="lin" valueType="num">
+                                      <p:cBhvr additive="base">
+                                        <p:cTn id="8" dur="500" fill="hold"/>
+                                        <p:tgtEl>
+                                          <p:spTgt spid="2"/>
+                                        </p:tgtEl>
+                                        <p:attrNameLst>
+                                          <p:attrName>ppt_y</p:attrName>
+                                        </p:attrNameLst>
+                                      </p:cBhvr>
+                                      <p:tavLst>
+                                        <p:tav tm="0">
+                                          <p:val>
+                                            <p:strVal val="0-#ppt_h/2"/>
+                                          </p:val>
+                                        </p:tav>
+                                        <p:tav tm="100000">
+                                          <p:val>
+                                            <p:strVal val="#ppt_y"/>
+                                          </p:val>
+                                        </p:tav>
+                                      </p:tavLst>
+                                    </p:anim>
+                                  </p:childTnLst>
+                                </p:cTn>
+                              </p:par>
+                            </p:childTnLst>
+                          </p:cTn>
+                        </p:par>
+                        <p:par>
+                          <p:cTn id="9" fill="hold">
+                            <p:stCondLst>
+                              <p:cond delay="500"/>
+                            </p:stCondLst>
+                            <p:childTnLst>
+                              <p:par>
+                                <p:cTn id="10" presetID="2" presetClass="entr" presetSubtype="8" fill="hold" grpId="0" nodeType="afterEffect">
+                                  <p:stCondLst>
+                                    <p:cond delay="0"/>
+                                  </p:stCondLst>
+                                  <p:childTnLst>
+                                    <p:set>
+                                      <p:cBhvr>
+                                        <p:cTn id="11" dur="1" fill="hold">
                                           <p:stCondLst>
                                             <p:cond delay="0"/>
                                           </p:stCondLst>
@@ -21590,7 +21882,7 @@
                                         <p:tgtEl>
                                           <p:spTgt spid="3">
                                             <p:txEl>
-                                              <p:pRg st="4" end="4"/>
+                                              <p:pRg st="0" end="0"/>
                                             </p:txEl>
                                           </p:spTgt>
                                         </p:tgtEl>
@@ -21604,11 +21896,11 @@
                                     </p:set>
                                     <p:anim calcmode="lin" valueType="num">
                                       <p:cBhvr additive="base">
-                                        <p:cTn id="32" dur="500" fill="hold"/>
+                                        <p:cTn id="12" dur="500" fill="hold"/>
                                         <p:tgtEl>
                                           <p:spTgt spid="3">
                                             <p:txEl>
-                                              <p:pRg st="4" end="4"/>
+                                              <p:pRg st="0" end="0"/>
                                             </p:txEl>
                                           </p:spTgt>
                                         </p:tgtEl>
@@ -21631,11 +21923,199 @@
                                     </p:anim>
                                     <p:anim calcmode="lin" valueType="num">
                                       <p:cBhvr additive="base">
-                                        <p:cTn id="33" dur="500" fill="hold"/>
+                                        <p:cTn id="13" dur="500" fill="hold"/>
                                         <p:tgtEl>
                                           <p:spTgt spid="3">
                                             <p:txEl>
-                                              <p:pRg st="4" end="4"/>
+                                              <p:pRg st="0" end="0"/>
+                                            </p:txEl>
+                                          </p:spTgt>
+                                        </p:tgtEl>
+                                        <p:attrNameLst>
+                                          <p:attrName>ppt_y</p:attrName>
+                                        </p:attrNameLst>
+                                      </p:cBhvr>
+                                      <p:tavLst>
+                                        <p:tav tm="0">
+                                          <p:val>
+                                            <p:strVal val="#ppt_y"/>
+                                          </p:val>
+                                        </p:tav>
+                                        <p:tav tm="100000">
+                                          <p:val>
+                                            <p:strVal val="#ppt_y"/>
+                                          </p:val>
+                                        </p:tav>
+                                      </p:tavLst>
+                                    </p:anim>
+                                  </p:childTnLst>
+                                </p:cTn>
+                              </p:par>
+                            </p:childTnLst>
+                          </p:cTn>
+                        </p:par>
+                        <p:par>
+                          <p:cTn id="14" fill="hold">
+                            <p:stCondLst>
+                              <p:cond delay="1000"/>
+                            </p:stCondLst>
+                            <p:childTnLst>
+                              <p:par>
+                                <p:cTn id="15" presetID="2" presetClass="entr" presetSubtype="8" fill="hold" grpId="0" nodeType="afterEffect">
+                                  <p:stCondLst>
+                                    <p:cond delay="0"/>
+                                  </p:stCondLst>
+                                  <p:childTnLst>
+                                    <p:set>
+                                      <p:cBhvr>
+                                        <p:cTn id="16" dur="1" fill="hold">
+                                          <p:stCondLst>
+                                            <p:cond delay="0"/>
+                                          </p:stCondLst>
+                                        </p:cTn>
+                                        <p:tgtEl>
+                                          <p:spTgt spid="3">
+                                            <p:txEl>
+                                              <p:pRg st="1" end="1"/>
+                                            </p:txEl>
+                                          </p:spTgt>
+                                        </p:tgtEl>
+                                        <p:attrNameLst>
+                                          <p:attrName>style.visibility</p:attrName>
+                                        </p:attrNameLst>
+                                      </p:cBhvr>
+                                      <p:to>
+                                        <p:strVal val="visible"/>
+                                      </p:to>
+                                    </p:set>
+                                    <p:anim calcmode="lin" valueType="num">
+                                      <p:cBhvr additive="base">
+                                        <p:cTn id="17" dur="500" fill="hold"/>
+                                        <p:tgtEl>
+                                          <p:spTgt spid="3">
+                                            <p:txEl>
+                                              <p:pRg st="1" end="1"/>
+                                            </p:txEl>
+                                          </p:spTgt>
+                                        </p:tgtEl>
+                                        <p:attrNameLst>
+                                          <p:attrName>ppt_x</p:attrName>
+                                        </p:attrNameLst>
+                                      </p:cBhvr>
+                                      <p:tavLst>
+                                        <p:tav tm="0">
+                                          <p:val>
+                                            <p:strVal val="0-#ppt_w/2"/>
+                                          </p:val>
+                                        </p:tav>
+                                        <p:tav tm="100000">
+                                          <p:val>
+                                            <p:strVal val="#ppt_x"/>
+                                          </p:val>
+                                        </p:tav>
+                                      </p:tavLst>
+                                    </p:anim>
+                                    <p:anim calcmode="lin" valueType="num">
+                                      <p:cBhvr additive="base">
+                                        <p:cTn id="18" dur="500" fill="hold"/>
+                                        <p:tgtEl>
+                                          <p:spTgt spid="3">
+                                            <p:txEl>
+                                              <p:pRg st="1" end="1"/>
+                                            </p:txEl>
+                                          </p:spTgt>
+                                        </p:tgtEl>
+                                        <p:attrNameLst>
+                                          <p:attrName>ppt_y</p:attrName>
+                                        </p:attrNameLst>
+                                      </p:cBhvr>
+                                      <p:tavLst>
+                                        <p:tav tm="0">
+                                          <p:val>
+                                            <p:strVal val="#ppt_y"/>
+                                          </p:val>
+                                        </p:tav>
+                                        <p:tav tm="100000">
+                                          <p:val>
+                                            <p:strVal val="#ppt_y"/>
+                                          </p:val>
+                                        </p:tav>
+                                      </p:tavLst>
+                                    </p:anim>
+                                  </p:childTnLst>
+                                </p:cTn>
+                              </p:par>
+                            </p:childTnLst>
+                          </p:cTn>
+                        </p:par>
+                        <p:par>
+                          <p:cTn id="19" fill="hold">
+                            <p:stCondLst>
+                              <p:cond delay="1500"/>
+                            </p:stCondLst>
+                            <p:childTnLst>
+                              <p:par>
+                                <p:cTn id="20" presetID="2" presetClass="entr" presetSubtype="8" fill="hold" grpId="0" nodeType="afterEffect">
+                                  <p:stCondLst>
+                                    <p:cond delay="0"/>
+                                  </p:stCondLst>
+                                  <p:childTnLst>
+                                    <p:set>
+                                      <p:cBhvr>
+                                        <p:cTn id="21" dur="1" fill="hold">
+                                          <p:stCondLst>
+                                            <p:cond delay="0"/>
+                                          </p:stCondLst>
+                                        </p:cTn>
+                                        <p:tgtEl>
+                                          <p:spTgt spid="3">
+                                            <p:txEl>
+                                              <p:pRg st="2" end="2"/>
+                                            </p:txEl>
+                                          </p:spTgt>
+                                        </p:tgtEl>
+                                        <p:attrNameLst>
+                                          <p:attrName>style.visibility</p:attrName>
+                                        </p:attrNameLst>
+                                      </p:cBhvr>
+                                      <p:to>
+                                        <p:strVal val="visible"/>
+                                      </p:to>
+                                    </p:set>
+                                    <p:anim calcmode="lin" valueType="num">
+                                      <p:cBhvr additive="base">
+                                        <p:cTn id="22" dur="500" fill="hold"/>
+                                        <p:tgtEl>
+                                          <p:spTgt spid="3">
+                                            <p:txEl>
+                                              <p:pRg st="2" end="2"/>
+                                            </p:txEl>
+                                          </p:spTgt>
+                                        </p:tgtEl>
+                                        <p:attrNameLst>
+                                          <p:attrName>ppt_x</p:attrName>
+                                        </p:attrNameLst>
+                                      </p:cBhvr>
+                                      <p:tavLst>
+                                        <p:tav tm="0">
+                                          <p:val>
+                                            <p:strVal val="0-#ppt_w/2"/>
+                                          </p:val>
+                                        </p:tav>
+                                        <p:tav tm="100000">
+                                          <p:val>
+                                            <p:strVal val="#ppt_x"/>
+                                          </p:val>
+                                        </p:tav>
+                                      </p:tavLst>
+                                    </p:anim>
+                                    <p:anim calcmode="lin" valueType="num">
+                                      <p:cBhvr additive="base">
+                                        <p:cTn id="23" dur="500" fill="hold"/>
+                                        <p:tgtEl>
+                                          <p:spTgt spid="3">
+                                            <p:txEl>
+                                              <p:pRg st="2" end="2"/>
                                             </p:txEl>
                                           </p:spTgt>
                                         </p:tgtEl>
@@ -21694,7 +22174,7 @@
 </p:sld>
 </file>
 
-<file path=ppt/slides/slide5.xml><?xml version="1.0" encoding="utf-8"?>
+<file path=ppt/slides/slide6.xml><?xml version="1.0" encoding="utf-8"?>
 <p:sld xmlns:a="http://schemas.openxmlformats.org/drawingml/2006/main" xmlns:r="http://schemas.openxmlformats.org/officeDocument/2006/relationships" xmlns:p="http://schemas.openxmlformats.org/presentationml/2006/main">
   <p:cSld>
     <p:spTree>
@@ -21763,7 +22243,7 @@
             <a:pPr lvl="0" algn="just"/>
             <a:r>
               <a:rPr lang="en-US" sz="2000" dirty="0"/>
-              <a:t>To utilize the information of Books.</a:t>
+              <a:t>The main objectives of the project is to manage the details of the student and books.</a:t>
             </a:r>
             <a:endParaRPr lang="en-NP" sz="2000" dirty="0"/>
           </a:p>
@@ -21803,15 +22283,14 @@
             <a:pPr lvl="0" algn="just"/>
             <a:r>
               <a:rPr lang="en-US" sz="2000" dirty="0"/>
-              <a:t>To generate the report of books.</a:t>
+              <a:t>To provide the details of issue books.</a:t>
             </a:r>
-            <a:endParaRPr lang="en-NP" sz="2000" dirty="0"/>
           </a:p>
           <a:p>
             <a:pPr lvl="0" algn="just"/>
             <a:r>
               <a:rPr lang="en-US" sz="2000" dirty="0"/>
-              <a:t>To provide the details of issue books.</a:t>
+              <a:t>Overall main objective is to reduce the manual work by making the system more automated. </a:t>
             </a:r>
           </a:p>
         </p:txBody>
@@ -22408,21 +22887,30 @@
                             </p:childTnLst>
                           </p:cTn>
                         </p:par>
+                      </p:childTnLst>
+                    </p:cTn>
+                  </p:par>
+                  <p:par>
+                    <p:cTn id="39" fill="hold">
+                      <p:stCondLst>
+                        <p:cond delay="indefinite"/>
+                      </p:stCondLst>
+                      <p:childTnLst>
                         <p:par>
-                          <p:cTn id="39" fill="hold">
+                          <p:cTn id="40" fill="hold">
                             <p:stCondLst>
-                              <p:cond delay="3500"/>
+                              <p:cond delay="0"/>
                             </p:stCondLst>
                             <p:childTnLst>
                               <p:par>
-                                <p:cTn id="40" presetID="12" presetClass="entr" presetSubtype="8" fill="hold" grpId="0" nodeType="afterEffect">
+                                <p:cTn id="41" presetID="12" presetClass="entr" presetSubtype="8" fill="hold" grpId="0" nodeType="clickEffect">
                                   <p:stCondLst>
                                     <p:cond delay="0"/>
                                   </p:stCondLst>
                                   <p:childTnLst>
                                     <p:set>
                                       <p:cBhvr>
-                                        <p:cTn id="41" dur="1" fill="hold">
+                                        <p:cTn id="42" dur="1" fill="hold">
                                           <p:stCondLst>
                                             <p:cond delay="0"/>
                                           </p:stCondLst>
@@ -22444,7 +22932,7 @@
                                     </p:set>
                                     <p:anim calcmode="lin" valueType="num">
                                       <p:cBhvr additive="base">
-                                        <p:cTn id="42" dur="500"/>
+                                        <p:cTn id="43" dur="500"/>
                                         <p:tgtEl>
                                           <p:spTgt spid="3">
                                             <p:txEl>
@@ -22471,7 +22959,7 @@
                                     </p:anim>
                                     <p:animEffect transition="in" filter="wipe(right)">
                                       <p:cBhvr>
-                                        <p:cTn id="43" dur="500"/>
+                                        <p:cTn id="44" dur="500"/>
                                         <p:tgtEl>
                                           <p:spTgt spid="3">
                                             <p:txEl>
@@ -22519,7 +23007,7 @@
 </p:sld>
 </file>
 
-<file path=ppt/slides/slide6.xml><?xml version="1.0" encoding="utf-8"?>
+<file path=ppt/slides/slide7.xml><?xml version="1.0" encoding="utf-8"?>
 <p:sld xmlns:a="http://schemas.openxmlformats.org/drawingml/2006/main" xmlns:r="http://schemas.openxmlformats.org/officeDocument/2006/relationships" xmlns:p="http://schemas.openxmlformats.org/presentationml/2006/main">
   <p:cSld>
     <p:spTree>
@@ -22541,7 +23029,7 @@
           <p:cNvPr id="2" name="Title 1">
             <a:extLst>
               <a:ext uri="{FF2B5EF4-FFF2-40B4-BE49-F238E27FC236}">
-                <a16:creationId xmlns:a16="http://schemas.microsoft.com/office/drawing/2014/main" id="{C9B50DFD-0D6F-BC4D-B390-17C279BF04E9}"/>
+                <a16:creationId xmlns:a16="http://schemas.microsoft.com/office/drawing/2014/main" id="{184AD8AD-6882-B241-A15F-9D72C87A0B6C}"/>
               </a:ext>
             </a:extLst>
           </p:cNvPr>
@@ -22552,74 +23040,629 @@
             <p:ph type="title"/>
           </p:nvPr>
         </p:nvSpPr>
-        <p:spPr/>
+        <p:spPr>
+          <a:ln>
+            <a:noFill/>
+          </a:ln>
+          <a:effectLst>
+            <a:outerShdw blurRad="149987" dist="250190" dir="8460000" algn="ctr">
+              <a:srgbClr val="000000">
+                <a:alpha val="28000"/>
+              </a:srgbClr>
+            </a:outerShdw>
+          </a:effectLst>
+          <a:scene3d>
+            <a:camera prst="orthographicFront">
+              <a:rot lat="0" lon="0" rev="0"/>
+            </a:camera>
+            <a:lightRig rig="contrasting" dir="t">
+              <a:rot lat="0" lon="0" rev="1500000"/>
+            </a:lightRig>
+          </a:scene3d>
+          <a:sp3d prstMaterial="metal">
+            <a:bevelT w="88900" h="88900"/>
+          </a:sp3d>
+        </p:spPr>
         <p:txBody>
           <a:bodyPr/>
           <a:lstStyle/>
           <a:p>
             <a:r>
               <a:rPr lang="en-NP" dirty="0"/>
-              <a:t>Scope</a:t>
+              <a:t>Waterfall Model</a:t>
             </a:r>
           </a:p>
         </p:txBody>
       </p:sp>
-      <p:sp>
-        <p:nvSpPr>
-          <p:cNvPr id="3" name="Text Placeholder 2">
+      <p:grpSp>
+        <p:nvGrpSpPr>
+          <p:cNvPr id="14" name="Group 13">
             <a:extLst>
               <a:ext uri="{FF2B5EF4-FFF2-40B4-BE49-F238E27FC236}">
-                <a16:creationId xmlns:a16="http://schemas.microsoft.com/office/drawing/2014/main" id="{32C10849-2A8B-4F4A-B9F2-14272805F75E}"/>
+                <a16:creationId xmlns:a16="http://schemas.microsoft.com/office/drawing/2014/main" id="{827B07B9-9C7A-4040-8757-EE488EDA8B78}"/>
               </a:ext>
             </a:extLst>
           </p:cNvPr>
-          <p:cNvSpPr>
-            <a:spLocks noGrp="1"/>
-          </p:cNvSpPr>
-          <p:nvPr>
-            <p:ph type="body" idx="1"/>
-          </p:nvPr>
-        </p:nvSpPr>
-        <p:spPr/>
-        <p:txBody>
-          <a:bodyPr/>
-          <a:lstStyle/>
-          <a:p>
-            <a:pPr lvl="0" algn="just"/>
-            <a:r>
-              <a:rPr lang="en-US" dirty="0"/>
-              <a:t>To assist the staff in capturing the effort spent on their respective working areas.</a:t>
-            </a:r>
-            <a:endParaRPr lang="en-NP" dirty="0"/>
-          </a:p>
-          <a:p>
-            <a:pPr lvl="0" algn="just"/>
-            <a:r>
-              <a:rPr lang="en-US" dirty="0"/>
-              <a:t>To utilize resources in an efficient manner by increasing their productivity through automation.</a:t>
-            </a:r>
-            <a:endParaRPr lang="en-NP" dirty="0"/>
-          </a:p>
-          <a:p>
-            <a:pPr lvl="0" algn="just"/>
-            <a:r>
-              <a:rPr lang="en-US" dirty="0"/>
-              <a:t>The system generates types of information that can be used for various purposes.</a:t>
-            </a:r>
-            <a:endParaRPr lang="en-NP" dirty="0"/>
-          </a:p>
-          <a:p>
-            <a:pPr marL="146050" indent="0">
-              <a:buNone/>
-            </a:pPr>
-            <a:endParaRPr lang="en-NP" dirty="0"/>
-          </a:p>
-        </p:txBody>
-      </p:sp>
+          <p:cNvGrpSpPr/>
+          <p:nvPr/>
+        </p:nvGrpSpPr>
+        <p:grpSpPr>
+          <a:xfrm>
+            <a:off x="705998" y="1462088"/>
+            <a:ext cx="7716000" cy="3213600"/>
+            <a:chOff x="705998" y="1462088"/>
+            <a:chExt cx="11330164" cy="5279410"/>
+          </a:xfrm>
+        </p:grpSpPr>
+        <p:sp>
+          <p:nvSpPr>
+            <p:cNvPr id="15" name="Rounded Rectangle 14">
+              <a:extLst>
+                <a:ext uri="{FF2B5EF4-FFF2-40B4-BE49-F238E27FC236}">
+                  <a16:creationId xmlns:a16="http://schemas.microsoft.com/office/drawing/2014/main" id="{D6D7C434-1712-164F-9553-4350331BA75C}"/>
+                </a:ext>
+              </a:extLst>
+            </p:cNvPr>
+            <p:cNvSpPr/>
+            <p:nvPr/>
+          </p:nvSpPr>
+          <p:spPr>
+            <a:xfrm>
+              <a:off x="705998" y="1462088"/>
+              <a:ext cx="2076451" cy="1074127"/>
+            </a:xfrm>
+            <a:prstGeom prst="roundRect">
+              <a:avLst/>
+            </a:prstGeom>
+            <a:solidFill>
+              <a:schemeClr val="accent1"/>
+            </a:solidFill>
+            <a:ln w="19050">
+              <a:noFill/>
+            </a:ln>
+            <a:effectLst>
+              <a:outerShdw blurRad="149987" dist="250190" dir="8460000" algn="ctr">
+                <a:srgbClr val="000000">
+                  <a:alpha val="28000"/>
+                </a:srgbClr>
+              </a:outerShdw>
+            </a:effectLst>
+            <a:scene3d>
+              <a:camera prst="orthographicFront">
+                <a:rot lat="0" lon="0" rev="0"/>
+              </a:camera>
+              <a:lightRig rig="contrasting" dir="t">
+                <a:rot lat="0" lon="0" rev="1500000"/>
+              </a:lightRig>
+            </a:scene3d>
+            <a:sp3d prstMaterial="metal">
+              <a:bevelT w="88900" h="88900"/>
+            </a:sp3d>
+          </p:spPr>
+          <p:style>
+            <a:lnRef idx="2">
+              <a:schemeClr val="accent6"/>
+            </a:lnRef>
+            <a:fillRef idx="1">
+              <a:schemeClr val="lt1"/>
+            </a:fillRef>
+            <a:effectRef idx="0">
+              <a:schemeClr val="accent6"/>
+            </a:effectRef>
+            <a:fontRef idx="minor">
+              <a:schemeClr val="dk1"/>
+            </a:fontRef>
+          </p:style>
+          <p:txBody>
+            <a:bodyPr rtlCol="0" anchor="ctr"/>
+            <a:lstStyle/>
+            <a:p>
+              <a:pPr algn="ctr"/>
+              <a:r>
+                <a:rPr lang="en-NP" dirty="0">
+                  <a:solidFill>
+                    <a:srgbClr val="7E694C"/>
+                  </a:solidFill>
+                  <a:latin typeface="Times New Roman" panose="02020603050405020304" pitchFamily="18" charset="0"/>
+                  <a:cs typeface="Times New Roman" panose="02020603050405020304" pitchFamily="18" charset="0"/>
+                </a:rPr>
+                <a:t>Requirement gathering  and analysis</a:t>
+              </a:r>
+            </a:p>
+          </p:txBody>
+        </p:sp>
+        <p:sp>
+          <p:nvSpPr>
+            <p:cNvPr id="16" name="Rounded Rectangle 15">
+              <a:extLst>
+                <a:ext uri="{FF2B5EF4-FFF2-40B4-BE49-F238E27FC236}">
+                  <a16:creationId xmlns:a16="http://schemas.microsoft.com/office/drawing/2014/main" id="{86595C89-5CE4-BC4A-9830-2D075BF2A21C}"/>
+                </a:ext>
+              </a:extLst>
+            </p:cNvPr>
+            <p:cNvSpPr/>
+            <p:nvPr/>
+          </p:nvSpPr>
+          <p:spPr>
+            <a:xfrm>
+              <a:off x="5332856" y="3546229"/>
+              <a:ext cx="2076451" cy="1074127"/>
+            </a:xfrm>
+            <a:prstGeom prst="roundRect">
+              <a:avLst/>
+            </a:prstGeom>
+            <a:solidFill>
+              <a:schemeClr val="accent1"/>
+            </a:solidFill>
+            <a:ln w="19050">
+              <a:noFill/>
+            </a:ln>
+            <a:effectLst>
+              <a:outerShdw blurRad="149987" dist="250190" dir="8460000" algn="ctr">
+                <a:srgbClr val="000000">
+                  <a:alpha val="28000"/>
+                </a:srgbClr>
+              </a:outerShdw>
+            </a:effectLst>
+            <a:scene3d>
+              <a:camera prst="orthographicFront">
+                <a:rot lat="0" lon="0" rev="0"/>
+              </a:camera>
+              <a:lightRig rig="contrasting" dir="t">
+                <a:rot lat="0" lon="0" rev="1500000"/>
+              </a:lightRig>
+            </a:scene3d>
+            <a:sp3d prstMaterial="metal">
+              <a:bevelT w="88900" h="88900"/>
+            </a:sp3d>
+          </p:spPr>
+          <p:style>
+            <a:lnRef idx="2">
+              <a:schemeClr val="accent6"/>
+            </a:lnRef>
+            <a:fillRef idx="1">
+              <a:schemeClr val="lt1"/>
+            </a:fillRef>
+            <a:effectRef idx="0">
+              <a:schemeClr val="accent6"/>
+            </a:effectRef>
+            <a:fontRef idx="minor">
+              <a:schemeClr val="dk1"/>
+            </a:fontRef>
+          </p:style>
+          <p:txBody>
+            <a:bodyPr rtlCol="0" anchor="ctr"/>
+            <a:lstStyle/>
+            <a:p>
+              <a:pPr algn="ctr"/>
+              <a:r>
+                <a:rPr lang="en-NP" dirty="0">
+                  <a:solidFill>
+                    <a:srgbClr val="7E694C"/>
+                  </a:solidFill>
+                  <a:latin typeface="Times New Roman" panose="02020603050405020304" pitchFamily="18" charset="0"/>
+                  <a:cs typeface="Times New Roman" panose="02020603050405020304" pitchFamily="18" charset="0"/>
+                </a:rPr>
+                <a:t>Implementation</a:t>
+              </a:r>
+            </a:p>
+          </p:txBody>
+        </p:sp>
+        <p:sp>
+          <p:nvSpPr>
+            <p:cNvPr id="17" name="Rounded Rectangle 16">
+              <a:extLst>
+                <a:ext uri="{FF2B5EF4-FFF2-40B4-BE49-F238E27FC236}">
+                  <a16:creationId xmlns:a16="http://schemas.microsoft.com/office/drawing/2014/main" id="{C6F7D6A6-62D7-0749-A577-346EFD5313A7}"/>
+                </a:ext>
+              </a:extLst>
+            </p:cNvPr>
+            <p:cNvSpPr/>
+            <p:nvPr/>
+          </p:nvSpPr>
+          <p:spPr>
+            <a:xfrm>
+              <a:off x="3019427" y="2536213"/>
+              <a:ext cx="2076451" cy="1074127"/>
+            </a:xfrm>
+            <a:prstGeom prst="roundRect">
+              <a:avLst/>
+            </a:prstGeom>
+            <a:solidFill>
+              <a:schemeClr val="accent1"/>
+            </a:solidFill>
+            <a:ln w="19050">
+              <a:noFill/>
+            </a:ln>
+            <a:effectLst>
+              <a:outerShdw blurRad="149987" dist="250190" dir="8460000" algn="ctr">
+                <a:srgbClr val="000000">
+                  <a:alpha val="28000"/>
+                </a:srgbClr>
+              </a:outerShdw>
+            </a:effectLst>
+            <a:scene3d>
+              <a:camera prst="orthographicFront">
+                <a:rot lat="0" lon="0" rev="0"/>
+              </a:camera>
+              <a:lightRig rig="contrasting" dir="t">
+                <a:rot lat="0" lon="0" rev="1500000"/>
+              </a:lightRig>
+            </a:scene3d>
+            <a:sp3d prstMaterial="metal">
+              <a:bevelT w="88900" h="88900"/>
+            </a:sp3d>
+          </p:spPr>
+          <p:style>
+            <a:lnRef idx="2">
+              <a:schemeClr val="accent6"/>
+            </a:lnRef>
+            <a:fillRef idx="1">
+              <a:schemeClr val="lt1"/>
+            </a:fillRef>
+            <a:effectRef idx="0">
+              <a:schemeClr val="accent6"/>
+            </a:effectRef>
+            <a:fontRef idx="minor">
+              <a:schemeClr val="dk1"/>
+            </a:fontRef>
+          </p:style>
+          <p:txBody>
+            <a:bodyPr rtlCol="0" anchor="ctr"/>
+            <a:lstStyle/>
+            <a:p>
+              <a:pPr algn="ctr"/>
+              <a:r>
+                <a:rPr lang="en-US" dirty="0">
+                  <a:solidFill>
+                    <a:srgbClr val="7E694C"/>
+                  </a:solidFill>
+                  <a:latin typeface="Times New Roman" panose="02020603050405020304" pitchFamily="18" charset="0"/>
+                  <a:cs typeface="Times New Roman" panose="02020603050405020304" pitchFamily="18" charset="0"/>
+                </a:rPr>
+                <a:t>S</a:t>
+              </a:r>
+              <a:r>
+                <a:rPr lang="en-NP" dirty="0">
+                  <a:solidFill>
+                    <a:srgbClr val="7E694C"/>
+                  </a:solidFill>
+                  <a:latin typeface="Times New Roman" panose="02020603050405020304" pitchFamily="18" charset="0"/>
+                  <a:cs typeface="Times New Roman" panose="02020603050405020304" pitchFamily="18" charset="0"/>
+                </a:rPr>
+                <a:t>ystem Design</a:t>
+              </a:r>
+            </a:p>
+          </p:txBody>
+        </p:sp>
+        <p:sp>
+          <p:nvSpPr>
+            <p:cNvPr id="18" name="Rounded Rectangle 17">
+              <a:extLst>
+                <a:ext uri="{FF2B5EF4-FFF2-40B4-BE49-F238E27FC236}">
+                  <a16:creationId xmlns:a16="http://schemas.microsoft.com/office/drawing/2014/main" id="{F98BEDBE-A0F9-3040-8115-E5DA5C626E02}"/>
+                </a:ext>
+              </a:extLst>
+            </p:cNvPr>
+            <p:cNvSpPr/>
+            <p:nvPr/>
+          </p:nvSpPr>
+          <p:spPr>
+            <a:xfrm>
+              <a:off x="7646285" y="4593244"/>
+              <a:ext cx="2076450" cy="1074127"/>
+            </a:xfrm>
+            <a:prstGeom prst="roundRect">
+              <a:avLst/>
+            </a:prstGeom>
+            <a:solidFill>
+              <a:schemeClr val="accent1"/>
+            </a:solidFill>
+            <a:ln w="19050">
+              <a:noFill/>
+            </a:ln>
+            <a:effectLst>
+              <a:outerShdw blurRad="149987" dist="250190" dir="8460000" algn="ctr">
+                <a:srgbClr val="000000">
+                  <a:alpha val="28000"/>
+                </a:srgbClr>
+              </a:outerShdw>
+            </a:effectLst>
+            <a:scene3d>
+              <a:camera prst="orthographicFront">
+                <a:rot lat="0" lon="0" rev="0"/>
+              </a:camera>
+              <a:lightRig rig="contrasting" dir="t">
+                <a:rot lat="0" lon="0" rev="1500000"/>
+              </a:lightRig>
+            </a:scene3d>
+            <a:sp3d prstMaterial="metal">
+              <a:bevelT w="88900" h="88900"/>
+            </a:sp3d>
+          </p:spPr>
+          <p:style>
+            <a:lnRef idx="2">
+              <a:schemeClr val="accent6"/>
+            </a:lnRef>
+            <a:fillRef idx="1">
+              <a:schemeClr val="lt1"/>
+            </a:fillRef>
+            <a:effectRef idx="0">
+              <a:schemeClr val="accent6"/>
+            </a:effectRef>
+            <a:fontRef idx="minor">
+              <a:schemeClr val="dk1"/>
+            </a:fontRef>
+          </p:style>
+          <p:txBody>
+            <a:bodyPr rtlCol="0" anchor="ctr"/>
+            <a:lstStyle/>
+            <a:p>
+              <a:pPr algn="ctr"/>
+              <a:r>
+                <a:rPr lang="en-US" dirty="0">
+                  <a:solidFill>
+                    <a:srgbClr val="7E694C"/>
+                  </a:solidFill>
+                  <a:latin typeface="Times New Roman" panose="02020603050405020304" pitchFamily="18" charset="0"/>
+                  <a:cs typeface="Times New Roman" panose="02020603050405020304" pitchFamily="18" charset="0"/>
+                </a:rPr>
+                <a:t>I</a:t>
+              </a:r>
+              <a:r>
+                <a:rPr lang="en-NP" dirty="0">
+                  <a:solidFill>
+                    <a:srgbClr val="7E694C"/>
+                  </a:solidFill>
+                  <a:latin typeface="Times New Roman" panose="02020603050405020304" pitchFamily="18" charset="0"/>
+                  <a:cs typeface="Times New Roman" panose="02020603050405020304" pitchFamily="18" charset="0"/>
+                </a:rPr>
+                <a:t>ntegration and Testing</a:t>
+              </a:r>
+            </a:p>
+          </p:txBody>
+        </p:sp>
+        <p:sp>
+          <p:nvSpPr>
+            <p:cNvPr id="19" name="Rounded Rectangle 18">
+              <a:extLst>
+                <a:ext uri="{FF2B5EF4-FFF2-40B4-BE49-F238E27FC236}">
+                  <a16:creationId xmlns:a16="http://schemas.microsoft.com/office/drawing/2014/main" id="{E4678076-CE8A-BB4D-8961-AA716A06D734}"/>
+                </a:ext>
+              </a:extLst>
+            </p:cNvPr>
+            <p:cNvSpPr/>
+            <p:nvPr/>
+          </p:nvSpPr>
+          <p:spPr>
+            <a:xfrm>
+              <a:off x="9959713" y="5667371"/>
+              <a:ext cx="2076449" cy="1074127"/>
+            </a:xfrm>
+            <a:prstGeom prst="roundRect">
+              <a:avLst/>
+            </a:prstGeom>
+            <a:solidFill>
+              <a:schemeClr val="accent1"/>
+            </a:solidFill>
+            <a:ln w="19050">
+              <a:noFill/>
+            </a:ln>
+            <a:effectLst>
+              <a:outerShdw blurRad="149987" dist="250190" dir="8460000" algn="ctr">
+                <a:srgbClr val="000000">
+                  <a:alpha val="28000"/>
+                </a:srgbClr>
+              </a:outerShdw>
+            </a:effectLst>
+            <a:scene3d>
+              <a:camera prst="orthographicFront">
+                <a:rot lat="0" lon="0" rev="0"/>
+              </a:camera>
+              <a:lightRig rig="contrasting" dir="t">
+                <a:rot lat="0" lon="0" rev="1500000"/>
+              </a:lightRig>
+            </a:scene3d>
+            <a:sp3d prstMaterial="metal">
+              <a:bevelT w="88900" h="88900"/>
+            </a:sp3d>
+          </p:spPr>
+          <p:style>
+            <a:lnRef idx="2">
+              <a:schemeClr val="accent6"/>
+            </a:lnRef>
+            <a:fillRef idx="1">
+              <a:schemeClr val="lt1"/>
+            </a:fillRef>
+            <a:effectRef idx="0">
+              <a:schemeClr val="accent6"/>
+            </a:effectRef>
+            <a:fontRef idx="minor">
+              <a:schemeClr val="dk1"/>
+            </a:fontRef>
+          </p:style>
+          <p:txBody>
+            <a:bodyPr rtlCol="0" anchor="ctr"/>
+            <a:lstStyle/>
+            <a:p>
+              <a:pPr algn="ctr"/>
+              <a:r>
+                <a:rPr lang="en-NP" dirty="0">
+                  <a:solidFill>
+                    <a:srgbClr val="7E694C"/>
+                  </a:solidFill>
+                  <a:latin typeface="Times New Roman" panose="02020603050405020304" pitchFamily="18" charset="0"/>
+                  <a:cs typeface="Times New Roman" panose="02020603050405020304" pitchFamily="18" charset="0"/>
+                </a:rPr>
+                <a:t>Deployment and Testing</a:t>
+              </a:r>
+            </a:p>
+          </p:txBody>
+        </p:sp>
+        <p:cxnSp>
+          <p:nvCxnSpPr>
+            <p:cNvPr id="20" name="Elbow Connector 19">
+              <a:extLst>
+                <a:ext uri="{FF2B5EF4-FFF2-40B4-BE49-F238E27FC236}">
+                  <a16:creationId xmlns:a16="http://schemas.microsoft.com/office/drawing/2014/main" id="{A541F161-3D8A-F944-A14E-552FE2941CF6}"/>
+                </a:ext>
+              </a:extLst>
+            </p:cNvPr>
+            <p:cNvCxnSpPr>
+              <a:stCxn id="15" idx="3"/>
+              <a:endCxn id="17" idx="0"/>
+            </p:cNvCxnSpPr>
+            <p:nvPr/>
+          </p:nvCxnSpPr>
+          <p:spPr>
+            <a:xfrm>
+              <a:off x="2782449" y="1999152"/>
+              <a:ext cx="1275204" cy="537061"/>
+            </a:xfrm>
+            <a:prstGeom prst="bentConnector2">
+              <a:avLst/>
+            </a:prstGeom>
+            <a:ln>
+              <a:tailEnd type="triangle"/>
+            </a:ln>
+          </p:spPr>
+          <p:style>
+            <a:lnRef idx="2">
+              <a:schemeClr val="accent4"/>
+            </a:lnRef>
+            <a:fillRef idx="0">
+              <a:schemeClr val="accent4"/>
+            </a:fillRef>
+            <a:effectRef idx="1">
+              <a:schemeClr val="accent4"/>
+            </a:effectRef>
+            <a:fontRef idx="minor">
+              <a:schemeClr val="tx1"/>
+            </a:fontRef>
+          </p:style>
+        </p:cxnSp>
+        <p:cxnSp>
+          <p:nvCxnSpPr>
+            <p:cNvPr id="21" name="Elbow Connector 20">
+              <a:extLst>
+                <a:ext uri="{FF2B5EF4-FFF2-40B4-BE49-F238E27FC236}">
+                  <a16:creationId xmlns:a16="http://schemas.microsoft.com/office/drawing/2014/main" id="{8026F2B5-FB02-7648-BE71-9FA26741744A}"/>
+                </a:ext>
+              </a:extLst>
+            </p:cNvPr>
+            <p:cNvCxnSpPr/>
+            <p:nvPr/>
+          </p:nvCxnSpPr>
+          <p:spPr>
+            <a:xfrm>
+              <a:off x="5111312" y="3013564"/>
+              <a:ext cx="1275204" cy="537061"/>
+            </a:xfrm>
+            <a:prstGeom prst="bentConnector2">
+              <a:avLst/>
+            </a:prstGeom>
+            <a:ln>
+              <a:tailEnd type="triangle"/>
+            </a:ln>
+          </p:spPr>
+          <p:style>
+            <a:lnRef idx="2">
+              <a:schemeClr val="accent4"/>
+            </a:lnRef>
+            <a:fillRef idx="0">
+              <a:schemeClr val="accent4"/>
+            </a:fillRef>
+            <a:effectRef idx="1">
+              <a:schemeClr val="accent4"/>
+            </a:effectRef>
+            <a:fontRef idx="minor">
+              <a:schemeClr val="tx1"/>
+            </a:fontRef>
+          </p:style>
+        </p:cxnSp>
+        <p:cxnSp>
+          <p:nvCxnSpPr>
+            <p:cNvPr id="22" name="Elbow Connector 21">
+              <a:extLst>
+                <a:ext uri="{FF2B5EF4-FFF2-40B4-BE49-F238E27FC236}">
+                  <a16:creationId xmlns:a16="http://schemas.microsoft.com/office/drawing/2014/main" id="{577410B4-F453-2B44-9355-FA549940E42E}"/>
+                </a:ext>
+              </a:extLst>
+            </p:cNvPr>
+            <p:cNvCxnSpPr/>
+            <p:nvPr/>
+          </p:nvCxnSpPr>
+          <p:spPr>
+            <a:xfrm>
+              <a:off x="9740462" y="5128114"/>
+              <a:ext cx="1275204" cy="537061"/>
+            </a:xfrm>
+            <a:prstGeom prst="bentConnector2">
+              <a:avLst/>
+            </a:prstGeom>
+            <a:ln>
+              <a:tailEnd type="triangle"/>
+            </a:ln>
+          </p:spPr>
+          <p:style>
+            <a:lnRef idx="2">
+              <a:schemeClr val="accent4"/>
+            </a:lnRef>
+            <a:fillRef idx="0">
+              <a:schemeClr val="accent4"/>
+            </a:fillRef>
+            <a:effectRef idx="1">
+              <a:schemeClr val="accent4"/>
+            </a:effectRef>
+            <a:fontRef idx="minor">
+              <a:schemeClr val="tx1"/>
+            </a:fontRef>
+          </p:style>
+        </p:cxnSp>
+        <p:cxnSp>
+          <p:nvCxnSpPr>
+            <p:cNvPr id="23" name="Elbow Connector 22">
+              <a:extLst>
+                <a:ext uri="{FF2B5EF4-FFF2-40B4-BE49-F238E27FC236}">
+                  <a16:creationId xmlns:a16="http://schemas.microsoft.com/office/drawing/2014/main" id="{D3FB33F6-99E9-1841-8555-F52B4072F0D3}"/>
+                </a:ext>
+              </a:extLst>
+            </p:cNvPr>
+            <p:cNvCxnSpPr/>
+            <p:nvPr/>
+          </p:nvCxnSpPr>
+          <p:spPr>
+            <a:xfrm>
+              <a:off x="7397312" y="4070839"/>
+              <a:ext cx="1275204" cy="537061"/>
+            </a:xfrm>
+            <a:prstGeom prst="bentConnector2">
+              <a:avLst/>
+            </a:prstGeom>
+            <a:ln>
+              <a:tailEnd type="triangle"/>
+            </a:ln>
+          </p:spPr>
+          <p:style>
+            <a:lnRef idx="2">
+              <a:schemeClr val="accent4"/>
+            </a:lnRef>
+            <a:fillRef idx="0">
+              <a:schemeClr val="accent4"/>
+            </a:fillRef>
+            <a:effectRef idx="1">
+              <a:schemeClr val="accent4"/>
+            </a:effectRef>
+            <a:fontRef idx="minor">
+              <a:schemeClr val="tx1"/>
+            </a:fontRef>
+          </p:style>
+        </p:cxnSp>
+      </p:grpSp>
     </p:spTree>
     <p:extLst>
       <p:ext uri="{BB962C8B-B14F-4D97-AF65-F5344CB8AC3E}">
-        <p14:creationId xmlns:p14="http://schemas.microsoft.com/office/powerpoint/2010/main" val="3963046097"/>
+        <p14:creationId xmlns:p14="http://schemas.microsoft.com/office/powerpoint/2010/main" val="1184662055"/>
       </p:ext>
     </p:extLst>
   </p:cSld>
@@ -22741,7 +23784,7 @@
                             </p:stCondLst>
                             <p:childTnLst>
                               <p:par>
-                                <p:cTn id="10" presetID="2" presetClass="entr" presetSubtype="8" fill="hold" grpId="0" nodeType="afterEffect">
+                                <p:cTn id="10" presetID="53" presetClass="entr" presetSubtype="16" fill="hold" nodeType="afterEffect">
                                   <p:stCondLst>
                                     <p:cond delay="0"/>
                                   </p:stCondLst>
@@ -22754,11 +23797,7 @@
                                           </p:stCondLst>
                                         </p:cTn>
                                         <p:tgtEl>
-                                          <p:spTgt spid="3">
-                                            <p:txEl>
-                                              <p:pRg st="0" end="0"/>
-                                            </p:txEl>
-                                          </p:spTgt>
+                                          <p:spTgt spid="14"/>
                                         </p:tgtEl>
                                         <p:attrNameLst>
                                           <p:attrName>style.visibility</p:attrName>
@@ -22769,247 +23808,59 @@
                                       </p:to>
                                     </p:set>
                                     <p:anim calcmode="lin" valueType="num">
-                                      <p:cBhvr additive="base">
+                                      <p:cBhvr>
                                         <p:cTn id="12" dur="500" fill="hold"/>
                                         <p:tgtEl>
-                                          <p:spTgt spid="3">
-                                            <p:txEl>
-                                              <p:pRg st="0" end="0"/>
-                                            </p:txEl>
-                                          </p:spTgt>
+                                          <p:spTgt spid="14"/>
                                         </p:tgtEl>
                                         <p:attrNameLst>
-                                          <p:attrName>ppt_x</p:attrName>
+                                          <p:attrName>ppt_w</p:attrName>
                                         </p:attrNameLst>
                                       </p:cBhvr>
                                       <p:tavLst>
                                         <p:tav tm="0">
                                           <p:val>
-                                            <p:strVal val="0-#ppt_w/2"/>
+                                            <p:fltVal val="0"/>
                                           </p:val>
                                         </p:tav>
                                         <p:tav tm="100000">
                                           <p:val>
-                                            <p:strVal val="#ppt_x"/>
+                                            <p:strVal val="#ppt_w"/>
                                           </p:val>
                                         </p:tav>
                                       </p:tavLst>
                                     </p:anim>
                                     <p:anim calcmode="lin" valueType="num">
-                                      <p:cBhvr additive="base">
+                                      <p:cBhvr>
                                         <p:cTn id="13" dur="500" fill="hold"/>
                                         <p:tgtEl>
-                                          <p:spTgt spid="3">
-                                            <p:txEl>
-                                              <p:pRg st="0" end="0"/>
-                                            </p:txEl>
-                                          </p:spTgt>
+                                          <p:spTgt spid="14"/>
                                         </p:tgtEl>
                                         <p:attrNameLst>
-                                          <p:attrName>ppt_y</p:attrName>
+                                          <p:attrName>ppt_h</p:attrName>
                                         </p:attrNameLst>
                                       </p:cBhvr>
                                       <p:tavLst>
                                         <p:tav tm="0">
                                           <p:val>
-                                            <p:strVal val="#ppt_y"/>
+                                            <p:fltVal val="0"/>
                                           </p:val>
                                         </p:tav>
                                         <p:tav tm="100000">
                                           <p:val>
-                                            <p:strVal val="#ppt_y"/>
+                                            <p:strVal val="#ppt_h"/>
                                           </p:val>
                                         </p:tav>
                                       </p:tavLst>
                                     </p:anim>
-                                  </p:childTnLst>
-                                </p:cTn>
-                              </p:par>
-                            </p:childTnLst>
-                          </p:cTn>
-                        </p:par>
-                        <p:par>
-                          <p:cTn id="14" fill="hold">
-                            <p:stCondLst>
-                              <p:cond delay="1000"/>
-                            </p:stCondLst>
-                            <p:childTnLst>
-                              <p:par>
-                                <p:cTn id="15" presetID="2" presetClass="entr" presetSubtype="8" fill="hold" grpId="0" nodeType="afterEffect">
-                                  <p:stCondLst>
-                                    <p:cond delay="0"/>
-                                  </p:stCondLst>
-                                  <p:childTnLst>
-                                    <p:set>
+                                    <p:animEffect transition="in" filter="fade">
                                       <p:cBhvr>
-                                        <p:cTn id="16" dur="1" fill="hold">
-                                          <p:stCondLst>
-                                            <p:cond delay="0"/>
-                                          </p:stCondLst>
-                                        </p:cTn>
+                                        <p:cTn id="14" dur="500"/>
                                         <p:tgtEl>
-                                          <p:spTgt spid="3">
-                                            <p:txEl>
-                                              <p:pRg st="1" end="1"/>
-                                            </p:txEl>
-                                          </p:spTgt>
+                                          <p:spTgt spid="14"/>
                                         </p:tgtEl>
-                                        <p:attrNameLst>
-                                          <p:attrName>style.visibility</p:attrName>
-                                        </p:attrNameLst>
                                       </p:cBhvr>
-                                      <p:to>
-                                        <p:strVal val="visible"/>
-                                      </p:to>
-                                    </p:set>
-                                    <p:anim calcmode="lin" valueType="num">
-                                      <p:cBhvr additive="base">
-                                        <p:cTn id="17" dur="500" fill="hold"/>
-                                        <p:tgtEl>
-                                          <p:spTgt spid="3">
-                                            <p:txEl>
-                                              <p:pRg st="1" end="1"/>
-                                            </p:txEl>
-                                          </p:spTgt>
-                                        </p:tgtEl>
-                                        <p:attrNameLst>
-                                          <p:attrName>ppt_x</p:attrName>
-                                        </p:attrNameLst>
-                                      </p:cBhvr>
-                                      <p:tavLst>
-                                        <p:tav tm="0">
-                                          <p:val>
-                                            <p:strVal val="0-#ppt_w/2"/>
-                                          </p:val>
-                                        </p:tav>
-                                        <p:tav tm="100000">
-                                          <p:val>
-                                            <p:strVal val="#ppt_x"/>
-                                          </p:val>
-                                        </p:tav>
-                                      </p:tavLst>
-                                    </p:anim>
-                                    <p:anim calcmode="lin" valueType="num">
-                                      <p:cBhvr additive="base">
-                                        <p:cTn id="18" dur="500" fill="hold"/>
-                                        <p:tgtEl>
-                                          <p:spTgt spid="3">
-                                            <p:txEl>
-                                              <p:pRg st="1" end="1"/>
-                                            </p:txEl>
-                                          </p:spTgt>
-                                        </p:tgtEl>
-                                        <p:attrNameLst>
-                                          <p:attrName>ppt_y</p:attrName>
-                                        </p:attrNameLst>
-                                      </p:cBhvr>
-                                      <p:tavLst>
-                                        <p:tav tm="0">
-                                          <p:val>
-                                            <p:strVal val="#ppt_y"/>
-                                          </p:val>
-                                        </p:tav>
-                                        <p:tav tm="100000">
-                                          <p:val>
-                                            <p:strVal val="#ppt_y"/>
-                                          </p:val>
-                                        </p:tav>
-                                      </p:tavLst>
-                                    </p:anim>
-                                  </p:childTnLst>
-                                </p:cTn>
-                              </p:par>
-                            </p:childTnLst>
-                          </p:cTn>
-                        </p:par>
-                        <p:par>
-                          <p:cTn id="19" fill="hold">
-                            <p:stCondLst>
-                              <p:cond delay="1500"/>
-                            </p:stCondLst>
-                            <p:childTnLst>
-                              <p:par>
-                                <p:cTn id="20" presetID="2" presetClass="entr" presetSubtype="8" fill="hold" grpId="0" nodeType="afterEffect">
-                                  <p:stCondLst>
-                                    <p:cond delay="0"/>
-                                  </p:stCondLst>
-                                  <p:childTnLst>
-                                    <p:set>
-                                      <p:cBhvr>
-                                        <p:cTn id="21" dur="1" fill="hold">
-                                          <p:stCondLst>
-                                            <p:cond delay="0"/>
-                                          </p:stCondLst>
-                                        </p:cTn>
-                                        <p:tgtEl>
-                                          <p:spTgt spid="3">
-                                            <p:txEl>
-                                              <p:pRg st="2" end="2"/>
-                                            </p:txEl>
-                                          </p:spTgt>
-                                        </p:tgtEl>
-                                        <p:attrNameLst>
-                                          <p:attrName>style.visibility</p:attrName>
-                                        </p:attrNameLst>
-                                      </p:cBhvr>
-                                      <p:to>
-                                        <p:strVal val="visible"/>
-                                      </p:to>
-                                    </p:set>
-                                    <p:anim calcmode="lin" valueType="num">
-                                      <p:cBhvr additive="base">
-                                        <p:cTn id="22" dur="500" fill="hold"/>
-                                        <p:tgtEl>
-                                          <p:spTgt spid="3">
-                                            <p:txEl>
-                                              <p:pRg st="2" end="2"/>
-                                            </p:txEl>
-                                          </p:spTgt>
-                                        </p:tgtEl>
-                                        <p:attrNameLst>
-                                          <p:attrName>ppt_x</p:attrName>
-                                        </p:attrNameLst>
-                                      </p:cBhvr>
-                                      <p:tavLst>
-                                        <p:tav tm="0">
-                                          <p:val>
-                                            <p:strVal val="0-#ppt_w/2"/>
-                                          </p:val>
-                                        </p:tav>
-                                        <p:tav tm="100000">
-                                          <p:val>
-                                            <p:strVal val="#ppt_x"/>
-                                          </p:val>
-                                        </p:tav>
-                                      </p:tavLst>
-                                    </p:anim>
-                                    <p:anim calcmode="lin" valueType="num">
-                                      <p:cBhvr additive="base">
-                                        <p:cTn id="23" dur="500" fill="hold"/>
-                                        <p:tgtEl>
-                                          <p:spTgt spid="3">
-                                            <p:txEl>
-                                              <p:pRg st="2" end="2"/>
-                                            </p:txEl>
-                                          </p:spTgt>
-                                        </p:tgtEl>
-                                        <p:attrNameLst>
-                                          <p:attrName>ppt_y</p:attrName>
-                                        </p:attrNameLst>
-                                      </p:cBhvr>
-                                      <p:tavLst>
-                                        <p:tav tm="0">
-                                          <p:val>
-                                            <p:strVal val="#ppt_y"/>
-                                          </p:val>
-                                        </p:tav>
-                                        <p:tav tm="100000">
-                                          <p:val>
-                                            <p:strVal val="#ppt_y"/>
-                                          </p:val>
-                                        </p:tav>
-                                      </p:tavLst>
-                                    </p:anim>
+                                    </p:animEffect>
                                   </p:childTnLst>
                                 </p:cTn>
                               </p:par>
@@ -23042,13 +23893,12 @@
     </p:tnLst>
     <p:bldLst>
       <p:bldP spid="2" grpId="0"/>
-      <p:bldP spid="3" grpId="0" uiExpand="1" build="p"/>
     </p:bldLst>
   </p:timing>
 </p:sld>
 </file>
 
-<file path=ppt/slides/slide7.xml><?xml version="1.0" encoding="utf-8"?>
+<file path=ppt/slides/slide8.xml><?xml version="1.0" encoding="utf-8"?>
 <p:sld xmlns:a="http://schemas.openxmlformats.org/drawingml/2006/main" xmlns:r="http://schemas.openxmlformats.org/officeDocument/2006/relationships" xmlns:p="http://schemas.openxmlformats.org/presentationml/2006/main">
   <p:cSld>
     <p:spTree>
@@ -23093,7 +23943,7 @@
           <a:p>
             <a:r>
               <a:rPr lang="en-US" dirty="0"/>
-              <a:t>User case diagram</a:t>
+              <a:t>Use case diagram</a:t>
             </a:r>
           </a:p>
         </p:txBody>
@@ -23112,10 +23962,10 @@
         </p:nvGrpSpPr>
         <p:grpSpPr>
           <a:xfrm>
-            <a:off x="2433501" y="883155"/>
-            <a:ext cx="4276998" cy="3930390"/>
-            <a:chOff x="2111595" y="865526"/>
-            <a:chExt cx="4276998" cy="3930390"/>
+            <a:off x="2558891" y="883155"/>
+            <a:ext cx="4248923" cy="3930390"/>
+            <a:chOff x="2236985" y="865526"/>
+            <a:chExt cx="4248923" cy="3930390"/>
           </a:xfrm>
         </p:grpSpPr>
         <p:grpSp>
@@ -23132,10 +23982,10 @@
           </p:nvGrpSpPr>
           <p:grpSpPr>
             <a:xfrm>
-              <a:off x="2111595" y="865526"/>
-              <a:ext cx="4276998" cy="3930390"/>
-              <a:chOff x="-73223" y="0"/>
-              <a:chExt cx="5210479" cy="5704205"/>
+              <a:off x="2236985" y="865526"/>
+              <a:ext cx="4248923" cy="3930390"/>
+              <a:chOff x="79534" y="0"/>
+              <a:chExt cx="5176276" cy="5704205"/>
             </a:xfrm>
           </p:grpSpPr>
           <p:sp>
@@ -23152,7 +24002,7 @@
             </p:nvSpPr>
             <p:spPr>
               <a:xfrm flipH="1">
-                <a:off x="4337249" y="3010395"/>
+                <a:off x="4455803" y="3105155"/>
                 <a:ext cx="800007" cy="363866"/>
               </a:xfrm>
               <a:prstGeom prst="rect">
@@ -23205,7 +24055,7 @@
                     <a:ea typeface="Calibri" panose="020F0502020204030204" pitchFamily="34" charset="0"/>
                     <a:cs typeface="Arial" panose="020B0604020202020204" pitchFamily="34" charset="0"/>
                   </a:rPr>
-                  <a:t>Student</a:t>
+                  <a:t>User</a:t>
                 </a:r>
                 <a:endParaRPr lang="en-US" sz="900" dirty="0">
                   <a:effectLst/>
@@ -23230,10 +24080,10 @@
             </p:nvGrpSpPr>
             <p:grpSpPr>
               <a:xfrm>
-                <a:off x="-73223" y="0"/>
-                <a:ext cx="4529026" cy="5704205"/>
-                <a:chOff x="-73223" y="0"/>
-                <a:chExt cx="4529026" cy="5704205"/>
+                <a:off x="79534" y="0"/>
+                <a:ext cx="4376269" cy="5704205"/>
+                <a:chOff x="79534" y="0"/>
+                <a:chExt cx="4376269" cy="5704205"/>
               </a:xfrm>
             </p:grpSpPr>
             <p:grpSp>
@@ -23250,10 +24100,10 @@
               </p:nvGrpSpPr>
               <p:grpSpPr>
                 <a:xfrm>
-                  <a:off x="-73223" y="0"/>
-                  <a:ext cx="4529026" cy="5704205"/>
-                  <a:chOff x="-73223" y="0"/>
-                  <a:chExt cx="4529026" cy="5704205"/>
+                  <a:off x="79534" y="0"/>
+                  <a:ext cx="4376269" cy="5704205"/>
+                  <a:chOff x="79534" y="0"/>
+                  <a:chExt cx="4376269" cy="5704205"/>
                 </a:xfrm>
               </p:grpSpPr>
               <p:grpSp>
@@ -23426,10 +24276,10 @@
                 </p:nvGrpSpPr>
                 <p:grpSpPr>
                   <a:xfrm>
-                    <a:off x="-73223" y="0"/>
-                    <a:ext cx="3578013" cy="5704205"/>
-                    <a:chOff x="-73223" y="0"/>
-                    <a:chExt cx="3578013" cy="5704205"/>
+                    <a:off x="79534" y="0"/>
+                    <a:ext cx="3425256" cy="5704205"/>
+                    <a:chOff x="79534" y="0"/>
+                    <a:chExt cx="3425256" cy="5704205"/>
                   </a:xfrm>
                 </p:grpSpPr>
                 <p:sp>
@@ -24021,7 +24871,7 @@
                   </p:nvSpPr>
                   <p:spPr>
                     <a:xfrm>
-                      <a:off x="-73223" y="3013967"/>
+                      <a:off x="79534" y="3058436"/>
                       <a:ext cx="878840" cy="363854"/>
                     </a:xfrm>
                     <a:prstGeom prst="rect">
@@ -24074,7 +24924,7 @@
                           <a:ea typeface="Calibri" panose="020F0502020204030204" pitchFamily="34" charset="0"/>
                           <a:cs typeface="Arial" panose="020B0604020202020204" pitchFamily="34" charset="0"/>
                         </a:rPr>
-                        <a:t>Librarian</a:t>
+                        <a:t>Admin</a:t>
                       </a:r>
                       <a:endParaRPr lang="en-US" sz="1000" dirty="0">
                         <a:effectLst/>
@@ -24654,7 +25504,7 @@
             <p:nvPr/>
           </p:nvPicPr>
           <p:blipFill>
-            <a:blip r:embed="rId2"/>
+            <a:blip r:embed="rId3"/>
             <a:stretch>
               <a:fillRect/>
             </a:stretch>
@@ -24684,7 +25534,7 @@
             <p:nvPr/>
           </p:nvPicPr>
           <p:blipFill>
-            <a:blip r:embed="rId2"/>
+            <a:blip r:embed="rId3"/>
             <a:stretch>
               <a:fillRect/>
             </a:stretch>
@@ -24927,7 +25777,7 @@
 </p:sld>
 </file>
 
-<file path=ppt/slides/slide8.xml><?xml version="1.0" encoding="utf-8"?>
+<file path=ppt/slides/slide9.xml><?xml version="1.0" encoding="utf-8"?>
 <p:sld xmlns:a="http://schemas.openxmlformats.org/drawingml/2006/main" xmlns:r="http://schemas.openxmlformats.org/officeDocument/2006/relationships" xmlns:p="http://schemas.openxmlformats.org/presentationml/2006/main">
   <p:cSld>
     <p:spTree>
@@ -26306,795 +27156,6 @@
 </p:sld>
 </file>
 
-<file path=ppt/slides/slide9.xml><?xml version="1.0" encoding="utf-8"?>
-<p:sld xmlns:a="http://schemas.openxmlformats.org/drawingml/2006/main" xmlns:r="http://schemas.openxmlformats.org/officeDocument/2006/relationships" xmlns:p="http://schemas.openxmlformats.org/presentationml/2006/main">
-  <p:cSld>
-    <p:spTree>
-      <p:nvGrpSpPr>
-        <p:cNvPr id="1" name=""/>
-        <p:cNvGrpSpPr/>
-        <p:nvPr/>
-      </p:nvGrpSpPr>
-      <p:grpSpPr>
-        <a:xfrm>
-          <a:off x="0" y="0"/>
-          <a:ext cx="0" cy="0"/>
-          <a:chOff x="0" y="0"/>
-          <a:chExt cx="0" cy="0"/>
-        </a:xfrm>
-      </p:grpSpPr>
-      <p:sp>
-        <p:nvSpPr>
-          <p:cNvPr id="2" name="Title 1">
-            <a:extLst>
-              <a:ext uri="{FF2B5EF4-FFF2-40B4-BE49-F238E27FC236}">
-                <a16:creationId xmlns:a16="http://schemas.microsoft.com/office/drawing/2014/main" id="{184AD8AD-6882-B241-A15F-9D72C87A0B6C}"/>
-              </a:ext>
-            </a:extLst>
-          </p:cNvPr>
-          <p:cNvSpPr>
-            <a:spLocks noGrp="1"/>
-          </p:cNvSpPr>
-          <p:nvPr>
-            <p:ph type="title"/>
-          </p:nvPr>
-        </p:nvSpPr>
-        <p:spPr/>
-        <p:txBody>
-          <a:bodyPr/>
-          <a:lstStyle/>
-          <a:p>
-            <a:r>
-              <a:rPr lang="en-NP" dirty="0"/>
-              <a:t>Waterfall Model</a:t>
-            </a:r>
-          </a:p>
-        </p:txBody>
-      </p:sp>
-      <p:grpSp>
-        <p:nvGrpSpPr>
-          <p:cNvPr id="14" name="Group 13">
-            <a:extLst>
-              <a:ext uri="{FF2B5EF4-FFF2-40B4-BE49-F238E27FC236}">
-                <a16:creationId xmlns:a16="http://schemas.microsoft.com/office/drawing/2014/main" id="{827B07B9-9C7A-4040-8757-EE488EDA8B78}"/>
-              </a:ext>
-            </a:extLst>
-          </p:cNvPr>
-          <p:cNvGrpSpPr/>
-          <p:nvPr/>
-        </p:nvGrpSpPr>
-        <p:grpSpPr>
-          <a:xfrm>
-            <a:off x="705998" y="1462088"/>
-            <a:ext cx="7716000" cy="3213600"/>
-            <a:chOff x="705998" y="1462088"/>
-            <a:chExt cx="11330164" cy="5279410"/>
-          </a:xfrm>
-        </p:grpSpPr>
-        <p:sp>
-          <p:nvSpPr>
-            <p:cNvPr id="15" name="Rounded Rectangle 14">
-              <a:extLst>
-                <a:ext uri="{FF2B5EF4-FFF2-40B4-BE49-F238E27FC236}">
-                  <a16:creationId xmlns:a16="http://schemas.microsoft.com/office/drawing/2014/main" id="{D6D7C434-1712-164F-9553-4350331BA75C}"/>
-                </a:ext>
-              </a:extLst>
-            </p:cNvPr>
-            <p:cNvSpPr/>
-            <p:nvPr/>
-          </p:nvSpPr>
-          <p:spPr>
-            <a:xfrm>
-              <a:off x="705998" y="1462088"/>
-              <a:ext cx="2076451" cy="1074127"/>
-            </a:xfrm>
-            <a:prstGeom prst="roundRect">
-              <a:avLst/>
-            </a:prstGeom>
-            <a:solidFill>
-              <a:schemeClr val="accent1"/>
-            </a:solidFill>
-            <a:ln w="19050">
-              <a:solidFill>
-                <a:schemeClr val="accent4"/>
-              </a:solidFill>
-            </a:ln>
-          </p:spPr>
-          <p:style>
-            <a:lnRef idx="2">
-              <a:schemeClr val="accent6"/>
-            </a:lnRef>
-            <a:fillRef idx="1">
-              <a:schemeClr val="lt1"/>
-            </a:fillRef>
-            <a:effectRef idx="0">
-              <a:schemeClr val="accent6"/>
-            </a:effectRef>
-            <a:fontRef idx="minor">
-              <a:schemeClr val="dk1"/>
-            </a:fontRef>
-          </p:style>
-          <p:txBody>
-            <a:bodyPr rtlCol="0" anchor="ctr"/>
-            <a:lstStyle/>
-            <a:p>
-              <a:pPr algn="ctr"/>
-              <a:r>
-                <a:rPr lang="en-NP" dirty="0">
-                  <a:solidFill>
-                    <a:srgbClr val="7E694C"/>
-                  </a:solidFill>
-                  <a:latin typeface="Times New Roman" panose="02020603050405020304" pitchFamily="18" charset="0"/>
-                  <a:cs typeface="Times New Roman" panose="02020603050405020304" pitchFamily="18" charset="0"/>
-                </a:rPr>
-                <a:t>Requirement gathering  and analysis</a:t>
-              </a:r>
-            </a:p>
-          </p:txBody>
-        </p:sp>
-        <p:sp>
-          <p:nvSpPr>
-            <p:cNvPr id="16" name="Rounded Rectangle 15">
-              <a:extLst>
-                <a:ext uri="{FF2B5EF4-FFF2-40B4-BE49-F238E27FC236}">
-                  <a16:creationId xmlns:a16="http://schemas.microsoft.com/office/drawing/2014/main" id="{86595C89-5CE4-BC4A-9830-2D075BF2A21C}"/>
-                </a:ext>
-              </a:extLst>
-            </p:cNvPr>
-            <p:cNvSpPr/>
-            <p:nvPr/>
-          </p:nvSpPr>
-          <p:spPr>
-            <a:xfrm>
-              <a:off x="5332856" y="3546229"/>
-              <a:ext cx="2076451" cy="1074127"/>
-            </a:xfrm>
-            <a:prstGeom prst="roundRect">
-              <a:avLst/>
-            </a:prstGeom>
-            <a:solidFill>
-              <a:schemeClr val="accent1"/>
-            </a:solidFill>
-            <a:ln w="19050">
-              <a:solidFill>
-                <a:schemeClr val="accent4"/>
-              </a:solidFill>
-            </a:ln>
-          </p:spPr>
-          <p:style>
-            <a:lnRef idx="2">
-              <a:schemeClr val="accent6"/>
-            </a:lnRef>
-            <a:fillRef idx="1">
-              <a:schemeClr val="lt1"/>
-            </a:fillRef>
-            <a:effectRef idx="0">
-              <a:schemeClr val="accent6"/>
-            </a:effectRef>
-            <a:fontRef idx="minor">
-              <a:schemeClr val="dk1"/>
-            </a:fontRef>
-          </p:style>
-          <p:txBody>
-            <a:bodyPr rtlCol="0" anchor="ctr"/>
-            <a:lstStyle/>
-            <a:p>
-              <a:pPr algn="ctr"/>
-              <a:r>
-                <a:rPr lang="en-NP" dirty="0">
-                  <a:solidFill>
-                    <a:srgbClr val="7E694C"/>
-                  </a:solidFill>
-                  <a:latin typeface="Times New Roman" panose="02020603050405020304" pitchFamily="18" charset="0"/>
-                  <a:cs typeface="Times New Roman" panose="02020603050405020304" pitchFamily="18" charset="0"/>
-                </a:rPr>
-                <a:t>Implementation</a:t>
-              </a:r>
-            </a:p>
-          </p:txBody>
-        </p:sp>
-        <p:sp>
-          <p:nvSpPr>
-            <p:cNvPr id="17" name="Rounded Rectangle 16">
-              <a:extLst>
-                <a:ext uri="{FF2B5EF4-FFF2-40B4-BE49-F238E27FC236}">
-                  <a16:creationId xmlns:a16="http://schemas.microsoft.com/office/drawing/2014/main" id="{C6F7D6A6-62D7-0749-A577-346EFD5313A7}"/>
-                </a:ext>
-              </a:extLst>
-            </p:cNvPr>
-            <p:cNvSpPr/>
-            <p:nvPr/>
-          </p:nvSpPr>
-          <p:spPr>
-            <a:xfrm>
-              <a:off x="3019427" y="2536213"/>
-              <a:ext cx="2076451" cy="1074127"/>
-            </a:xfrm>
-            <a:prstGeom prst="roundRect">
-              <a:avLst/>
-            </a:prstGeom>
-            <a:solidFill>
-              <a:schemeClr val="accent1"/>
-            </a:solidFill>
-            <a:ln w="19050">
-              <a:solidFill>
-                <a:schemeClr val="accent4"/>
-              </a:solidFill>
-            </a:ln>
-          </p:spPr>
-          <p:style>
-            <a:lnRef idx="2">
-              <a:schemeClr val="accent6"/>
-            </a:lnRef>
-            <a:fillRef idx="1">
-              <a:schemeClr val="lt1"/>
-            </a:fillRef>
-            <a:effectRef idx="0">
-              <a:schemeClr val="accent6"/>
-            </a:effectRef>
-            <a:fontRef idx="minor">
-              <a:schemeClr val="dk1"/>
-            </a:fontRef>
-          </p:style>
-          <p:txBody>
-            <a:bodyPr rtlCol="0" anchor="ctr"/>
-            <a:lstStyle/>
-            <a:p>
-              <a:pPr algn="ctr"/>
-              <a:r>
-                <a:rPr lang="en-US" dirty="0">
-                  <a:solidFill>
-                    <a:srgbClr val="7E694C"/>
-                  </a:solidFill>
-                  <a:latin typeface="Times New Roman" panose="02020603050405020304" pitchFamily="18" charset="0"/>
-                  <a:cs typeface="Times New Roman" panose="02020603050405020304" pitchFamily="18" charset="0"/>
-                </a:rPr>
-                <a:t>S</a:t>
-              </a:r>
-              <a:r>
-                <a:rPr lang="en-NP" dirty="0">
-                  <a:solidFill>
-                    <a:srgbClr val="7E694C"/>
-                  </a:solidFill>
-                  <a:latin typeface="Times New Roman" panose="02020603050405020304" pitchFamily="18" charset="0"/>
-                  <a:cs typeface="Times New Roman" panose="02020603050405020304" pitchFamily="18" charset="0"/>
-                </a:rPr>
-                <a:t>ystem Design</a:t>
-              </a:r>
-            </a:p>
-          </p:txBody>
-        </p:sp>
-        <p:sp>
-          <p:nvSpPr>
-            <p:cNvPr id="18" name="Rounded Rectangle 17">
-              <a:extLst>
-                <a:ext uri="{FF2B5EF4-FFF2-40B4-BE49-F238E27FC236}">
-                  <a16:creationId xmlns:a16="http://schemas.microsoft.com/office/drawing/2014/main" id="{F98BEDBE-A0F9-3040-8115-E5DA5C626E02}"/>
-                </a:ext>
-              </a:extLst>
-            </p:cNvPr>
-            <p:cNvSpPr/>
-            <p:nvPr/>
-          </p:nvSpPr>
-          <p:spPr>
-            <a:xfrm>
-              <a:off x="7646285" y="4593244"/>
-              <a:ext cx="2076450" cy="1074127"/>
-            </a:xfrm>
-            <a:prstGeom prst="roundRect">
-              <a:avLst/>
-            </a:prstGeom>
-            <a:solidFill>
-              <a:schemeClr val="accent1"/>
-            </a:solidFill>
-            <a:ln w="19050">
-              <a:solidFill>
-                <a:schemeClr val="accent4"/>
-              </a:solidFill>
-            </a:ln>
-          </p:spPr>
-          <p:style>
-            <a:lnRef idx="2">
-              <a:schemeClr val="accent6"/>
-            </a:lnRef>
-            <a:fillRef idx="1">
-              <a:schemeClr val="lt1"/>
-            </a:fillRef>
-            <a:effectRef idx="0">
-              <a:schemeClr val="accent6"/>
-            </a:effectRef>
-            <a:fontRef idx="minor">
-              <a:schemeClr val="dk1"/>
-            </a:fontRef>
-          </p:style>
-          <p:txBody>
-            <a:bodyPr rtlCol="0" anchor="ctr"/>
-            <a:lstStyle/>
-            <a:p>
-              <a:pPr algn="ctr"/>
-              <a:r>
-                <a:rPr lang="en-US" dirty="0">
-                  <a:solidFill>
-                    <a:srgbClr val="7E694C"/>
-                  </a:solidFill>
-                  <a:latin typeface="Times New Roman" panose="02020603050405020304" pitchFamily="18" charset="0"/>
-                  <a:cs typeface="Times New Roman" panose="02020603050405020304" pitchFamily="18" charset="0"/>
-                </a:rPr>
-                <a:t>I</a:t>
-              </a:r>
-              <a:r>
-                <a:rPr lang="en-NP" dirty="0">
-                  <a:solidFill>
-                    <a:srgbClr val="7E694C"/>
-                  </a:solidFill>
-                  <a:latin typeface="Times New Roman" panose="02020603050405020304" pitchFamily="18" charset="0"/>
-                  <a:cs typeface="Times New Roman" panose="02020603050405020304" pitchFamily="18" charset="0"/>
-                </a:rPr>
-                <a:t>ntegration and Testing</a:t>
-              </a:r>
-            </a:p>
-          </p:txBody>
-        </p:sp>
-        <p:sp>
-          <p:nvSpPr>
-            <p:cNvPr id="19" name="Rounded Rectangle 18">
-              <a:extLst>
-                <a:ext uri="{FF2B5EF4-FFF2-40B4-BE49-F238E27FC236}">
-                  <a16:creationId xmlns:a16="http://schemas.microsoft.com/office/drawing/2014/main" id="{E4678076-CE8A-BB4D-8961-AA716A06D734}"/>
-                </a:ext>
-              </a:extLst>
-            </p:cNvPr>
-            <p:cNvSpPr/>
-            <p:nvPr/>
-          </p:nvSpPr>
-          <p:spPr>
-            <a:xfrm>
-              <a:off x="9959713" y="5667371"/>
-              <a:ext cx="2076449" cy="1074127"/>
-            </a:xfrm>
-            <a:prstGeom prst="roundRect">
-              <a:avLst/>
-            </a:prstGeom>
-            <a:solidFill>
-              <a:schemeClr val="accent1"/>
-            </a:solidFill>
-            <a:ln w="19050">
-              <a:solidFill>
-                <a:schemeClr val="accent4"/>
-              </a:solidFill>
-            </a:ln>
-          </p:spPr>
-          <p:style>
-            <a:lnRef idx="2">
-              <a:schemeClr val="accent6"/>
-            </a:lnRef>
-            <a:fillRef idx="1">
-              <a:schemeClr val="lt1"/>
-            </a:fillRef>
-            <a:effectRef idx="0">
-              <a:schemeClr val="accent6"/>
-            </a:effectRef>
-            <a:fontRef idx="minor">
-              <a:schemeClr val="dk1"/>
-            </a:fontRef>
-          </p:style>
-          <p:txBody>
-            <a:bodyPr rtlCol="0" anchor="ctr"/>
-            <a:lstStyle/>
-            <a:p>
-              <a:pPr algn="ctr"/>
-              <a:r>
-                <a:rPr lang="en-NP" dirty="0">
-                  <a:solidFill>
-                    <a:srgbClr val="7E694C"/>
-                  </a:solidFill>
-                  <a:latin typeface="Times New Roman" panose="02020603050405020304" pitchFamily="18" charset="0"/>
-                  <a:cs typeface="Times New Roman" panose="02020603050405020304" pitchFamily="18" charset="0"/>
-                </a:rPr>
-                <a:t>Deployment and Testing</a:t>
-              </a:r>
-            </a:p>
-          </p:txBody>
-        </p:sp>
-        <p:cxnSp>
-          <p:nvCxnSpPr>
-            <p:cNvPr id="20" name="Elbow Connector 19">
-              <a:extLst>
-                <a:ext uri="{FF2B5EF4-FFF2-40B4-BE49-F238E27FC236}">
-                  <a16:creationId xmlns:a16="http://schemas.microsoft.com/office/drawing/2014/main" id="{A541F161-3D8A-F944-A14E-552FE2941CF6}"/>
-                </a:ext>
-              </a:extLst>
-            </p:cNvPr>
-            <p:cNvCxnSpPr>
-              <a:stCxn id="15" idx="3"/>
-              <a:endCxn id="17" idx="0"/>
-            </p:cNvCxnSpPr>
-            <p:nvPr/>
-          </p:nvCxnSpPr>
-          <p:spPr>
-            <a:xfrm>
-              <a:off x="2782449" y="1999152"/>
-              <a:ext cx="1275204" cy="537061"/>
-            </a:xfrm>
-            <a:prstGeom prst="bentConnector2">
-              <a:avLst/>
-            </a:prstGeom>
-            <a:ln>
-              <a:tailEnd type="triangle"/>
-            </a:ln>
-          </p:spPr>
-          <p:style>
-            <a:lnRef idx="2">
-              <a:schemeClr val="accent4"/>
-            </a:lnRef>
-            <a:fillRef idx="0">
-              <a:schemeClr val="accent4"/>
-            </a:fillRef>
-            <a:effectRef idx="1">
-              <a:schemeClr val="accent4"/>
-            </a:effectRef>
-            <a:fontRef idx="minor">
-              <a:schemeClr val="tx1"/>
-            </a:fontRef>
-          </p:style>
-        </p:cxnSp>
-        <p:cxnSp>
-          <p:nvCxnSpPr>
-            <p:cNvPr id="21" name="Elbow Connector 20">
-              <a:extLst>
-                <a:ext uri="{FF2B5EF4-FFF2-40B4-BE49-F238E27FC236}">
-                  <a16:creationId xmlns:a16="http://schemas.microsoft.com/office/drawing/2014/main" id="{8026F2B5-FB02-7648-BE71-9FA26741744A}"/>
-                </a:ext>
-              </a:extLst>
-            </p:cNvPr>
-            <p:cNvCxnSpPr/>
-            <p:nvPr/>
-          </p:nvCxnSpPr>
-          <p:spPr>
-            <a:xfrm>
-              <a:off x="5111312" y="3013564"/>
-              <a:ext cx="1275204" cy="537061"/>
-            </a:xfrm>
-            <a:prstGeom prst="bentConnector2">
-              <a:avLst/>
-            </a:prstGeom>
-            <a:ln>
-              <a:tailEnd type="triangle"/>
-            </a:ln>
-          </p:spPr>
-          <p:style>
-            <a:lnRef idx="2">
-              <a:schemeClr val="accent4"/>
-            </a:lnRef>
-            <a:fillRef idx="0">
-              <a:schemeClr val="accent4"/>
-            </a:fillRef>
-            <a:effectRef idx="1">
-              <a:schemeClr val="accent4"/>
-            </a:effectRef>
-            <a:fontRef idx="minor">
-              <a:schemeClr val="tx1"/>
-            </a:fontRef>
-          </p:style>
-        </p:cxnSp>
-        <p:cxnSp>
-          <p:nvCxnSpPr>
-            <p:cNvPr id="22" name="Elbow Connector 21">
-              <a:extLst>
-                <a:ext uri="{FF2B5EF4-FFF2-40B4-BE49-F238E27FC236}">
-                  <a16:creationId xmlns:a16="http://schemas.microsoft.com/office/drawing/2014/main" id="{577410B4-F453-2B44-9355-FA549940E42E}"/>
-                </a:ext>
-              </a:extLst>
-            </p:cNvPr>
-            <p:cNvCxnSpPr/>
-            <p:nvPr/>
-          </p:nvCxnSpPr>
-          <p:spPr>
-            <a:xfrm>
-              <a:off x="9740462" y="5128114"/>
-              <a:ext cx="1275204" cy="537061"/>
-            </a:xfrm>
-            <a:prstGeom prst="bentConnector2">
-              <a:avLst/>
-            </a:prstGeom>
-            <a:ln>
-              <a:tailEnd type="triangle"/>
-            </a:ln>
-          </p:spPr>
-          <p:style>
-            <a:lnRef idx="2">
-              <a:schemeClr val="accent4"/>
-            </a:lnRef>
-            <a:fillRef idx="0">
-              <a:schemeClr val="accent4"/>
-            </a:fillRef>
-            <a:effectRef idx="1">
-              <a:schemeClr val="accent4"/>
-            </a:effectRef>
-            <a:fontRef idx="minor">
-              <a:schemeClr val="tx1"/>
-            </a:fontRef>
-          </p:style>
-        </p:cxnSp>
-        <p:cxnSp>
-          <p:nvCxnSpPr>
-            <p:cNvPr id="23" name="Elbow Connector 22">
-              <a:extLst>
-                <a:ext uri="{FF2B5EF4-FFF2-40B4-BE49-F238E27FC236}">
-                  <a16:creationId xmlns:a16="http://schemas.microsoft.com/office/drawing/2014/main" id="{D3FB33F6-99E9-1841-8555-F52B4072F0D3}"/>
-                </a:ext>
-              </a:extLst>
-            </p:cNvPr>
-            <p:cNvCxnSpPr/>
-            <p:nvPr/>
-          </p:nvCxnSpPr>
-          <p:spPr>
-            <a:xfrm>
-              <a:off x="7397312" y="4070839"/>
-              <a:ext cx="1275204" cy="537061"/>
-            </a:xfrm>
-            <a:prstGeom prst="bentConnector2">
-              <a:avLst/>
-            </a:prstGeom>
-            <a:ln>
-              <a:tailEnd type="triangle"/>
-            </a:ln>
-          </p:spPr>
-          <p:style>
-            <a:lnRef idx="2">
-              <a:schemeClr val="accent4"/>
-            </a:lnRef>
-            <a:fillRef idx="0">
-              <a:schemeClr val="accent4"/>
-            </a:fillRef>
-            <a:effectRef idx="1">
-              <a:schemeClr val="accent4"/>
-            </a:effectRef>
-            <a:fontRef idx="minor">
-              <a:schemeClr val="tx1"/>
-            </a:fontRef>
-          </p:style>
-        </p:cxnSp>
-      </p:grpSp>
-    </p:spTree>
-    <p:extLst>
-      <p:ext uri="{BB962C8B-B14F-4D97-AF65-F5344CB8AC3E}">
-        <p14:creationId xmlns:p14="http://schemas.microsoft.com/office/powerpoint/2010/main" val="1184662055"/>
-      </p:ext>
-    </p:extLst>
-  </p:cSld>
-  <p:clrMapOvr>
-    <a:masterClrMapping/>
-  </p:clrMapOvr>
-  <mc:AlternateContent xmlns:mc="http://schemas.openxmlformats.org/markup-compatibility/2006" xmlns:p159="http://schemas.microsoft.com/office/powerpoint/2015/09/main">
-    <mc:Choice Requires="p159">
-      <p:transition xmlns:p14="http://schemas.microsoft.com/office/powerpoint/2010/main" spd="slow" p14:dur="2000">
-        <p159:morph option="byObject"/>
-      </p:transition>
-    </mc:Choice>
-    <mc:Fallback xmlns="">
-      <p:transition spd="slow">
-        <p:fade/>
-      </p:transition>
-    </mc:Fallback>
-  </mc:AlternateContent>
-  <p:timing>
-    <p:tnLst>
-      <p:par>
-        <p:cTn id="1" dur="indefinite" restart="never" nodeType="tmRoot">
-          <p:childTnLst>
-            <p:seq concurrent="1" nextAc="seek">
-              <p:cTn id="2" dur="indefinite" nodeType="mainSeq">
-                <p:childTnLst>
-                  <p:par>
-                    <p:cTn id="3" fill="hold">
-                      <p:stCondLst>
-                        <p:cond delay="indefinite"/>
-                      </p:stCondLst>
-                      <p:childTnLst>
-                        <p:par>
-                          <p:cTn id="4" fill="hold">
-                            <p:stCondLst>
-                              <p:cond delay="0"/>
-                            </p:stCondLst>
-                            <p:childTnLst>
-                              <p:par>
-                                <p:cTn id="5" presetID="2" presetClass="entr" presetSubtype="1" fill="hold" grpId="0" nodeType="clickEffect">
-                                  <p:stCondLst>
-                                    <p:cond delay="0"/>
-                                  </p:stCondLst>
-                                  <p:childTnLst>
-                                    <p:set>
-                                      <p:cBhvr>
-                                        <p:cTn id="6" dur="1" fill="hold">
-                                          <p:stCondLst>
-                                            <p:cond delay="0"/>
-                                          </p:stCondLst>
-                                        </p:cTn>
-                                        <p:tgtEl>
-                                          <p:spTgt spid="2"/>
-                                        </p:tgtEl>
-                                        <p:attrNameLst>
-                                          <p:attrName>style.visibility</p:attrName>
-                                        </p:attrNameLst>
-                                      </p:cBhvr>
-                                      <p:to>
-                                        <p:strVal val="visible"/>
-                                      </p:to>
-                                    </p:set>
-                                    <p:anim calcmode="lin" valueType="num">
-                                      <p:cBhvr additive="base">
-                                        <p:cTn id="7" dur="500" fill="hold"/>
-                                        <p:tgtEl>
-                                          <p:spTgt spid="2"/>
-                                        </p:tgtEl>
-                                        <p:attrNameLst>
-                                          <p:attrName>ppt_x</p:attrName>
-                                        </p:attrNameLst>
-                                      </p:cBhvr>
-                                      <p:tavLst>
-                                        <p:tav tm="0">
-                                          <p:val>
-                                            <p:strVal val="#ppt_x"/>
-                                          </p:val>
-                                        </p:tav>
-                                        <p:tav tm="100000">
-                                          <p:val>
-                                            <p:strVal val="#ppt_x"/>
-                                          </p:val>
-                                        </p:tav>
-                                      </p:tavLst>
-                                    </p:anim>
-                                    <p:anim calcmode="lin" valueType="num">
-                                      <p:cBhvr additive="base">
-                                        <p:cTn id="8" dur="500" fill="hold"/>
-                                        <p:tgtEl>
-                                          <p:spTgt spid="2"/>
-                                        </p:tgtEl>
-                                        <p:attrNameLst>
-                                          <p:attrName>ppt_y</p:attrName>
-                                        </p:attrNameLst>
-                                      </p:cBhvr>
-                                      <p:tavLst>
-                                        <p:tav tm="0">
-                                          <p:val>
-                                            <p:strVal val="0-#ppt_h/2"/>
-                                          </p:val>
-                                        </p:tav>
-                                        <p:tav tm="100000">
-                                          <p:val>
-                                            <p:strVal val="#ppt_y"/>
-                                          </p:val>
-                                        </p:tav>
-                                      </p:tavLst>
-                                    </p:anim>
-                                  </p:childTnLst>
-                                </p:cTn>
-                              </p:par>
-                            </p:childTnLst>
-                          </p:cTn>
-                        </p:par>
-                        <p:par>
-                          <p:cTn id="9" fill="hold">
-                            <p:stCondLst>
-                              <p:cond delay="500"/>
-                            </p:stCondLst>
-                            <p:childTnLst>
-                              <p:par>
-                                <p:cTn id="10" presetID="53" presetClass="entr" presetSubtype="16" fill="hold" nodeType="afterEffect">
-                                  <p:stCondLst>
-                                    <p:cond delay="0"/>
-                                  </p:stCondLst>
-                                  <p:childTnLst>
-                                    <p:set>
-                                      <p:cBhvr>
-                                        <p:cTn id="11" dur="1" fill="hold">
-                                          <p:stCondLst>
-                                            <p:cond delay="0"/>
-                                          </p:stCondLst>
-                                        </p:cTn>
-                                        <p:tgtEl>
-                                          <p:spTgt spid="14"/>
-                                        </p:tgtEl>
-                                        <p:attrNameLst>
-                                          <p:attrName>style.visibility</p:attrName>
-                                        </p:attrNameLst>
-                                      </p:cBhvr>
-                                      <p:to>
-                                        <p:strVal val="visible"/>
-                                      </p:to>
-                                    </p:set>
-                                    <p:anim calcmode="lin" valueType="num">
-                                      <p:cBhvr>
-                                        <p:cTn id="12" dur="500" fill="hold"/>
-                                        <p:tgtEl>
-                                          <p:spTgt spid="14"/>
-                                        </p:tgtEl>
-                                        <p:attrNameLst>
-                                          <p:attrName>ppt_w</p:attrName>
-                                        </p:attrNameLst>
-                                      </p:cBhvr>
-                                      <p:tavLst>
-                                        <p:tav tm="0">
-                                          <p:val>
-                                            <p:fltVal val="0"/>
-                                          </p:val>
-                                        </p:tav>
-                                        <p:tav tm="100000">
-                                          <p:val>
-                                            <p:strVal val="#ppt_w"/>
-                                          </p:val>
-                                        </p:tav>
-                                      </p:tavLst>
-                                    </p:anim>
-                                    <p:anim calcmode="lin" valueType="num">
-                                      <p:cBhvr>
-                                        <p:cTn id="13" dur="500" fill="hold"/>
-                                        <p:tgtEl>
-                                          <p:spTgt spid="14"/>
-                                        </p:tgtEl>
-                                        <p:attrNameLst>
-                                          <p:attrName>ppt_h</p:attrName>
-                                        </p:attrNameLst>
-                                      </p:cBhvr>
-                                      <p:tavLst>
-                                        <p:tav tm="0">
-                                          <p:val>
-                                            <p:fltVal val="0"/>
-                                          </p:val>
-                                        </p:tav>
-                                        <p:tav tm="100000">
-                                          <p:val>
-                                            <p:strVal val="#ppt_h"/>
-                                          </p:val>
-                                        </p:tav>
-                                      </p:tavLst>
-                                    </p:anim>
-                                    <p:animEffect transition="in" filter="fade">
-                                      <p:cBhvr>
-                                        <p:cTn id="14" dur="500"/>
-                                        <p:tgtEl>
-                                          <p:spTgt spid="14"/>
-                                        </p:tgtEl>
-                                      </p:cBhvr>
-                                    </p:animEffect>
-                                  </p:childTnLst>
-                                </p:cTn>
-                              </p:par>
-                            </p:childTnLst>
-                          </p:cTn>
-                        </p:par>
-                      </p:childTnLst>
-                    </p:cTn>
-                  </p:par>
-                </p:childTnLst>
-              </p:cTn>
-              <p:prevCondLst>
-                <p:cond evt="onPrev" delay="0">
-                  <p:tgtEl>
-                    <p:sldTgt/>
-                  </p:tgtEl>
-                </p:cond>
-              </p:prevCondLst>
-              <p:nextCondLst>
-                <p:cond evt="onNext" delay="0">
-                  <p:tgtEl>
-                    <p:sldTgt/>
-                  </p:tgtEl>
-                </p:cond>
-              </p:nextCondLst>
-            </p:seq>
-          </p:childTnLst>
-        </p:cTn>
-      </p:par>
-    </p:tnLst>
-    <p:bldLst>
-      <p:bldP spid="2" grpId="0"/>
-    </p:bldLst>
-  </p:timing>
-</p:sld>
-</file>
-
 <file path=ppt/theme/theme1.xml><?xml version="1.0" encoding="utf-8"?>
 <a:theme xmlns:a="http://schemas.openxmlformats.org/drawingml/2006/main" name="Generation of '27 by Slidesgo">
   <a:themeElements>
